--- a/_Ref/_Ref.Architecture.pptx
+++ b/_Ref/_Ref.Architecture.pptx
@@ -5,21 +5,22 @@
     <p:sldMasterId id="2147483649" r:id="rId4"/>
   </p:sldMasterIdLst>
   <p:notesMasterIdLst>
-    <p:notesMasterId r:id="rId14"/>
+    <p:notesMasterId r:id="rId15"/>
   </p:notesMasterIdLst>
   <p:handoutMasterIdLst>
-    <p:handoutMasterId r:id="rId15"/>
+    <p:handoutMasterId r:id="rId16"/>
   </p:handoutMasterIdLst>
   <p:sldIdLst>
     <p:sldId id="257" r:id="rId5"/>
     <p:sldId id="1755" r:id="rId6"/>
     <p:sldId id="1827" r:id="rId7"/>
     <p:sldId id="1734" r:id="rId8"/>
-    <p:sldId id="1846" r:id="rId9"/>
-    <p:sldId id="1769" r:id="rId10"/>
-    <p:sldId id="1844" r:id="rId11"/>
-    <p:sldId id="1845" r:id="rId12"/>
-    <p:sldId id="1789" r:id="rId13"/>
+    <p:sldId id="1848" r:id="rId9"/>
+    <p:sldId id="1846" r:id="rId10"/>
+    <p:sldId id="1769" r:id="rId11"/>
+    <p:sldId id="1844" r:id="rId12"/>
+    <p:sldId id="1845" r:id="rId13"/>
+    <p:sldId id="1789" r:id="rId14"/>
   </p:sldIdLst>
   <p:sldSz cx="12192000" cy="6858000"/>
   <p:notesSz cx="6858000" cy="9144000"/>
@@ -131,6 +132,7 @@
           <p14:sldIdLst>
             <p14:sldId id="1827"/>
             <p14:sldId id="1734"/>
+            <p14:sldId id="1848"/>
             <p14:sldId id="1846"/>
             <p14:sldId id="1769"/>
             <p14:sldId id="1844"/>
@@ -3237,6 +3239,353 @@
     </pc:docChg>
   </pc:docChgLst>
   <pc:docChgLst>
+    <pc:chgData name="Gellenoncourt, Kevin" userId="83ce2c6d-0bd4-4cd9-955e-dd3efc6a7d5a" providerId="ADAL" clId="{A3A60514-9E58-4D9E-99F4-2C9DAB55E9EE}"/>
+    <pc:docChg chg="undo custSel addSld modSld sldOrd modSection">
+      <pc:chgData name="Gellenoncourt, Kevin" userId="83ce2c6d-0bd4-4cd9-955e-dd3efc6a7d5a" providerId="ADAL" clId="{A3A60514-9E58-4D9E-99F4-2C9DAB55E9EE}" dt="2023-04-28T08:07:53.650" v="706"/>
+      <pc:docMkLst>
+        <pc:docMk/>
+      </pc:docMkLst>
+      <pc:sldChg chg="addSp modSp mod">
+        <pc:chgData name="Gellenoncourt, Kevin" userId="83ce2c6d-0bd4-4cd9-955e-dd3efc6a7d5a" providerId="ADAL" clId="{A3A60514-9E58-4D9E-99F4-2C9DAB55E9EE}" dt="2023-04-20T12:39:41.736" v="692" actId="20577"/>
+        <pc:sldMkLst>
+          <pc:docMk/>
+          <pc:sldMk cId="1278860628" sldId="1771"/>
+        </pc:sldMkLst>
+        <pc:spChg chg="add mod">
+          <ac:chgData name="Gellenoncourt, Kevin" userId="83ce2c6d-0bd4-4cd9-955e-dd3efc6a7d5a" providerId="ADAL" clId="{A3A60514-9E58-4D9E-99F4-2C9DAB55E9EE}" dt="2023-04-19T12:35:36.076" v="548" actId="14100"/>
+          <ac:spMkLst>
+            <pc:docMk/>
+            <pc:sldMk cId="1278860628" sldId="1771"/>
+            <ac:spMk id="3" creationId="{B48AAC35-A18D-069C-DDA7-2436D2499FB8}"/>
+          </ac:spMkLst>
+        </pc:spChg>
+        <pc:spChg chg="mod">
+          <ac:chgData name="Gellenoncourt, Kevin" userId="83ce2c6d-0bd4-4cd9-955e-dd3efc6a7d5a" providerId="ADAL" clId="{A3A60514-9E58-4D9E-99F4-2C9DAB55E9EE}" dt="2023-04-20T12:39:41.736" v="692" actId="20577"/>
+          <ac:spMkLst>
+            <pc:docMk/>
+            <pc:sldMk cId="1278860628" sldId="1771"/>
+            <ac:spMk id="18" creationId="{D29CFD93-4DA2-4C5E-8607-CE2A1EFFD801}"/>
+          </ac:spMkLst>
+        </pc:spChg>
+      </pc:sldChg>
+      <pc:sldChg chg="modSp mod">
+        <pc:chgData name="Gellenoncourt, Kevin" userId="83ce2c6d-0bd4-4cd9-955e-dd3efc6a7d5a" providerId="ADAL" clId="{A3A60514-9E58-4D9E-99F4-2C9DAB55E9EE}" dt="2023-04-17T09:48:13.323" v="194" actId="14100"/>
+        <pc:sldMkLst>
+          <pc:docMk/>
+          <pc:sldMk cId="1847149617" sldId="1823"/>
+        </pc:sldMkLst>
+        <pc:spChg chg="mod">
+          <ac:chgData name="Gellenoncourt, Kevin" userId="83ce2c6d-0bd4-4cd9-955e-dd3efc6a7d5a" providerId="ADAL" clId="{A3A60514-9E58-4D9E-99F4-2C9DAB55E9EE}" dt="2023-04-17T09:47:57.162" v="193" actId="14100"/>
+          <ac:spMkLst>
+            <pc:docMk/>
+            <pc:sldMk cId="1847149617" sldId="1823"/>
+            <ac:spMk id="11" creationId="{842C7B8B-D546-5F52-8614-36B5D5B7072A}"/>
+          </ac:spMkLst>
+        </pc:spChg>
+        <pc:spChg chg="mod">
+          <ac:chgData name="Gellenoncourt, Kevin" userId="83ce2c6d-0bd4-4cd9-955e-dd3efc6a7d5a" providerId="ADAL" clId="{A3A60514-9E58-4D9E-99F4-2C9DAB55E9EE}" dt="2023-04-14T15:16:51.501" v="75" actId="20577"/>
+          <ac:spMkLst>
+            <pc:docMk/>
+            <pc:sldMk cId="1847149617" sldId="1823"/>
+            <ac:spMk id="12" creationId="{B104700F-4F00-45C5-9952-8E84D40A9556}"/>
+          </ac:spMkLst>
+        </pc:spChg>
+        <pc:spChg chg="mod">
+          <ac:chgData name="Gellenoncourt, Kevin" userId="83ce2c6d-0bd4-4cd9-955e-dd3efc6a7d5a" providerId="ADAL" clId="{A3A60514-9E58-4D9E-99F4-2C9DAB55E9EE}" dt="2023-04-14T15:15:57.774" v="67" actId="14100"/>
+          <ac:spMkLst>
+            <pc:docMk/>
+            <pc:sldMk cId="1847149617" sldId="1823"/>
+            <ac:spMk id="14" creationId="{417EBD97-910E-B0D6-C155-F9B9D1A40E38}"/>
+          </ac:spMkLst>
+        </pc:spChg>
+        <pc:spChg chg="mod">
+          <ac:chgData name="Gellenoncourt, Kevin" userId="83ce2c6d-0bd4-4cd9-955e-dd3efc6a7d5a" providerId="ADAL" clId="{A3A60514-9E58-4D9E-99F4-2C9DAB55E9EE}" dt="2023-04-17T09:48:13.323" v="194" actId="14100"/>
+          <ac:spMkLst>
+            <pc:docMk/>
+            <pc:sldMk cId="1847149617" sldId="1823"/>
+            <ac:spMk id="27" creationId="{416BE16B-1E8C-48FA-B7AE-7624496931AD}"/>
+          </ac:spMkLst>
+        </pc:spChg>
+      </pc:sldChg>
+      <pc:sldChg chg="modSp mod">
+        <pc:chgData name="Gellenoncourt, Kevin" userId="83ce2c6d-0bd4-4cd9-955e-dd3efc6a7d5a" providerId="ADAL" clId="{A3A60514-9E58-4D9E-99F4-2C9DAB55E9EE}" dt="2023-04-14T15:15:37.539" v="65" actId="13926"/>
+        <pc:sldMkLst>
+          <pc:docMk/>
+          <pc:sldMk cId="2789654304" sldId="1826"/>
+        </pc:sldMkLst>
+        <pc:spChg chg="mod">
+          <ac:chgData name="Gellenoncourt, Kevin" userId="83ce2c6d-0bd4-4cd9-955e-dd3efc6a7d5a" providerId="ADAL" clId="{A3A60514-9E58-4D9E-99F4-2C9DAB55E9EE}" dt="2023-04-14T15:15:37.539" v="65" actId="13926"/>
+          <ac:spMkLst>
+            <pc:docMk/>
+            <pc:sldMk cId="2789654304" sldId="1826"/>
+            <ac:spMk id="10" creationId="{5BEE6695-E1F4-866A-0C79-858782B14051}"/>
+          </ac:spMkLst>
+        </pc:spChg>
+        <pc:spChg chg="mod">
+          <ac:chgData name="Gellenoncourt, Kevin" userId="83ce2c6d-0bd4-4cd9-955e-dd3efc6a7d5a" providerId="ADAL" clId="{A3A60514-9E58-4D9E-99F4-2C9DAB55E9EE}" dt="2023-04-14T15:15:15.353" v="63" actId="14100"/>
+          <ac:spMkLst>
+            <pc:docMk/>
+            <pc:sldMk cId="2789654304" sldId="1826"/>
+            <ac:spMk id="13" creationId="{C083206D-4CC2-5447-AAAA-BD90521B11AA}"/>
+          </ac:spMkLst>
+        </pc:spChg>
+        <pc:spChg chg="mod">
+          <ac:chgData name="Gellenoncourt, Kevin" userId="83ce2c6d-0bd4-4cd9-955e-dd3efc6a7d5a" providerId="ADAL" clId="{A3A60514-9E58-4D9E-99F4-2C9DAB55E9EE}" dt="2023-04-14T15:14:51.233" v="54" actId="1036"/>
+          <ac:spMkLst>
+            <pc:docMk/>
+            <pc:sldMk cId="2789654304" sldId="1826"/>
+            <ac:spMk id="14" creationId="{FAD498DE-6D7E-4853-FCE8-768C1D49C1F6}"/>
+          </ac:spMkLst>
+        </pc:spChg>
+        <pc:spChg chg="mod">
+          <ac:chgData name="Gellenoncourt, Kevin" userId="83ce2c6d-0bd4-4cd9-955e-dd3efc6a7d5a" providerId="ADAL" clId="{A3A60514-9E58-4D9E-99F4-2C9DAB55E9EE}" dt="2023-04-14T15:14:37.857" v="50" actId="20577"/>
+          <ac:spMkLst>
+            <pc:docMk/>
+            <pc:sldMk cId="2789654304" sldId="1826"/>
+            <ac:spMk id="19" creationId="{1F95986F-431B-E99B-9C26-4159CCAC4D58}"/>
+          </ac:spMkLst>
+        </pc:spChg>
+        <pc:spChg chg="mod">
+          <ac:chgData name="Gellenoncourt, Kevin" userId="83ce2c6d-0bd4-4cd9-955e-dd3efc6a7d5a" providerId="ADAL" clId="{A3A60514-9E58-4D9E-99F4-2C9DAB55E9EE}" dt="2023-04-14T15:15:27.401" v="64" actId="20577"/>
+          <ac:spMkLst>
+            <pc:docMk/>
+            <pc:sldMk cId="2789654304" sldId="1826"/>
+            <ac:spMk id="20" creationId="{B547579E-0297-7065-3C2B-B32E8777C39F}"/>
+          </ac:spMkLst>
+        </pc:spChg>
+      </pc:sldChg>
+      <pc:sldChg chg="delSp modSp mod modCm">
+        <pc:chgData name="Gellenoncourt, Kevin" userId="83ce2c6d-0bd4-4cd9-955e-dd3efc6a7d5a" providerId="ADAL" clId="{A3A60514-9E58-4D9E-99F4-2C9DAB55E9EE}" dt="2023-04-28T08:07:18.472" v="702" actId="20577"/>
+        <pc:sldMkLst>
+          <pc:docMk/>
+          <pc:sldMk cId="394559105" sldId="1828"/>
+        </pc:sldMkLst>
+        <pc:spChg chg="mod">
+          <ac:chgData name="Gellenoncourt, Kevin" userId="83ce2c6d-0bd4-4cd9-955e-dd3efc6a7d5a" providerId="ADAL" clId="{A3A60514-9E58-4D9E-99F4-2C9DAB55E9EE}" dt="2023-04-28T08:07:18.472" v="702" actId="20577"/>
+          <ac:spMkLst>
+            <pc:docMk/>
+            <pc:sldMk cId="394559105" sldId="1828"/>
+            <ac:spMk id="2" creationId="{81B4020D-2DE6-4B6C-822C-676A9E68ECFA}"/>
+          </ac:spMkLst>
+        </pc:spChg>
+        <pc:spChg chg="mod">
+          <ac:chgData name="Gellenoncourt, Kevin" userId="83ce2c6d-0bd4-4cd9-955e-dd3efc6a7d5a" providerId="ADAL" clId="{A3A60514-9E58-4D9E-99F4-2C9DAB55E9EE}" dt="2023-04-13T12:14:55.972" v="37" actId="14100"/>
+          <ac:spMkLst>
+            <pc:docMk/>
+            <pc:sldMk cId="394559105" sldId="1828"/>
+            <ac:spMk id="4" creationId="{A0E49883-BD02-0EF4-758D-0FF455BDA027}"/>
+          </ac:spMkLst>
+        </pc:spChg>
+        <pc:spChg chg="mod">
+          <ac:chgData name="Gellenoncourt, Kevin" userId="83ce2c6d-0bd4-4cd9-955e-dd3efc6a7d5a" providerId="ADAL" clId="{A3A60514-9E58-4D9E-99F4-2C9DAB55E9EE}" dt="2023-04-14T15:12:37.127" v="38" actId="20577"/>
+          <ac:spMkLst>
+            <pc:docMk/>
+            <pc:sldMk cId="394559105" sldId="1828"/>
+            <ac:spMk id="9" creationId="{77C3B844-E6D7-3624-1D88-491DC7FBE73F}"/>
+          </ac:spMkLst>
+        </pc:spChg>
+        <pc:spChg chg="mod">
+          <ac:chgData name="Gellenoncourt, Kevin" userId="83ce2c6d-0bd4-4cd9-955e-dd3efc6a7d5a" providerId="ADAL" clId="{A3A60514-9E58-4D9E-99F4-2C9DAB55E9EE}" dt="2023-04-13T12:14:45.162" v="21" actId="14100"/>
+          <ac:spMkLst>
+            <pc:docMk/>
+            <pc:sldMk cId="394559105" sldId="1828"/>
+            <ac:spMk id="11" creationId="{41A27570-4EE7-B3BA-F6CB-2BF7908DDCBF}"/>
+          </ac:spMkLst>
+        </pc:spChg>
+        <pc:spChg chg="mod">
+          <ac:chgData name="Gellenoncourt, Kevin" userId="83ce2c6d-0bd4-4cd9-955e-dd3efc6a7d5a" providerId="ADAL" clId="{A3A60514-9E58-4D9E-99F4-2C9DAB55E9EE}" dt="2023-04-13T12:14:51.807" v="35" actId="1035"/>
+          <ac:spMkLst>
+            <pc:docMk/>
+            <pc:sldMk cId="394559105" sldId="1828"/>
+            <ac:spMk id="15" creationId="{9D7E702D-19C2-2F3F-70B5-73F6CC7B90B0}"/>
+          </ac:spMkLst>
+        </pc:spChg>
+        <pc:spChg chg="mod">
+          <ac:chgData name="Gellenoncourt, Kevin" userId="83ce2c6d-0bd4-4cd9-955e-dd3efc6a7d5a" providerId="ADAL" clId="{A3A60514-9E58-4D9E-99F4-2C9DAB55E9EE}" dt="2023-04-13T12:14:53.671" v="36" actId="14100"/>
+          <ac:spMkLst>
+            <pc:docMk/>
+            <pc:sldMk cId="394559105" sldId="1828"/>
+            <ac:spMk id="16" creationId="{193E23CE-10D3-6AF3-8769-9A0DD9180317}"/>
+          </ac:spMkLst>
+        </pc:spChg>
+        <pc:spChg chg="mod">
+          <ac:chgData name="Gellenoncourt, Kevin" userId="83ce2c6d-0bd4-4cd9-955e-dd3efc6a7d5a" providerId="ADAL" clId="{A3A60514-9E58-4D9E-99F4-2C9DAB55E9EE}" dt="2023-04-17T09:49:12.005" v="238" actId="14100"/>
+          <ac:spMkLst>
+            <pc:docMk/>
+            <pc:sldMk cId="394559105" sldId="1828"/>
+            <ac:spMk id="23" creationId="{D45C1964-3199-AEA8-A302-B7CC89E83D1C}"/>
+          </ac:spMkLst>
+        </pc:spChg>
+        <pc:spChg chg="del mod">
+          <ac:chgData name="Gellenoncourt, Kevin" userId="83ce2c6d-0bd4-4cd9-955e-dd3efc6a7d5a" providerId="ADAL" clId="{A3A60514-9E58-4D9E-99F4-2C9DAB55E9EE}" dt="2023-04-17T09:49:08.618" v="237" actId="21"/>
+          <ac:spMkLst>
+            <pc:docMk/>
+            <pc:sldMk cId="394559105" sldId="1828"/>
+            <ac:spMk id="25" creationId="{1F44828C-2473-8027-6E16-DD3C9C323280}"/>
+          </ac:spMkLst>
+        </pc:spChg>
+      </pc:sldChg>
+      <pc:sldChg chg="addSp modSp mod ord">
+        <pc:chgData name="Gellenoncourt, Kevin" userId="83ce2c6d-0bd4-4cd9-955e-dd3efc6a7d5a" providerId="ADAL" clId="{A3A60514-9E58-4D9E-99F4-2C9DAB55E9EE}" dt="2023-04-28T08:07:29.764" v="704"/>
+        <pc:sldMkLst>
+          <pc:docMk/>
+          <pc:sldMk cId="1931217021" sldId="1830"/>
+        </pc:sldMkLst>
+        <pc:spChg chg="mod">
+          <ac:chgData name="Gellenoncourt, Kevin" userId="83ce2c6d-0bd4-4cd9-955e-dd3efc6a7d5a" providerId="ADAL" clId="{A3A60514-9E58-4D9E-99F4-2C9DAB55E9EE}" dt="2023-04-20T08:30:01.275" v="573" actId="20577"/>
+          <ac:spMkLst>
+            <pc:docMk/>
+            <pc:sldMk cId="1931217021" sldId="1830"/>
+            <ac:spMk id="3" creationId="{968DACCB-6332-4C26-39F2-2D374711D2B0}"/>
+          </ac:spMkLst>
+        </pc:spChg>
+        <pc:spChg chg="add mod">
+          <ac:chgData name="Gellenoncourt, Kevin" userId="83ce2c6d-0bd4-4cd9-955e-dd3efc6a7d5a" providerId="ADAL" clId="{A3A60514-9E58-4D9E-99F4-2C9DAB55E9EE}" dt="2023-04-20T08:30:58.508" v="610" actId="14100"/>
+          <ac:spMkLst>
+            <pc:docMk/>
+            <pc:sldMk cId="1931217021" sldId="1830"/>
+            <ac:spMk id="5" creationId="{70270940-53A9-A871-FF5F-3D0FED83C951}"/>
+          </ac:spMkLst>
+        </pc:spChg>
+      </pc:sldChg>
+      <pc:sldChg chg="addSp delSp modSp add mod ord delCm modCm">
+        <pc:chgData name="Gellenoncourt, Kevin" userId="83ce2c6d-0bd4-4cd9-955e-dd3efc6a7d5a" providerId="ADAL" clId="{A3A60514-9E58-4D9E-99F4-2C9DAB55E9EE}" dt="2023-04-28T08:07:53.650" v="706"/>
+        <pc:sldMkLst>
+          <pc:docMk/>
+          <pc:sldMk cId="3334357831" sldId="1831"/>
+        </pc:sldMkLst>
+        <pc:spChg chg="mod">
+          <ac:chgData name="Gellenoncourt, Kevin" userId="83ce2c6d-0bd4-4cd9-955e-dd3efc6a7d5a" providerId="ADAL" clId="{A3A60514-9E58-4D9E-99F4-2C9DAB55E9EE}" dt="2023-04-18T16:05:25.425" v="420" actId="20577"/>
+          <ac:spMkLst>
+            <pc:docMk/>
+            <pc:sldMk cId="3334357831" sldId="1831"/>
+            <ac:spMk id="3" creationId="{C3167168-4490-6A90-9CBD-B650CA1D9D85}"/>
+          </ac:spMkLst>
+        </pc:spChg>
+        <pc:spChg chg="mod">
+          <ac:chgData name="Gellenoncourt, Kevin" userId="83ce2c6d-0bd4-4cd9-955e-dd3efc6a7d5a" providerId="ADAL" clId="{A3A60514-9E58-4D9E-99F4-2C9DAB55E9EE}" dt="2023-04-17T09:48:50.093" v="236" actId="20577"/>
+          <ac:spMkLst>
+            <pc:docMk/>
+            <pc:sldMk cId="3334357831" sldId="1831"/>
+            <ac:spMk id="7" creationId="{F13AB203-EAC6-E49A-83BD-3061EAD28268}"/>
+          </ac:spMkLst>
+        </pc:spChg>
+        <pc:spChg chg="add mod">
+          <ac:chgData name="Gellenoncourt, Kevin" userId="83ce2c6d-0bd4-4cd9-955e-dd3efc6a7d5a" providerId="ADAL" clId="{A3A60514-9E58-4D9E-99F4-2C9DAB55E9EE}" dt="2023-04-18T16:04:37.975" v="395" actId="14100"/>
+          <ac:spMkLst>
+            <pc:docMk/>
+            <pc:sldMk cId="3334357831" sldId="1831"/>
+            <ac:spMk id="10" creationId="{2825B4BF-40B3-9FBF-C859-DA93D2777B60}"/>
+          </ac:spMkLst>
+        </pc:spChg>
+        <pc:spChg chg="mod">
+          <ac:chgData name="Gellenoncourt, Kevin" userId="83ce2c6d-0bd4-4cd9-955e-dd3efc6a7d5a" providerId="ADAL" clId="{A3A60514-9E58-4D9E-99F4-2C9DAB55E9EE}" dt="2023-04-18T16:05:36.979" v="436" actId="20577"/>
+          <ac:spMkLst>
+            <pc:docMk/>
+            <pc:sldMk cId="3334357831" sldId="1831"/>
+            <ac:spMk id="11" creationId="{842C7B8B-D546-5F52-8614-36B5D5B7072A}"/>
+          </ac:spMkLst>
+        </pc:spChg>
+        <pc:spChg chg="mod">
+          <ac:chgData name="Gellenoncourt, Kevin" userId="83ce2c6d-0bd4-4cd9-955e-dd3efc6a7d5a" providerId="ADAL" clId="{A3A60514-9E58-4D9E-99F4-2C9DAB55E9EE}" dt="2023-04-17T09:46:44.785" v="160" actId="14100"/>
+          <ac:spMkLst>
+            <pc:docMk/>
+            <pc:sldMk cId="3334357831" sldId="1831"/>
+            <ac:spMk id="12" creationId="{B104700F-4F00-45C5-9952-8E84D40A9556}"/>
+          </ac:spMkLst>
+        </pc:spChg>
+        <pc:spChg chg="add mod">
+          <ac:chgData name="Gellenoncourt, Kevin" userId="83ce2c6d-0bd4-4cd9-955e-dd3efc6a7d5a" providerId="ADAL" clId="{A3A60514-9E58-4D9E-99F4-2C9DAB55E9EE}" dt="2023-04-18T16:04:50.715" v="400" actId="14100"/>
+          <ac:spMkLst>
+            <pc:docMk/>
+            <pc:sldMk cId="3334357831" sldId="1831"/>
+            <ac:spMk id="13" creationId="{7BDA3FE1-028D-4F92-3CCF-B587021596BC}"/>
+          </ac:spMkLst>
+        </pc:spChg>
+        <pc:spChg chg="mod">
+          <ac:chgData name="Gellenoncourt, Kevin" userId="83ce2c6d-0bd4-4cd9-955e-dd3efc6a7d5a" providerId="ADAL" clId="{A3A60514-9E58-4D9E-99F4-2C9DAB55E9EE}" dt="2023-04-18T16:01:27.465" v="308" actId="20577"/>
+          <ac:spMkLst>
+            <pc:docMk/>
+            <pc:sldMk cId="3334357831" sldId="1831"/>
+            <ac:spMk id="14" creationId="{417EBD97-910E-B0D6-C155-F9B9D1A40E38}"/>
+          </ac:spMkLst>
+        </pc:spChg>
+        <pc:spChg chg="mod">
+          <ac:chgData name="Gellenoncourt, Kevin" userId="83ce2c6d-0bd4-4cd9-955e-dd3efc6a7d5a" providerId="ADAL" clId="{A3A60514-9E58-4D9E-99F4-2C9DAB55E9EE}" dt="2023-04-18T16:05:05.593" v="404" actId="20577"/>
+          <ac:spMkLst>
+            <pc:docMk/>
+            <pc:sldMk cId="3334357831" sldId="1831"/>
+            <ac:spMk id="15" creationId="{C7C48C59-B55F-8595-05E0-5A4B5D311AD4}"/>
+          </ac:spMkLst>
+        </pc:spChg>
+        <pc:spChg chg="add mod">
+          <ac:chgData name="Gellenoncourt, Kevin" userId="83ce2c6d-0bd4-4cd9-955e-dd3efc6a7d5a" providerId="ADAL" clId="{A3A60514-9E58-4D9E-99F4-2C9DAB55E9EE}" dt="2023-04-18T07:45:25.921" v="301" actId="3626"/>
+          <ac:spMkLst>
+            <pc:docMk/>
+            <pc:sldMk cId="3334357831" sldId="1831"/>
+            <ac:spMk id="16" creationId="{81C3B5F2-BA6E-CA36-C55C-CF4E663B99D6}"/>
+          </ac:spMkLst>
+        </pc:spChg>
+        <pc:spChg chg="add mod">
+          <ac:chgData name="Gellenoncourt, Kevin" userId="83ce2c6d-0bd4-4cd9-955e-dd3efc6a7d5a" providerId="ADAL" clId="{A3A60514-9E58-4D9E-99F4-2C9DAB55E9EE}" dt="2023-04-18T16:04:17.494" v="388" actId="1076"/>
+          <ac:spMkLst>
+            <pc:docMk/>
+            <pc:sldMk cId="3334357831" sldId="1831"/>
+            <ac:spMk id="17" creationId="{62072801-7EBE-BFDE-4B12-69A8A9B2A3BF}"/>
+          </ac:spMkLst>
+        </pc:spChg>
+        <pc:spChg chg="add mod">
+          <ac:chgData name="Gellenoncourt, Kevin" userId="83ce2c6d-0bd4-4cd9-955e-dd3efc6a7d5a" providerId="ADAL" clId="{A3A60514-9E58-4D9E-99F4-2C9DAB55E9EE}" dt="2023-04-18T16:04:31.819" v="394" actId="14100"/>
+          <ac:spMkLst>
+            <pc:docMk/>
+            <pc:sldMk cId="3334357831" sldId="1831"/>
+            <ac:spMk id="18" creationId="{12AF2180-CD55-EF16-53B3-15E6809EC565}"/>
+          </ac:spMkLst>
+        </pc:spChg>
+        <pc:spChg chg="del">
+          <ac:chgData name="Gellenoncourt, Kevin" userId="83ce2c6d-0bd4-4cd9-955e-dd3efc6a7d5a" providerId="ADAL" clId="{A3A60514-9E58-4D9E-99F4-2C9DAB55E9EE}" dt="2023-04-17T09:46:36.095" v="158" actId="478"/>
+          <ac:spMkLst>
+            <pc:docMk/>
+            <pc:sldMk cId="3334357831" sldId="1831"/>
+            <ac:spMk id="21" creationId="{7B90F373-D3ED-4A5A-81DD-11B4B5E645DB}"/>
+          </ac:spMkLst>
+        </pc:spChg>
+        <pc:spChg chg="mod">
+          <ac:chgData name="Gellenoncourt, Kevin" userId="83ce2c6d-0bd4-4cd9-955e-dd3efc6a7d5a" providerId="ADAL" clId="{A3A60514-9E58-4D9E-99F4-2C9DAB55E9EE}" dt="2023-04-18T16:02:45.718" v="344" actId="14100"/>
+          <ac:spMkLst>
+            <pc:docMk/>
+            <pc:sldMk cId="3334357831" sldId="1831"/>
+            <ac:spMk id="27" creationId="{416BE16B-1E8C-48FA-B7AE-7624496931AD}"/>
+          </ac:spMkLst>
+        </pc:spChg>
+      </pc:sldChg>
+    </pc:docChg>
+  </pc:docChgLst>
+  <pc:docChgLst>
+    <pc:chgData name="Gellenoncourt, Kevin" userId="S::kevin.gellenoncourt@baloise.lu::83ce2c6d-0bd4-4cd9-955e-dd3efc6a7d5a" providerId="AD" clId="Web-{D2663519-9D01-FDB8-251D-BAF415C6E9C5}"/>
+    <pc:docChg chg="modSld">
+      <pc:chgData name="Gellenoncourt, Kevin" userId="S::kevin.gellenoncourt@baloise.lu::83ce2c6d-0bd4-4cd9-955e-dd3efc6a7d5a" providerId="AD" clId="Web-{D2663519-9D01-FDB8-251D-BAF415C6E9C5}" dt="2022-12-08T15:22:13.238" v="139"/>
+      <pc:docMkLst>
+        <pc:docMk/>
+      </pc:docMkLst>
+      <pc:sldChg chg="modSp">
+        <pc:chgData name="Gellenoncourt, Kevin" userId="S::kevin.gellenoncourt@baloise.lu::83ce2c6d-0bd4-4cd9-955e-dd3efc6a7d5a" providerId="AD" clId="Web-{D2663519-9D01-FDB8-251D-BAF415C6E9C5}" dt="2022-12-08T15:22:13.238" v="139"/>
+        <pc:sldMkLst>
+          <pc:docMk/>
+          <pc:sldMk cId="2268762651" sldId="1802"/>
+        </pc:sldMkLst>
+        <pc:graphicFrameChg chg="mod modGraphic">
+          <ac:chgData name="Gellenoncourt, Kevin" userId="S::kevin.gellenoncourt@baloise.lu::83ce2c6d-0bd4-4cd9-955e-dd3efc6a7d5a" providerId="AD" clId="Web-{D2663519-9D01-FDB8-251D-BAF415C6E9C5}" dt="2022-12-08T15:22:13.238" v="139"/>
+          <ac:graphicFrameMkLst>
+            <pc:docMk/>
+            <pc:sldMk cId="2268762651" sldId="1802"/>
+            <ac:graphicFrameMk id="7" creationId="{E8DCD3DC-67BD-4479-85F9-70E2CF8D4037}"/>
+          </ac:graphicFrameMkLst>
+        </pc:graphicFrameChg>
+      </pc:sldChg>
+    </pc:docChg>
+  </pc:docChgLst>
+  <pc:docChgLst>
     <pc:chgData name="Gellenoncourt, Kevin" userId="83ce2c6d-0bd4-4cd9-955e-dd3efc6a7d5a" providerId="ADAL" clId="{C9839D59-2972-4323-A767-4B90EFEABC06}"/>
     <pc:docChg chg="undo redo custSel addSld delSld modSld sldOrd modMainMaster addSection delSection modSection">
       <pc:chgData name="Gellenoncourt, Kevin" userId="83ce2c6d-0bd4-4cd9-955e-dd3efc6a7d5a" providerId="ADAL" clId="{C9839D59-2972-4323-A767-4B90EFEABC06}" dt="2023-02-13T08:21:11.424" v="54716" actId="1076"/>
@@ -14133,353 +14482,6 @@
           </pc:spChg>
         </pc:sldLayoutChg>
       </pc:sldMasterChg>
-    </pc:docChg>
-  </pc:docChgLst>
-  <pc:docChgLst>
-    <pc:chgData name="Gellenoncourt, Kevin" userId="S::kevin.gellenoncourt@baloise.lu::83ce2c6d-0bd4-4cd9-955e-dd3efc6a7d5a" providerId="AD" clId="Web-{D2663519-9D01-FDB8-251D-BAF415C6E9C5}"/>
-    <pc:docChg chg="modSld">
-      <pc:chgData name="Gellenoncourt, Kevin" userId="S::kevin.gellenoncourt@baloise.lu::83ce2c6d-0bd4-4cd9-955e-dd3efc6a7d5a" providerId="AD" clId="Web-{D2663519-9D01-FDB8-251D-BAF415C6E9C5}" dt="2022-12-08T15:22:13.238" v="139"/>
-      <pc:docMkLst>
-        <pc:docMk/>
-      </pc:docMkLst>
-      <pc:sldChg chg="modSp">
-        <pc:chgData name="Gellenoncourt, Kevin" userId="S::kevin.gellenoncourt@baloise.lu::83ce2c6d-0bd4-4cd9-955e-dd3efc6a7d5a" providerId="AD" clId="Web-{D2663519-9D01-FDB8-251D-BAF415C6E9C5}" dt="2022-12-08T15:22:13.238" v="139"/>
-        <pc:sldMkLst>
-          <pc:docMk/>
-          <pc:sldMk cId="2268762651" sldId="1802"/>
-        </pc:sldMkLst>
-        <pc:graphicFrameChg chg="mod modGraphic">
-          <ac:chgData name="Gellenoncourt, Kevin" userId="S::kevin.gellenoncourt@baloise.lu::83ce2c6d-0bd4-4cd9-955e-dd3efc6a7d5a" providerId="AD" clId="Web-{D2663519-9D01-FDB8-251D-BAF415C6E9C5}" dt="2022-12-08T15:22:13.238" v="139"/>
-          <ac:graphicFrameMkLst>
-            <pc:docMk/>
-            <pc:sldMk cId="2268762651" sldId="1802"/>
-            <ac:graphicFrameMk id="7" creationId="{E8DCD3DC-67BD-4479-85F9-70E2CF8D4037}"/>
-          </ac:graphicFrameMkLst>
-        </pc:graphicFrameChg>
-      </pc:sldChg>
-    </pc:docChg>
-  </pc:docChgLst>
-  <pc:docChgLst>
-    <pc:chgData name="Gellenoncourt, Kevin" userId="83ce2c6d-0bd4-4cd9-955e-dd3efc6a7d5a" providerId="ADAL" clId="{A3A60514-9E58-4D9E-99F4-2C9DAB55E9EE}"/>
-    <pc:docChg chg="undo custSel addSld modSld sldOrd modSection">
-      <pc:chgData name="Gellenoncourt, Kevin" userId="83ce2c6d-0bd4-4cd9-955e-dd3efc6a7d5a" providerId="ADAL" clId="{A3A60514-9E58-4D9E-99F4-2C9DAB55E9EE}" dt="2023-04-28T08:07:53.650" v="706"/>
-      <pc:docMkLst>
-        <pc:docMk/>
-      </pc:docMkLst>
-      <pc:sldChg chg="addSp modSp mod">
-        <pc:chgData name="Gellenoncourt, Kevin" userId="83ce2c6d-0bd4-4cd9-955e-dd3efc6a7d5a" providerId="ADAL" clId="{A3A60514-9E58-4D9E-99F4-2C9DAB55E9EE}" dt="2023-04-20T12:39:41.736" v="692" actId="20577"/>
-        <pc:sldMkLst>
-          <pc:docMk/>
-          <pc:sldMk cId="1278860628" sldId="1771"/>
-        </pc:sldMkLst>
-        <pc:spChg chg="add mod">
-          <ac:chgData name="Gellenoncourt, Kevin" userId="83ce2c6d-0bd4-4cd9-955e-dd3efc6a7d5a" providerId="ADAL" clId="{A3A60514-9E58-4D9E-99F4-2C9DAB55E9EE}" dt="2023-04-19T12:35:36.076" v="548" actId="14100"/>
-          <ac:spMkLst>
-            <pc:docMk/>
-            <pc:sldMk cId="1278860628" sldId="1771"/>
-            <ac:spMk id="3" creationId="{B48AAC35-A18D-069C-DDA7-2436D2499FB8}"/>
-          </ac:spMkLst>
-        </pc:spChg>
-        <pc:spChg chg="mod">
-          <ac:chgData name="Gellenoncourt, Kevin" userId="83ce2c6d-0bd4-4cd9-955e-dd3efc6a7d5a" providerId="ADAL" clId="{A3A60514-9E58-4D9E-99F4-2C9DAB55E9EE}" dt="2023-04-20T12:39:41.736" v="692" actId="20577"/>
-          <ac:spMkLst>
-            <pc:docMk/>
-            <pc:sldMk cId="1278860628" sldId="1771"/>
-            <ac:spMk id="18" creationId="{D29CFD93-4DA2-4C5E-8607-CE2A1EFFD801}"/>
-          </ac:spMkLst>
-        </pc:spChg>
-      </pc:sldChg>
-      <pc:sldChg chg="modSp mod">
-        <pc:chgData name="Gellenoncourt, Kevin" userId="83ce2c6d-0bd4-4cd9-955e-dd3efc6a7d5a" providerId="ADAL" clId="{A3A60514-9E58-4D9E-99F4-2C9DAB55E9EE}" dt="2023-04-17T09:48:13.323" v="194" actId="14100"/>
-        <pc:sldMkLst>
-          <pc:docMk/>
-          <pc:sldMk cId="1847149617" sldId="1823"/>
-        </pc:sldMkLst>
-        <pc:spChg chg="mod">
-          <ac:chgData name="Gellenoncourt, Kevin" userId="83ce2c6d-0bd4-4cd9-955e-dd3efc6a7d5a" providerId="ADAL" clId="{A3A60514-9E58-4D9E-99F4-2C9DAB55E9EE}" dt="2023-04-17T09:47:57.162" v="193" actId="14100"/>
-          <ac:spMkLst>
-            <pc:docMk/>
-            <pc:sldMk cId="1847149617" sldId="1823"/>
-            <ac:spMk id="11" creationId="{842C7B8B-D546-5F52-8614-36B5D5B7072A}"/>
-          </ac:spMkLst>
-        </pc:spChg>
-        <pc:spChg chg="mod">
-          <ac:chgData name="Gellenoncourt, Kevin" userId="83ce2c6d-0bd4-4cd9-955e-dd3efc6a7d5a" providerId="ADAL" clId="{A3A60514-9E58-4D9E-99F4-2C9DAB55E9EE}" dt="2023-04-14T15:16:51.501" v="75" actId="20577"/>
-          <ac:spMkLst>
-            <pc:docMk/>
-            <pc:sldMk cId="1847149617" sldId="1823"/>
-            <ac:spMk id="12" creationId="{B104700F-4F00-45C5-9952-8E84D40A9556}"/>
-          </ac:spMkLst>
-        </pc:spChg>
-        <pc:spChg chg="mod">
-          <ac:chgData name="Gellenoncourt, Kevin" userId="83ce2c6d-0bd4-4cd9-955e-dd3efc6a7d5a" providerId="ADAL" clId="{A3A60514-9E58-4D9E-99F4-2C9DAB55E9EE}" dt="2023-04-14T15:15:57.774" v="67" actId="14100"/>
-          <ac:spMkLst>
-            <pc:docMk/>
-            <pc:sldMk cId="1847149617" sldId="1823"/>
-            <ac:spMk id="14" creationId="{417EBD97-910E-B0D6-C155-F9B9D1A40E38}"/>
-          </ac:spMkLst>
-        </pc:spChg>
-        <pc:spChg chg="mod">
-          <ac:chgData name="Gellenoncourt, Kevin" userId="83ce2c6d-0bd4-4cd9-955e-dd3efc6a7d5a" providerId="ADAL" clId="{A3A60514-9E58-4D9E-99F4-2C9DAB55E9EE}" dt="2023-04-17T09:48:13.323" v="194" actId="14100"/>
-          <ac:spMkLst>
-            <pc:docMk/>
-            <pc:sldMk cId="1847149617" sldId="1823"/>
-            <ac:spMk id="27" creationId="{416BE16B-1E8C-48FA-B7AE-7624496931AD}"/>
-          </ac:spMkLst>
-        </pc:spChg>
-      </pc:sldChg>
-      <pc:sldChg chg="modSp mod">
-        <pc:chgData name="Gellenoncourt, Kevin" userId="83ce2c6d-0bd4-4cd9-955e-dd3efc6a7d5a" providerId="ADAL" clId="{A3A60514-9E58-4D9E-99F4-2C9DAB55E9EE}" dt="2023-04-14T15:15:37.539" v="65" actId="13926"/>
-        <pc:sldMkLst>
-          <pc:docMk/>
-          <pc:sldMk cId="2789654304" sldId="1826"/>
-        </pc:sldMkLst>
-        <pc:spChg chg="mod">
-          <ac:chgData name="Gellenoncourt, Kevin" userId="83ce2c6d-0bd4-4cd9-955e-dd3efc6a7d5a" providerId="ADAL" clId="{A3A60514-9E58-4D9E-99F4-2C9DAB55E9EE}" dt="2023-04-14T15:15:37.539" v="65" actId="13926"/>
-          <ac:spMkLst>
-            <pc:docMk/>
-            <pc:sldMk cId="2789654304" sldId="1826"/>
-            <ac:spMk id="10" creationId="{5BEE6695-E1F4-866A-0C79-858782B14051}"/>
-          </ac:spMkLst>
-        </pc:spChg>
-        <pc:spChg chg="mod">
-          <ac:chgData name="Gellenoncourt, Kevin" userId="83ce2c6d-0bd4-4cd9-955e-dd3efc6a7d5a" providerId="ADAL" clId="{A3A60514-9E58-4D9E-99F4-2C9DAB55E9EE}" dt="2023-04-14T15:15:15.353" v="63" actId="14100"/>
-          <ac:spMkLst>
-            <pc:docMk/>
-            <pc:sldMk cId="2789654304" sldId="1826"/>
-            <ac:spMk id="13" creationId="{C083206D-4CC2-5447-AAAA-BD90521B11AA}"/>
-          </ac:spMkLst>
-        </pc:spChg>
-        <pc:spChg chg="mod">
-          <ac:chgData name="Gellenoncourt, Kevin" userId="83ce2c6d-0bd4-4cd9-955e-dd3efc6a7d5a" providerId="ADAL" clId="{A3A60514-9E58-4D9E-99F4-2C9DAB55E9EE}" dt="2023-04-14T15:14:51.233" v="54" actId="1036"/>
-          <ac:spMkLst>
-            <pc:docMk/>
-            <pc:sldMk cId="2789654304" sldId="1826"/>
-            <ac:spMk id="14" creationId="{FAD498DE-6D7E-4853-FCE8-768C1D49C1F6}"/>
-          </ac:spMkLst>
-        </pc:spChg>
-        <pc:spChg chg="mod">
-          <ac:chgData name="Gellenoncourt, Kevin" userId="83ce2c6d-0bd4-4cd9-955e-dd3efc6a7d5a" providerId="ADAL" clId="{A3A60514-9E58-4D9E-99F4-2C9DAB55E9EE}" dt="2023-04-14T15:14:37.857" v="50" actId="20577"/>
-          <ac:spMkLst>
-            <pc:docMk/>
-            <pc:sldMk cId="2789654304" sldId="1826"/>
-            <ac:spMk id="19" creationId="{1F95986F-431B-E99B-9C26-4159CCAC4D58}"/>
-          </ac:spMkLst>
-        </pc:spChg>
-        <pc:spChg chg="mod">
-          <ac:chgData name="Gellenoncourt, Kevin" userId="83ce2c6d-0bd4-4cd9-955e-dd3efc6a7d5a" providerId="ADAL" clId="{A3A60514-9E58-4D9E-99F4-2C9DAB55E9EE}" dt="2023-04-14T15:15:27.401" v="64" actId="20577"/>
-          <ac:spMkLst>
-            <pc:docMk/>
-            <pc:sldMk cId="2789654304" sldId="1826"/>
-            <ac:spMk id="20" creationId="{B547579E-0297-7065-3C2B-B32E8777C39F}"/>
-          </ac:spMkLst>
-        </pc:spChg>
-      </pc:sldChg>
-      <pc:sldChg chg="delSp modSp mod modCm">
-        <pc:chgData name="Gellenoncourt, Kevin" userId="83ce2c6d-0bd4-4cd9-955e-dd3efc6a7d5a" providerId="ADAL" clId="{A3A60514-9E58-4D9E-99F4-2C9DAB55E9EE}" dt="2023-04-28T08:07:18.472" v="702" actId="20577"/>
-        <pc:sldMkLst>
-          <pc:docMk/>
-          <pc:sldMk cId="394559105" sldId="1828"/>
-        </pc:sldMkLst>
-        <pc:spChg chg="mod">
-          <ac:chgData name="Gellenoncourt, Kevin" userId="83ce2c6d-0bd4-4cd9-955e-dd3efc6a7d5a" providerId="ADAL" clId="{A3A60514-9E58-4D9E-99F4-2C9DAB55E9EE}" dt="2023-04-28T08:07:18.472" v="702" actId="20577"/>
-          <ac:spMkLst>
-            <pc:docMk/>
-            <pc:sldMk cId="394559105" sldId="1828"/>
-            <ac:spMk id="2" creationId="{81B4020D-2DE6-4B6C-822C-676A9E68ECFA}"/>
-          </ac:spMkLst>
-        </pc:spChg>
-        <pc:spChg chg="mod">
-          <ac:chgData name="Gellenoncourt, Kevin" userId="83ce2c6d-0bd4-4cd9-955e-dd3efc6a7d5a" providerId="ADAL" clId="{A3A60514-9E58-4D9E-99F4-2C9DAB55E9EE}" dt="2023-04-13T12:14:55.972" v="37" actId="14100"/>
-          <ac:spMkLst>
-            <pc:docMk/>
-            <pc:sldMk cId="394559105" sldId="1828"/>
-            <ac:spMk id="4" creationId="{A0E49883-BD02-0EF4-758D-0FF455BDA027}"/>
-          </ac:spMkLst>
-        </pc:spChg>
-        <pc:spChg chg="mod">
-          <ac:chgData name="Gellenoncourt, Kevin" userId="83ce2c6d-0bd4-4cd9-955e-dd3efc6a7d5a" providerId="ADAL" clId="{A3A60514-9E58-4D9E-99F4-2C9DAB55E9EE}" dt="2023-04-14T15:12:37.127" v="38" actId="20577"/>
-          <ac:spMkLst>
-            <pc:docMk/>
-            <pc:sldMk cId="394559105" sldId="1828"/>
-            <ac:spMk id="9" creationId="{77C3B844-E6D7-3624-1D88-491DC7FBE73F}"/>
-          </ac:spMkLst>
-        </pc:spChg>
-        <pc:spChg chg="mod">
-          <ac:chgData name="Gellenoncourt, Kevin" userId="83ce2c6d-0bd4-4cd9-955e-dd3efc6a7d5a" providerId="ADAL" clId="{A3A60514-9E58-4D9E-99F4-2C9DAB55E9EE}" dt="2023-04-13T12:14:45.162" v="21" actId="14100"/>
-          <ac:spMkLst>
-            <pc:docMk/>
-            <pc:sldMk cId="394559105" sldId="1828"/>
-            <ac:spMk id="11" creationId="{41A27570-4EE7-B3BA-F6CB-2BF7908DDCBF}"/>
-          </ac:spMkLst>
-        </pc:spChg>
-        <pc:spChg chg="mod">
-          <ac:chgData name="Gellenoncourt, Kevin" userId="83ce2c6d-0bd4-4cd9-955e-dd3efc6a7d5a" providerId="ADAL" clId="{A3A60514-9E58-4D9E-99F4-2C9DAB55E9EE}" dt="2023-04-13T12:14:51.807" v="35" actId="1035"/>
-          <ac:spMkLst>
-            <pc:docMk/>
-            <pc:sldMk cId="394559105" sldId="1828"/>
-            <ac:spMk id="15" creationId="{9D7E702D-19C2-2F3F-70B5-73F6CC7B90B0}"/>
-          </ac:spMkLst>
-        </pc:spChg>
-        <pc:spChg chg="mod">
-          <ac:chgData name="Gellenoncourt, Kevin" userId="83ce2c6d-0bd4-4cd9-955e-dd3efc6a7d5a" providerId="ADAL" clId="{A3A60514-9E58-4D9E-99F4-2C9DAB55E9EE}" dt="2023-04-13T12:14:53.671" v="36" actId="14100"/>
-          <ac:spMkLst>
-            <pc:docMk/>
-            <pc:sldMk cId="394559105" sldId="1828"/>
-            <ac:spMk id="16" creationId="{193E23CE-10D3-6AF3-8769-9A0DD9180317}"/>
-          </ac:spMkLst>
-        </pc:spChg>
-        <pc:spChg chg="mod">
-          <ac:chgData name="Gellenoncourt, Kevin" userId="83ce2c6d-0bd4-4cd9-955e-dd3efc6a7d5a" providerId="ADAL" clId="{A3A60514-9E58-4D9E-99F4-2C9DAB55E9EE}" dt="2023-04-17T09:49:12.005" v="238" actId="14100"/>
-          <ac:spMkLst>
-            <pc:docMk/>
-            <pc:sldMk cId="394559105" sldId="1828"/>
-            <ac:spMk id="23" creationId="{D45C1964-3199-AEA8-A302-B7CC89E83D1C}"/>
-          </ac:spMkLst>
-        </pc:spChg>
-        <pc:spChg chg="del mod">
-          <ac:chgData name="Gellenoncourt, Kevin" userId="83ce2c6d-0bd4-4cd9-955e-dd3efc6a7d5a" providerId="ADAL" clId="{A3A60514-9E58-4D9E-99F4-2C9DAB55E9EE}" dt="2023-04-17T09:49:08.618" v="237" actId="21"/>
-          <ac:spMkLst>
-            <pc:docMk/>
-            <pc:sldMk cId="394559105" sldId="1828"/>
-            <ac:spMk id="25" creationId="{1F44828C-2473-8027-6E16-DD3C9C323280}"/>
-          </ac:spMkLst>
-        </pc:spChg>
-      </pc:sldChg>
-      <pc:sldChg chg="addSp modSp mod ord">
-        <pc:chgData name="Gellenoncourt, Kevin" userId="83ce2c6d-0bd4-4cd9-955e-dd3efc6a7d5a" providerId="ADAL" clId="{A3A60514-9E58-4D9E-99F4-2C9DAB55E9EE}" dt="2023-04-28T08:07:29.764" v="704"/>
-        <pc:sldMkLst>
-          <pc:docMk/>
-          <pc:sldMk cId="1931217021" sldId="1830"/>
-        </pc:sldMkLst>
-        <pc:spChg chg="mod">
-          <ac:chgData name="Gellenoncourt, Kevin" userId="83ce2c6d-0bd4-4cd9-955e-dd3efc6a7d5a" providerId="ADAL" clId="{A3A60514-9E58-4D9E-99F4-2C9DAB55E9EE}" dt="2023-04-20T08:30:01.275" v="573" actId="20577"/>
-          <ac:spMkLst>
-            <pc:docMk/>
-            <pc:sldMk cId="1931217021" sldId="1830"/>
-            <ac:spMk id="3" creationId="{968DACCB-6332-4C26-39F2-2D374711D2B0}"/>
-          </ac:spMkLst>
-        </pc:spChg>
-        <pc:spChg chg="add mod">
-          <ac:chgData name="Gellenoncourt, Kevin" userId="83ce2c6d-0bd4-4cd9-955e-dd3efc6a7d5a" providerId="ADAL" clId="{A3A60514-9E58-4D9E-99F4-2C9DAB55E9EE}" dt="2023-04-20T08:30:58.508" v="610" actId="14100"/>
-          <ac:spMkLst>
-            <pc:docMk/>
-            <pc:sldMk cId="1931217021" sldId="1830"/>
-            <ac:spMk id="5" creationId="{70270940-53A9-A871-FF5F-3D0FED83C951}"/>
-          </ac:spMkLst>
-        </pc:spChg>
-      </pc:sldChg>
-      <pc:sldChg chg="addSp delSp modSp add mod ord delCm modCm">
-        <pc:chgData name="Gellenoncourt, Kevin" userId="83ce2c6d-0bd4-4cd9-955e-dd3efc6a7d5a" providerId="ADAL" clId="{A3A60514-9E58-4D9E-99F4-2C9DAB55E9EE}" dt="2023-04-28T08:07:53.650" v="706"/>
-        <pc:sldMkLst>
-          <pc:docMk/>
-          <pc:sldMk cId="3334357831" sldId="1831"/>
-        </pc:sldMkLst>
-        <pc:spChg chg="mod">
-          <ac:chgData name="Gellenoncourt, Kevin" userId="83ce2c6d-0bd4-4cd9-955e-dd3efc6a7d5a" providerId="ADAL" clId="{A3A60514-9E58-4D9E-99F4-2C9DAB55E9EE}" dt="2023-04-18T16:05:25.425" v="420" actId="20577"/>
-          <ac:spMkLst>
-            <pc:docMk/>
-            <pc:sldMk cId="3334357831" sldId="1831"/>
-            <ac:spMk id="3" creationId="{C3167168-4490-6A90-9CBD-B650CA1D9D85}"/>
-          </ac:spMkLst>
-        </pc:spChg>
-        <pc:spChg chg="mod">
-          <ac:chgData name="Gellenoncourt, Kevin" userId="83ce2c6d-0bd4-4cd9-955e-dd3efc6a7d5a" providerId="ADAL" clId="{A3A60514-9E58-4D9E-99F4-2C9DAB55E9EE}" dt="2023-04-17T09:48:50.093" v="236" actId="20577"/>
-          <ac:spMkLst>
-            <pc:docMk/>
-            <pc:sldMk cId="3334357831" sldId="1831"/>
-            <ac:spMk id="7" creationId="{F13AB203-EAC6-E49A-83BD-3061EAD28268}"/>
-          </ac:spMkLst>
-        </pc:spChg>
-        <pc:spChg chg="add mod">
-          <ac:chgData name="Gellenoncourt, Kevin" userId="83ce2c6d-0bd4-4cd9-955e-dd3efc6a7d5a" providerId="ADAL" clId="{A3A60514-9E58-4D9E-99F4-2C9DAB55E9EE}" dt="2023-04-18T16:04:37.975" v="395" actId="14100"/>
-          <ac:spMkLst>
-            <pc:docMk/>
-            <pc:sldMk cId="3334357831" sldId="1831"/>
-            <ac:spMk id="10" creationId="{2825B4BF-40B3-9FBF-C859-DA93D2777B60}"/>
-          </ac:spMkLst>
-        </pc:spChg>
-        <pc:spChg chg="mod">
-          <ac:chgData name="Gellenoncourt, Kevin" userId="83ce2c6d-0bd4-4cd9-955e-dd3efc6a7d5a" providerId="ADAL" clId="{A3A60514-9E58-4D9E-99F4-2C9DAB55E9EE}" dt="2023-04-18T16:05:36.979" v="436" actId="20577"/>
-          <ac:spMkLst>
-            <pc:docMk/>
-            <pc:sldMk cId="3334357831" sldId="1831"/>
-            <ac:spMk id="11" creationId="{842C7B8B-D546-5F52-8614-36B5D5B7072A}"/>
-          </ac:spMkLst>
-        </pc:spChg>
-        <pc:spChg chg="mod">
-          <ac:chgData name="Gellenoncourt, Kevin" userId="83ce2c6d-0bd4-4cd9-955e-dd3efc6a7d5a" providerId="ADAL" clId="{A3A60514-9E58-4D9E-99F4-2C9DAB55E9EE}" dt="2023-04-17T09:46:44.785" v="160" actId="14100"/>
-          <ac:spMkLst>
-            <pc:docMk/>
-            <pc:sldMk cId="3334357831" sldId="1831"/>
-            <ac:spMk id="12" creationId="{B104700F-4F00-45C5-9952-8E84D40A9556}"/>
-          </ac:spMkLst>
-        </pc:spChg>
-        <pc:spChg chg="add mod">
-          <ac:chgData name="Gellenoncourt, Kevin" userId="83ce2c6d-0bd4-4cd9-955e-dd3efc6a7d5a" providerId="ADAL" clId="{A3A60514-9E58-4D9E-99F4-2C9DAB55E9EE}" dt="2023-04-18T16:04:50.715" v="400" actId="14100"/>
-          <ac:spMkLst>
-            <pc:docMk/>
-            <pc:sldMk cId="3334357831" sldId="1831"/>
-            <ac:spMk id="13" creationId="{7BDA3FE1-028D-4F92-3CCF-B587021596BC}"/>
-          </ac:spMkLst>
-        </pc:spChg>
-        <pc:spChg chg="mod">
-          <ac:chgData name="Gellenoncourt, Kevin" userId="83ce2c6d-0bd4-4cd9-955e-dd3efc6a7d5a" providerId="ADAL" clId="{A3A60514-9E58-4D9E-99F4-2C9DAB55E9EE}" dt="2023-04-18T16:01:27.465" v="308" actId="20577"/>
-          <ac:spMkLst>
-            <pc:docMk/>
-            <pc:sldMk cId="3334357831" sldId="1831"/>
-            <ac:spMk id="14" creationId="{417EBD97-910E-B0D6-C155-F9B9D1A40E38}"/>
-          </ac:spMkLst>
-        </pc:spChg>
-        <pc:spChg chg="mod">
-          <ac:chgData name="Gellenoncourt, Kevin" userId="83ce2c6d-0bd4-4cd9-955e-dd3efc6a7d5a" providerId="ADAL" clId="{A3A60514-9E58-4D9E-99F4-2C9DAB55E9EE}" dt="2023-04-18T16:05:05.593" v="404" actId="20577"/>
-          <ac:spMkLst>
-            <pc:docMk/>
-            <pc:sldMk cId="3334357831" sldId="1831"/>
-            <ac:spMk id="15" creationId="{C7C48C59-B55F-8595-05E0-5A4B5D311AD4}"/>
-          </ac:spMkLst>
-        </pc:spChg>
-        <pc:spChg chg="add mod">
-          <ac:chgData name="Gellenoncourt, Kevin" userId="83ce2c6d-0bd4-4cd9-955e-dd3efc6a7d5a" providerId="ADAL" clId="{A3A60514-9E58-4D9E-99F4-2C9DAB55E9EE}" dt="2023-04-18T07:45:25.921" v="301" actId="3626"/>
-          <ac:spMkLst>
-            <pc:docMk/>
-            <pc:sldMk cId="3334357831" sldId="1831"/>
-            <ac:spMk id="16" creationId="{81C3B5F2-BA6E-CA36-C55C-CF4E663B99D6}"/>
-          </ac:spMkLst>
-        </pc:spChg>
-        <pc:spChg chg="add mod">
-          <ac:chgData name="Gellenoncourt, Kevin" userId="83ce2c6d-0bd4-4cd9-955e-dd3efc6a7d5a" providerId="ADAL" clId="{A3A60514-9E58-4D9E-99F4-2C9DAB55E9EE}" dt="2023-04-18T16:04:17.494" v="388" actId="1076"/>
-          <ac:spMkLst>
-            <pc:docMk/>
-            <pc:sldMk cId="3334357831" sldId="1831"/>
-            <ac:spMk id="17" creationId="{62072801-7EBE-BFDE-4B12-69A8A9B2A3BF}"/>
-          </ac:spMkLst>
-        </pc:spChg>
-        <pc:spChg chg="add mod">
-          <ac:chgData name="Gellenoncourt, Kevin" userId="83ce2c6d-0bd4-4cd9-955e-dd3efc6a7d5a" providerId="ADAL" clId="{A3A60514-9E58-4D9E-99F4-2C9DAB55E9EE}" dt="2023-04-18T16:04:31.819" v="394" actId="14100"/>
-          <ac:spMkLst>
-            <pc:docMk/>
-            <pc:sldMk cId="3334357831" sldId="1831"/>
-            <ac:spMk id="18" creationId="{12AF2180-CD55-EF16-53B3-15E6809EC565}"/>
-          </ac:spMkLst>
-        </pc:spChg>
-        <pc:spChg chg="del">
-          <ac:chgData name="Gellenoncourt, Kevin" userId="83ce2c6d-0bd4-4cd9-955e-dd3efc6a7d5a" providerId="ADAL" clId="{A3A60514-9E58-4D9E-99F4-2C9DAB55E9EE}" dt="2023-04-17T09:46:36.095" v="158" actId="478"/>
-          <ac:spMkLst>
-            <pc:docMk/>
-            <pc:sldMk cId="3334357831" sldId="1831"/>
-            <ac:spMk id="21" creationId="{7B90F373-D3ED-4A5A-81DD-11B4B5E645DB}"/>
-          </ac:spMkLst>
-        </pc:spChg>
-        <pc:spChg chg="mod">
-          <ac:chgData name="Gellenoncourt, Kevin" userId="83ce2c6d-0bd4-4cd9-955e-dd3efc6a7d5a" providerId="ADAL" clId="{A3A60514-9E58-4D9E-99F4-2C9DAB55E9EE}" dt="2023-04-18T16:02:45.718" v="344" actId="14100"/>
-          <ac:spMkLst>
-            <pc:docMk/>
-            <pc:sldMk cId="3334357831" sldId="1831"/>
-            <ac:spMk id="27" creationId="{416BE16B-1E8C-48FA-B7AE-7624496931AD}"/>
-          </ac:spMkLst>
-        </pc:spChg>
-      </pc:sldChg>
     </pc:docChg>
   </pc:docChgLst>
   <pc:docChgLst>
@@ -22400,6 +22402,36 @@
 </p:sld>
 </file>
 
+<file path=ppt/slides/slide10.xml><?xml version="1.0" encoding="utf-8"?>
+<p:sld xmlns:a="http://schemas.openxmlformats.org/drawingml/2006/main" xmlns:r="http://schemas.openxmlformats.org/officeDocument/2006/relationships" xmlns:p="http://schemas.openxmlformats.org/presentationml/2006/main">
+  <p:cSld>
+    <p:spTree>
+      <p:nvGrpSpPr>
+        <p:cNvPr id="1" name=""/>
+        <p:cNvGrpSpPr/>
+        <p:nvPr/>
+      </p:nvGrpSpPr>
+      <p:grpSpPr>
+        <a:xfrm>
+          <a:off x="0" y="0"/>
+          <a:ext cx="0" cy="0"/>
+          <a:chOff x="0" y="0"/>
+          <a:chExt cx="0" cy="0"/>
+        </a:xfrm>
+      </p:grpSpPr>
+    </p:spTree>
+    <p:extLst>
+      <p:ext uri="{BB962C8B-B14F-4D97-AF65-F5344CB8AC3E}">
+        <p14:creationId xmlns:p14="http://schemas.microsoft.com/office/powerpoint/2010/main" val="2833669000"/>
+      </p:ext>
+    </p:extLst>
+  </p:cSld>
+  <p:clrMapOvr>
+    <a:masterClrMapping/>
+  </p:clrMapOvr>
+</p:sld>
+</file>
+
 <file path=ppt/slides/slide2.xml><?xml version="1.0" encoding="utf-8"?>
 <p:sld xmlns:a="http://schemas.openxmlformats.org/drawingml/2006/main" xmlns:r="http://schemas.openxmlformats.org/officeDocument/2006/relationships" xmlns:p="http://schemas.openxmlformats.org/presentationml/2006/main">
   <p:cSld>
@@ -25689,6 +25721,1377 @@
       </p:grpSpPr>
       <p:sp>
         <p:nvSpPr>
+          <p:cNvPr id="2" name="Titre 1">
+            <a:extLst>
+              <a:ext uri="{FF2B5EF4-FFF2-40B4-BE49-F238E27FC236}">
+                <a16:creationId xmlns:a16="http://schemas.microsoft.com/office/drawing/2014/main" id="{83E6A009-50C4-D7FC-6A28-9C966D58C0D2}"/>
+              </a:ext>
+            </a:extLst>
+          </p:cNvPr>
+          <p:cNvSpPr>
+            <a:spLocks noGrp="1"/>
+          </p:cNvSpPr>
+          <p:nvPr>
+            <p:ph type="title"/>
+          </p:nvPr>
+        </p:nvSpPr>
+        <p:spPr/>
+        <p:txBody>
+          <a:bodyPr/>
+          <a:lstStyle/>
+          <a:p>
+            <a:r>
+              <a:rPr lang="en-GB" dirty="0"/>
+              <a:t>Micro Front-End</a:t>
+            </a:r>
+            <a:endParaRPr lang="en-US" dirty="0"/>
+          </a:p>
+        </p:txBody>
+      </p:sp>
+      <p:sp>
+        <p:nvSpPr>
+          <p:cNvPr id="3" name="Espace réservé du texte 2">
+            <a:extLst>
+              <a:ext uri="{FF2B5EF4-FFF2-40B4-BE49-F238E27FC236}">
+                <a16:creationId xmlns:a16="http://schemas.microsoft.com/office/drawing/2014/main" id="{5987DCCC-357D-7A75-390E-B5E0561E6012}"/>
+              </a:ext>
+            </a:extLst>
+          </p:cNvPr>
+          <p:cNvSpPr>
+            <a:spLocks noGrp="1"/>
+          </p:cNvSpPr>
+          <p:nvPr>
+            <p:ph type="body" sz="quarter" idx="16"/>
+          </p:nvPr>
+        </p:nvSpPr>
+        <p:spPr/>
+        <p:txBody>
+          <a:bodyPr/>
+          <a:lstStyle/>
+          <a:p>
+            <a:r>
+              <a:rPr lang="en-GB" dirty="0"/>
+              <a:t>Architecture</a:t>
+            </a:r>
+            <a:endParaRPr lang="en-US" dirty="0"/>
+          </a:p>
+        </p:txBody>
+      </p:sp>
+      <p:sp>
+        <p:nvSpPr>
+          <p:cNvPr id="5" name="Espace réservé du numéro de diapositive 4">
+            <a:extLst>
+              <a:ext uri="{FF2B5EF4-FFF2-40B4-BE49-F238E27FC236}">
+                <a16:creationId xmlns:a16="http://schemas.microsoft.com/office/drawing/2014/main" id="{C794E89F-740F-33E2-D188-A8D7AA32078D}"/>
+              </a:ext>
+            </a:extLst>
+          </p:cNvPr>
+          <p:cNvSpPr>
+            <a:spLocks noGrp="1"/>
+          </p:cNvSpPr>
+          <p:nvPr>
+            <p:ph type="sldNum" sz="quarter" idx="10"/>
+          </p:nvPr>
+        </p:nvSpPr>
+        <p:spPr/>
+        <p:txBody>
+          <a:bodyPr/>
+          <a:lstStyle/>
+          <a:p>
+            <a:fld id="{E14D0CC5-784E-4B7E-B9F4-EE71C08DA69C}" type="slidenum">
+              <a:rPr lang="fr-FR" smtClean="0"/>
+              <a:t>5</a:t>
+            </a:fld>
+            <a:endParaRPr lang="fr-FR"/>
+          </a:p>
+        </p:txBody>
+      </p:sp>
+      <p:sp>
+        <p:nvSpPr>
+          <p:cNvPr id="6" name="Espace réservé du pied de page 5">
+            <a:extLst>
+              <a:ext uri="{FF2B5EF4-FFF2-40B4-BE49-F238E27FC236}">
+                <a16:creationId xmlns:a16="http://schemas.microsoft.com/office/drawing/2014/main" id="{C836226D-7B94-03D0-3036-04AD388EFC28}"/>
+              </a:ext>
+            </a:extLst>
+          </p:cNvPr>
+          <p:cNvSpPr>
+            <a:spLocks noGrp="1"/>
+          </p:cNvSpPr>
+          <p:nvPr>
+            <p:ph type="ftr" sz="quarter" idx="3"/>
+          </p:nvPr>
+        </p:nvSpPr>
+        <p:spPr/>
+        <p:txBody>
+          <a:bodyPr/>
+          <a:lstStyle/>
+          <a:p>
+            <a:r>
+              <a:rPr lang="fr-LU"/>
+              <a:t>Unlocked By | K</a:t>
+            </a:r>
+            <a:endParaRPr lang="fr-FR"/>
+          </a:p>
+        </p:txBody>
+      </p:sp>
+      <p:graphicFrame>
+        <p:nvGraphicFramePr>
+          <p:cNvPr id="7" name="Table 5">
+            <a:extLst>
+              <a:ext uri="{FF2B5EF4-FFF2-40B4-BE49-F238E27FC236}">
+                <a16:creationId xmlns:a16="http://schemas.microsoft.com/office/drawing/2014/main" id="{02001791-04B0-54A0-8AB4-142E848FF50E}"/>
+              </a:ext>
+            </a:extLst>
+          </p:cNvPr>
+          <p:cNvGraphicFramePr>
+            <a:graphicFrameLocks noGrp="1"/>
+          </p:cNvGraphicFramePr>
+          <p:nvPr>
+            <p:extLst>
+              <p:ext uri="{D42A27DB-BD31-4B8C-83A1-F6EECF244321}">
+                <p14:modId xmlns:p14="http://schemas.microsoft.com/office/powerpoint/2010/main" val="946400169"/>
+              </p:ext>
+            </p:extLst>
+          </p:nvPr>
+        </p:nvGraphicFramePr>
+        <p:xfrm>
+          <a:off x="838199" y="1092851"/>
+          <a:ext cx="10442576" cy="4709160"/>
+        </p:xfrm>
+        <a:graphic>
+          <a:graphicData uri="http://schemas.openxmlformats.org/drawingml/2006/table">
+            <a:tbl>
+              <a:tblPr firstRow="1" bandRow="1">
+                <a:tableStyleId>{5C22544A-7EE6-4342-B048-85BDC9FD1C3A}</a:tableStyleId>
+              </a:tblPr>
+              <a:tblGrid>
+                <a:gridCol w="2993572">
+                  <a:extLst>
+                    <a:ext uri="{9D8B030D-6E8A-4147-A177-3AD203B41FA5}">
+                      <a16:colId xmlns:a16="http://schemas.microsoft.com/office/drawing/2014/main" val="2381970815"/>
+                    </a:ext>
+                  </a:extLst>
+                </a:gridCol>
+                <a:gridCol w="2547258">
+                  <a:extLst>
+                    <a:ext uri="{9D8B030D-6E8A-4147-A177-3AD203B41FA5}">
+                      <a16:colId xmlns:a16="http://schemas.microsoft.com/office/drawing/2014/main" val="1776404395"/>
+                    </a:ext>
+                  </a:extLst>
+                </a:gridCol>
+                <a:gridCol w="2035628">
+                  <a:extLst>
+                    <a:ext uri="{9D8B030D-6E8A-4147-A177-3AD203B41FA5}">
+                      <a16:colId xmlns:a16="http://schemas.microsoft.com/office/drawing/2014/main" val="3162235557"/>
+                    </a:ext>
+                  </a:extLst>
+                </a:gridCol>
+                <a:gridCol w="2866118">
+                  <a:extLst>
+                    <a:ext uri="{9D8B030D-6E8A-4147-A177-3AD203B41FA5}">
+                      <a16:colId xmlns:a16="http://schemas.microsoft.com/office/drawing/2014/main" val="221937594"/>
+                    </a:ext>
+                  </a:extLst>
+                </a:gridCol>
+              </a:tblGrid>
+              <a:tr h="370840">
+                <a:tc>
+                  <a:txBody>
+                    <a:bodyPr/>
+                    <a:lstStyle/>
+                    <a:p>
+                      <a:pPr algn="ctr"/>
+                      <a:r>
+                        <a:rPr lang="en-US" dirty="0"/>
+                        <a:t>Topic \ Solution</a:t>
+                      </a:r>
+                      <a:endParaRPr lang="en-GB" dirty="0"/>
+                    </a:p>
+                  </a:txBody>
+                  <a:tcPr/>
+                </a:tc>
+                <a:tc>
+                  <a:txBody>
+                    <a:bodyPr/>
+                    <a:lstStyle/>
+                    <a:p>
+                      <a:pPr algn="ctr"/>
+                      <a:r>
+                        <a:rPr lang="en-US" dirty="0" err="1"/>
+                        <a:t>iFrame</a:t>
+                      </a:r>
+                      <a:endParaRPr lang="en-GB" dirty="0"/>
+                    </a:p>
+                  </a:txBody>
+                  <a:tcPr/>
+                </a:tc>
+                <a:tc>
+                  <a:txBody>
+                    <a:bodyPr/>
+                    <a:lstStyle/>
+                    <a:p>
+                      <a:pPr algn="ctr"/>
+                      <a:r>
+                        <a:rPr lang="en-GB" dirty="0"/>
+                        <a:t>Inline Html</a:t>
+                      </a:r>
+                    </a:p>
+                  </a:txBody>
+                  <a:tcPr/>
+                </a:tc>
+                <a:tc>
+                  <a:txBody>
+                    <a:bodyPr/>
+                    <a:lstStyle/>
+                    <a:p>
+                      <a:pPr algn="ctr"/>
+                      <a:r>
+                        <a:rPr lang="en-US" dirty="0"/>
+                        <a:t>Shadow DOM</a:t>
+                      </a:r>
+                      <a:endParaRPr lang="en-GB" dirty="0"/>
+                    </a:p>
+                  </a:txBody>
+                  <a:tcPr/>
+                </a:tc>
+                <a:extLst>
+                  <a:ext uri="{0D108BD9-81ED-4DB2-BD59-A6C34878D82A}">
+                    <a16:rowId xmlns:a16="http://schemas.microsoft.com/office/drawing/2014/main" val="582353478"/>
+                  </a:ext>
+                </a:extLst>
+              </a:tr>
+              <a:tr h="370840">
+                <a:tc>
+                  <a:txBody>
+                    <a:bodyPr/>
+                    <a:lstStyle/>
+                    <a:p>
+                      <a:pPr algn="ctr"/>
+                      <a:r>
+                        <a:rPr lang="en-US" b="1" dirty="0"/>
+                        <a:t>Content Security Policy</a:t>
+                      </a:r>
+                      <a:endParaRPr lang="en-GB" b="1" dirty="0"/>
+                    </a:p>
+                  </a:txBody>
+                  <a:tcPr/>
+                </a:tc>
+                <a:tc>
+                  <a:txBody>
+                    <a:bodyPr/>
+                    <a:lstStyle/>
+                    <a:p>
+                      <a:pPr marL="0" marR="0" lvl="0" indent="0" algn="l" defTabSz="914400" rtl="0" eaLnBrk="1" fontAlgn="auto" latinLnBrk="0" hangingPunct="1">
+                        <a:lnSpc>
+                          <a:spcPct val="100000"/>
+                        </a:lnSpc>
+                        <a:spcBef>
+                          <a:spcPts val="0"/>
+                        </a:spcBef>
+                        <a:spcAft>
+                          <a:spcPts val="0"/>
+                        </a:spcAft>
+                        <a:buClrTx/>
+                        <a:buSzTx/>
+                        <a:buFontTx/>
+                        <a:buNone/>
+                        <a:tabLst/>
+                        <a:defRPr/>
+                      </a:pPr>
+                      <a:r>
+                        <a:rPr lang="fr-FR" sz="1800" b="0" dirty="0"/>
+                        <a:t>(+) </a:t>
+                      </a:r>
+                      <a:r>
+                        <a:rPr lang="fr-FR" sz="1800" b="0" dirty="0" err="1"/>
+                        <a:t>Independant</a:t>
+                      </a:r>
+                      <a:endParaRPr lang="fr-FR" sz="1800" b="0" dirty="0"/>
+                    </a:p>
+                  </a:txBody>
+                  <a:tcPr/>
+                </a:tc>
+                <a:tc>
+                  <a:txBody>
+                    <a:bodyPr/>
+                    <a:lstStyle/>
+                    <a:p>
+                      <a:pPr marL="0" marR="0" lvl="0" indent="0" algn="ctr" defTabSz="914400" rtl="0" eaLnBrk="1" fontAlgn="auto" latinLnBrk="0" hangingPunct="1">
+                        <a:lnSpc>
+                          <a:spcPct val="100000"/>
+                        </a:lnSpc>
+                        <a:spcBef>
+                          <a:spcPts val="0"/>
+                        </a:spcBef>
+                        <a:spcAft>
+                          <a:spcPts val="0"/>
+                        </a:spcAft>
+                        <a:buClrTx/>
+                        <a:buSzTx/>
+                        <a:buFontTx/>
+                        <a:buNone/>
+                        <a:tabLst/>
+                        <a:defRPr/>
+                      </a:pPr>
+                      <a:endParaRPr lang="en-GB" dirty="0"/>
+                    </a:p>
+                  </a:txBody>
+                  <a:tcPr/>
+                </a:tc>
+                <a:tc>
+                  <a:txBody>
+                    <a:bodyPr/>
+                    <a:lstStyle/>
+                    <a:p>
+                      <a:pPr marL="0" marR="0" lvl="0" indent="0" algn="l" defTabSz="914400" rtl="0" eaLnBrk="1" fontAlgn="auto" latinLnBrk="0" hangingPunct="1">
+                        <a:lnSpc>
+                          <a:spcPct val="100000"/>
+                        </a:lnSpc>
+                        <a:spcBef>
+                          <a:spcPts val="0"/>
+                        </a:spcBef>
+                        <a:spcAft>
+                          <a:spcPts val="0"/>
+                        </a:spcAft>
+                        <a:buClrTx/>
+                        <a:buSzTx/>
+                        <a:buFontTx/>
+                        <a:buNone/>
+                        <a:tabLst/>
+                        <a:defRPr/>
+                      </a:pPr>
+                      <a:endParaRPr lang="en-GB" dirty="0"/>
+                    </a:p>
+                  </a:txBody>
+                  <a:tcPr/>
+                </a:tc>
+                <a:extLst>
+                  <a:ext uri="{0D108BD9-81ED-4DB2-BD59-A6C34878D82A}">
+                    <a16:rowId xmlns:a16="http://schemas.microsoft.com/office/drawing/2014/main" val="840585140"/>
+                  </a:ext>
+                </a:extLst>
+              </a:tr>
+              <a:tr h="370840">
+                <a:tc>
+                  <a:txBody>
+                    <a:bodyPr/>
+                    <a:lstStyle/>
+                    <a:p>
+                      <a:pPr algn="ctr"/>
+                      <a:r>
+                        <a:rPr lang="en-GB" b="1" dirty="0"/>
+                        <a:t>CSS</a:t>
+                      </a:r>
+                    </a:p>
+                  </a:txBody>
+                  <a:tcPr/>
+                </a:tc>
+                <a:tc>
+                  <a:txBody>
+                    <a:bodyPr/>
+                    <a:lstStyle/>
+                    <a:p>
+                      <a:pPr marL="0" marR="0" lvl="0" indent="0" algn="l" defTabSz="914400" rtl="0" eaLnBrk="1" fontAlgn="auto" latinLnBrk="0" hangingPunct="1">
+                        <a:lnSpc>
+                          <a:spcPct val="100000"/>
+                        </a:lnSpc>
+                        <a:spcBef>
+                          <a:spcPts val="0"/>
+                        </a:spcBef>
+                        <a:spcAft>
+                          <a:spcPts val="0"/>
+                        </a:spcAft>
+                        <a:buClrTx/>
+                        <a:buSzTx/>
+                        <a:buFontTx/>
+                        <a:buNone/>
+                        <a:tabLst/>
+                        <a:defRPr/>
+                      </a:pPr>
+                      <a:r>
+                        <a:rPr lang="fr-FR" sz="1800" b="0" dirty="0" err="1"/>
+                        <a:t>Encapsulated</a:t>
+                      </a:r>
+                      <a:r>
+                        <a:rPr lang="fr-FR" sz="1800" b="0" dirty="0"/>
+                        <a:t>/</a:t>
+                      </a:r>
+                      <a:r>
+                        <a:rPr lang="fr-FR" sz="1800" b="0" dirty="0" err="1"/>
+                        <a:t>iFrame</a:t>
+                      </a:r>
+                      <a:endParaRPr lang="fr-FR" sz="1800" b="0" dirty="0"/>
+                    </a:p>
+                  </a:txBody>
+                  <a:tcPr/>
+                </a:tc>
+                <a:tc>
+                  <a:txBody>
+                    <a:bodyPr/>
+                    <a:lstStyle/>
+                    <a:p>
+                      <a:pPr marL="0" marR="0" lvl="0" indent="0" algn="ctr" defTabSz="914400" rtl="0" eaLnBrk="1" fontAlgn="auto" latinLnBrk="0" hangingPunct="1">
+                        <a:lnSpc>
+                          <a:spcPct val="100000"/>
+                        </a:lnSpc>
+                        <a:spcBef>
+                          <a:spcPts val="0"/>
+                        </a:spcBef>
+                        <a:spcAft>
+                          <a:spcPts val="0"/>
+                        </a:spcAft>
+                        <a:buClrTx/>
+                        <a:buSzTx/>
+                        <a:buFontTx/>
+                        <a:buNone/>
+                        <a:tabLst/>
+                        <a:defRPr/>
+                      </a:pPr>
+                      <a:r>
+                        <a:rPr lang="en-GB" dirty="0"/>
+                        <a:t>All Css shared</a:t>
+                      </a:r>
+                    </a:p>
+                  </a:txBody>
+                  <a:tcPr/>
+                </a:tc>
+                <a:tc>
+                  <a:txBody>
+                    <a:bodyPr/>
+                    <a:lstStyle/>
+                    <a:p>
+                      <a:pPr marL="0" marR="0" lvl="0" indent="0" algn="l" defTabSz="914400" rtl="0" eaLnBrk="1" fontAlgn="auto" latinLnBrk="0" hangingPunct="1">
+                        <a:lnSpc>
+                          <a:spcPct val="100000"/>
+                        </a:lnSpc>
+                        <a:spcBef>
+                          <a:spcPts val="0"/>
+                        </a:spcBef>
+                        <a:spcAft>
+                          <a:spcPts val="0"/>
+                        </a:spcAft>
+                        <a:buClrTx/>
+                        <a:buSzTx/>
+                        <a:buFontTx/>
+                        <a:buNone/>
+                        <a:tabLst/>
+                        <a:defRPr/>
+                      </a:pPr>
+                      <a:r>
+                        <a:rPr lang="en-GB" dirty="0"/>
+                        <a:t>Encapsulation/µApp</a:t>
+                      </a:r>
+                    </a:p>
+                    <a:p>
+                      <a:pPr marL="0" marR="0" lvl="0" indent="0" algn="l" defTabSz="914400" rtl="0" eaLnBrk="1" fontAlgn="auto" latinLnBrk="0" hangingPunct="1">
+                        <a:lnSpc>
+                          <a:spcPct val="100000"/>
+                        </a:lnSpc>
+                        <a:spcBef>
+                          <a:spcPts val="0"/>
+                        </a:spcBef>
+                        <a:spcAft>
+                          <a:spcPts val="0"/>
+                        </a:spcAft>
+                        <a:buClrTx/>
+                        <a:buSzTx/>
+                        <a:buFontTx/>
+                        <a:buNone/>
+                        <a:tabLst/>
+                        <a:defRPr/>
+                      </a:pPr>
+                      <a:r>
+                        <a:rPr lang="en-GB" dirty="0"/>
+                        <a:t>Macro app Css inherited</a:t>
+                      </a:r>
+                    </a:p>
+                  </a:txBody>
+                  <a:tcPr/>
+                </a:tc>
+                <a:extLst>
+                  <a:ext uri="{0D108BD9-81ED-4DB2-BD59-A6C34878D82A}">
+                    <a16:rowId xmlns:a16="http://schemas.microsoft.com/office/drawing/2014/main" val="169417493"/>
+                  </a:ext>
+                </a:extLst>
+              </a:tr>
+              <a:tr h="370840">
+                <a:tc>
+                  <a:txBody>
+                    <a:bodyPr/>
+                    <a:lstStyle/>
+                    <a:p>
+                      <a:pPr marL="0" marR="0" lvl="0" indent="0" algn="ctr" defTabSz="914400" rtl="0" eaLnBrk="1" fontAlgn="auto" latinLnBrk="0" hangingPunct="1">
+                        <a:lnSpc>
+                          <a:spcPct val="100000"/>
+                        </a:lnSpc>
+                        <a:spcBef>
+                          <a:spcPts val="0"/>
+                        </a:spcBef>
+                        <a:spcAft>
+                          <a:spcPts val="0"/>
+                        </a:spcAft>
+                        <a:buClrTx/>
+                        <a:buSzTx/>
+                        <a:buFontTx/>
+                        <a:buNone/>
+                        <a:tabLst/>
+                        <a:defRPr/>
+                      </a:pPr>
+                      <a:r>
+                        <a:rPr lang="en-GB" b="1" dirty="0"/>
+                        <a:t>State Mngt with URL</a:t>
+                      </a:r>
+                    </a:p>
+                  </a:txBody>
+                  <a:tcPr/>
+                </a:tc>
+                <a:tc>
+                  <a:txBody>
+                    <a:bodyPr/>
+                    <a:lstStyle/>
+                    <a:p>
+                      <a:pPr marL="0" marR="0" lvl="0" indent="0" algn="l" defTabSz="914400" rtl="0" eaLnBrk="1" fontAlgn="auto" latinLnBrk="0" hangingPunct="1">
+                        <a:lnSpc>
+                          <a:spcPct val="100000"/>
+                        </a:lnSpc>
+                        <a:spcBef>
+                          <a:spcPts val="0"/>
+                        </a:spcBef>
+                        <a:spcAft>
+                          <a:spcPts val="0"/>
+                        </a:spcAft>
+                        <a:buClrTx/>
+                        <a:buSzTx/>
+                        <a:buFontTx/>
+                        <a:buNone/>
+                        <a:tabLst/>
+                        <a:defRPr/>
+                      </a:pPr>
+                      <a:r>
+                        <a:rPr lang="fr-FR" sz="1800" b="0" dirty="0"/>
+                        <a:t>Specific router</a:t>
+                      </a:r>
+                    </a:p>
+                  </a:txBody>
+                  <a:tcPr/>
+                </a:tc>
+                <a:tc>
+                  <a:txBody>
+                    <a:bodyPr/>
+                    <a:lstStyle/>
+                    <a:p>
+                      <a:pPr marL="0" marR="0" lvl="0" indent="0" algn="ctr" defTabSz="914400" rtl="0" eaLnBrk="1" fontAlgn="auto" latinLnBrk="0" hangingPunct="1">
+                        <a:lnSpc>
+                          <a:spcPct val="100000"/>
+                        </a:lnSpc>
+                        <a:spcBef>
+                          <a:spcPts val="0"/>
+                        </a:spcBef>
+                        <a:spcAft>
+                          <a:spcPts val="0"/>
+                        </a:spcAft>
+                        <a:buClrTx/>
+                        <a:buSzTx/>
+                        <a:buFontTx/>
+                        <a:buNone/>
+                        <a:tabLst/>
+                        <a:defRPr/>
+                      </a:pPr>
+                      <a:endParaRPr lang="en-GB" dirty="0"/>
+                    </a:p>
+                  </a:txBody>
+                  <a:tcPr/>
+                </a:tc>
+                <a:tc>
+                  <a:txBody>
+                    <a:bodyPr/>
+                    <a:lstStyle/>
+                    <a:p>
+                      <a:pPr marL="0" marR="0" lvl="0" indent="0" algn="l" defTabSz="914400" rtl="0" eaLnBrk="1" fontAlgn="auto" latinLnBrk="0" hangingPunct="1">
+                        <a:lnSpc>
+                          <a:spcPct val="100000"/>
+                        </a:lnSpc>
+                        <a:spcBef>
+                          <a:spcPts val="0"/>
+                        </a:spcBef>
+                        <a:spcAft>
+                          <a:spcPts val="0"/>
+                        </a:spcAft>
+                        <a:buClrTx/>
+                        <a:buSzTx/>
+                        <a:buFontTx/>
+                        <a:buNone/>
+                        <a:tabLst/>
+                        <a:defRPr/>
+                      </a:pPr>
+                      <a:endParaRPr lang="en-GB" dirty="0"/>
+                    </a:p>
+                  </a:txBody>
+                  <a:tcPr/>
+                </a:tc>
+                <a:extLst>
+                  <a:ext uri="{0D108BD9-81ED-4DB2-BD59-A6C34878D82A}">
+                    <a16:rowId xmlns:a16="http://schemas.microsoft.com/office/drawing/2014/main" val="1947940626"/>
+                  </a:ext>
+                </a:extLst>
+              </a:tr>
+              <a:tr h="370840">
+                <a:tc>
+                  <a:txBody>
+                    <a:bodyPr/>
+                    <a:lstStyle/>
+                    <a:p>
+                      <a:pPr marL="0" marR="0" lvl="0" indent="0" algn="ctr" defTabSz="914400" rtl="0" eaLnBrk="1" fontAlgn="auto" latinLnBrk="0" hangingPunct="1">
+                        <a:lnSpc>
+                          <a:spcPct val="100000"/>
+                        </a:lnSpc>
+                        <a:spcBef>
+                          <a:spcPts val="0"/>
+                        </a:spcBef>
+                        <a:spcAft>
+                          <a:spcPts val="0"/>
+                        </a:spcAft>
+                        <a:buClrTx/>
+                        <a:buSzTx/>
+                        <a:buFontTx/>
+                        <a:buNone/>
+                        <a:tabLst/>
+                        <a:defRPr/>
+                      </a:pPr>
+                      <a:r>
+                        <a:rPr lang="en-US" b="1" dirty="0"/>
+                        <a:t>Screen Reader</a:t>
+                      </a:r>
+                      <a:endParaRPr lang="en-GB" b="1" dirty="0"/>
+                    </a:p>
+                  </a:txBody>
+                  <a:tcPr/>
+                </a:tc>
+                <a:tc>
+                  <a:txBody>
+                    <a:bodyPr/>
+                    <a:lstStyle/>
+                    <a:p>
+                      <a:pPr marL="0" marR="0" lvl="0" indent="0" algn="l" defTabSz="914400" rtl="0" eaLnBrk="1" fontAlgn="auto" latinLnBrk="0" hangingPunct="1">
+                        <a:lnSpc>
+                          <a:spcPct val="100000"/>
+                        </a:lnSpc>
+                        <a:spcBef>
+                          <a:spcPts val="0"/>
+                        </a:spcBef>
+                        <a:spcAft>
+                          <a:spcPts val="0"/>
+                        </a:spcAft>
+                        <a:buClrTx/>
+                        <a:buSzTx/>
+                        <a:buFontTx/>
+                        <a:buNone/>
+                        <a:tabLst/>
+                        <a:defRPr/>
+                      </a:pPr>
+                      <a:r>
+                        <a:rPr lang="fr-FR" sz="1800" b="0" dirty="0"/>
+                        <a:t>(-) Stuck </a:t>
+                      </a:r>
+                      <a:r>
+                        <a:rPr lang="fr-FR" sz="1800" b="0" dirty="0" err="1"/>
+                        <a:t>outside</a:t>
+                      </a:r>
+                      <a:endParaRPr lang="fr-FR" sz="1800" b="0" dirty="0"/>
+                    </a:p>
+                  </a:txBody>
+                  <a:tcPr/>
+                </a:tc>
+                <a:tc>
+                  <a:txBody>
+                    <a:bodyPr/>
+                    <a:lstStyle/>
+                    <a:p>
+                      <a:pPr algn="ctr"/>
+                      <a:endParaRPr lang="en-GB" dirty="0"/>
+                    </a:p>
+                  </a:txBody>
+                  <a:tcPr/>
+                </a:tc>
+                <a:tc>
+                  <a:txBody>
+                    <a:bodyPr/>
+                    <a:lstStyle/>
+                    <a:p>
+                      <a:endParaRPr lang="en-GB" dirty="0"/>
+                    </a:p>
+                  </a:txBody>
+                  <a:tcPr/>
+                </a:tc>
+                <a:extLst>
+                  <a:ext uri="{0D108BD9-81ED-4DB2-BD59-A6C34878D82A}">
+                    <a16:rowId xmlns:a16="http://schemas.microsoft.com/office/drawing/2014/main" val="3475349199"/>
+                  </a:ext>
+                </a:extLst>
+              </a:tr>
+              <a:tr h="370840">
+                <a:tc>
+                  <a:txBody>
+                    <a:bodyPr/>
+                    <a:lstStyle/>
+                    <a:p>
+                      <a:pPr marL="0" marR="0" lvl="0" indent="0" algn="ctr" defTabSz="914400" rtl="0" eaLnBrk="1" fontAlgn="auto" latinLnBrk="0" hangingPunct="1">
+                        <a:lnSpc>
+                          <a:spcPct val="100000"/>
+                        </a:lnSpc>
+                        <a:spcBef>
+                          <a:spcPts val="0"/>
+                        </a:spcBef>
+                        <a:spcAft>
+                          <a:spcPts val="0"/>
+                        </a:spcAft>
+                        <a:buClrTx/>
+                        <a:buSzTx/>
+                        <a:buFontTx/>
+                        <a:buNone/>
+                        <a:tabLst/>
+                        <a:defRPr/>
+                      </a:pPr>
+                      <a:r>
+                        <a:rPr lang="en-US" b="1" dirty="0"/>
+                        <a:t>Service Worker &amp; SSR</a:t>
+                      </a:r>
+                      <a:endParaRPr lang="en-GB" b="1" dirty="0"/>
+                    </a:p>
+                  </a:txBody>
+                  <a:tcPr/>
+                </a:tc>
+                <a:tc>
+                  <a:txBody>
+                    <a:bodyPr/>
+                    <a:lstStyle/>
+                    <a:p>
+                      <a:pPr marL="0" marR="0" lvl="0" indent="0" algn="l" defTabSz="914400" rtl="0" eaLnBrk="1" fontAlgn="auto" latinLnBrk="0" hangingPunct="1">
+                        <a:lnSpc>
+                          <a:spcPct val="100000"/>
+                        </a:lnSpc>
+                        <a:spcBef>
+                          <a:spcPts val="0"/>
+                        </a:spcBef>
+                        <a:spcAft>
+                          <a:spcPts val="0"/>
+                        </a:spcAft>
+                        <a:buClrTx/>
+                        <a:buSzTx/>
+                        <a:buFontTx/>
+                        <a:buNone/>
+                        <a:tabLst/>
+                        <a:defRPr/>
+                      </a:pPr>
+                      <a:r>
+                        <a:rPr lang="fr-FR" sz="1800" b="0" dirty="0"/>
+                        <a:t>(+) Compatible</a:t>
+                      </a:r>
+                    </a:p>
+                  </a:txBody>
+                  <a:tcPr/>
+                </a:tc>
+                <a:tc gridSpan="2">
+                  <a:txBody>
+                    <a:bodyPr/>
+                    <a:lstStyle/>
+                    <a:p>
+                      <a:pPr algn="ctr"/>
+                      <a:r>
+                        <a:rPr lang="en-GB" dirty="0" err="1"/>
+                        <a:t>Impl</a:t>
+                      </a:r>
+                      <a:r>
+                        <a:rPr lang="en-GB" dirty="0"/>
+                        <a:t> SW with scope</a:t>
+                      </a:r>
+                    </a:p>
+                  </a:txBody>
+                  <a:tcPr/>
+                </a:tc>
+                <a:tc hMerge="1">
+                  <a:txBody>
+                    <a:bodyPr/>
+                    <a:lstStyle/>
+                    <a:p>
+                      <a:endParaRPr lang="en-GB" dirty="0"/>
+                    </a:p>
+                  </a:txBody>
+                  <a:tcPr/>
+                </a:tc>
+                <a:extLst>
+                  <a:ext uri="{0D108BD9-81ED-4DB2-BD59-A6C34878D82A}">
+                    <a16:rowId xmlns:a16="http://schemas.microsoft.com/office/drawing/2014/main" val="1005067822"/>
+                  </a:ext>
+                </a:extLst>
+              </a:tr>
+              <a:tr h="370840">
+                <a:tc>
+                  <a:txBody>
+                    <a:bodyPr/>
+                    <a:lstStyle/>
+                    <a:p>
+                      <a:pPr algn="ctr"/>
+                      <a:r>
+                        <a:rPr lang="en-GB" b="1" dirty="0"/>
+                        <a:t>Sizing &amp; Layout</a:t>
+                      </a:r>
+                    </a:p>
+                  </a:txBody>
+                  <a:tcPr/>
+                </a:tc>
+                <a:tc>
+                  <a:txBody>
+                    <a:bodyPr/>
+                    <a:lstStyle/>
+                    <a:p>
+                      <a:pPr marL="0" marR="0" lvl="0" indent="0" algn="l" defTabSz="914400" rtl="0" eaLnBrk="1" fontAlgn="auto" latinLnBrk="0" hangingPunct="1">
+                        <a:lnSpc>
+                          <a:spcPct val="100000"/>
+                        </a:lnSpc>
+                        <a:spcBef>
+                          <a:spcPts val="0"/>
+                        </a:spcBef>
+                        <a:spcAft>
+                          <a:spcPts val="0"/>
+                        </a:spcAft>
+                        <a:buClrTx/>
+                        <a:buSzTx/>
+                        <a:buFontTx/>
+                        <a:buNone/>
+                        <a:tabLst/>
+                        <a:defRPr/>
+                      </a:pPr>
+                      <a:r>
+                        <a:rPr lang="fr-FR" sz="1800" b="0" dirty="0"/>
+                        <a:t>(-) </a:t>
+                      </a:r>
+                      <a:r>
+                        <a:rPr lang="fr-FR" sz="1800" b="0" dirty="0" err="1"/>
+                        <a:t>Known</a:t>
+                      </a:r>
+                      <a:r>
+                        <a:rPr lang="fr-FR" sz="1800" b="0" dirty="0"/>
+                        <a:t> </a:t>
+                      </a:r>
+                      <a:r>
+                        <a:rPr lang="fr-FR" sz="1800" b="0" dirty="0" err="1"/>
+                        <a:t>quirks</a:t>
+                      </a:r>
+                      <a:endParaRPr lang="fr-FR" sz="1800" b="0" dirty="0"/>
+                    </a:p>
+                  </a:txBody>
+                  <a:tcPr/>
+                </a:tc>
+                <a:tc gridSpan="2">
+                  <a:txBody>
+                    <a:bodyPr/>
+                    <a:lstStyle/>
+                    <a:p>
+                      <a:pPr algn="ctr"/>
+                      <a:r>
+                        <a:rPr lang="en-GB" dirty="0"/>
+                        <a:t>(+) No problem</a:t>
+                      </a:r>
+                    </a:p>
+                  </a:txBody>
+                  <a:tcPr/>
+                </a:tc>
+                <a:tc hMerge="1">
+                  <a:txBody>
+                    <a:bodyPr/>
+                    <a:lstStyle/>
+                    <a:p>
+                      <a:endParaRPr lang="en-GB" dirty="0"/>
+                    </a:p>
+                  </a:txBody>
+                  <a:tcPr/>
+                </a:tc>
+                <a:extLst>
+                  <a:ext uri="{0D108BD9-81ED-4DB2-BD59-A6C34878D82A}">
+                    <a16:rowId xmlns:a16="http://schemas.microsoft.com/office/drawing/2014/main" val="3162326992"/>
+                  </a:ext>
+                </a:extLst>
+              </a:tr>
+              <a:tr h="370840">
+                <a:tc>
+                  <a:txBody>
+                    <a:bodyPr/>
+                    <a:lstStyle/>
+                    <a:p>
+                      <a:pPr algn="ctr"/>
+                      <a:r>
+                        <a:rPr lang="en-GB" b="1" dirty="0" err="1"/>
+                        <a:t>MacroTo</a:t>
+                      </a:r>
+                      <a:r>
+                        <a:rPr lang="en-GB" b="1" dirty="0"/>
+                        <a:t> µApp Comm</a:t>
+                      </a:r>
+                    </a:p>
+                  </a:txBody>
+                  <a:tcPr/>
+                </a:tc>
+                <a:tc>
+                  <a:txBody>
+                    <a:bodyPr/>
+                    <a:lstStyle/>
+                    <a:p>
+                      <a:pPr marL="0" marR="0" lvl="0" indent="0" algn="l" defTabSz="914400" rtl="0" eaLnBrk="1" fontAlgn="auto" latinLnBrk="0" hangingPunct="1">
+                        <a:lnSpc>
+                          <a:spcPct val="100000"/>
+                        </a:lnSpc>
+                        <a:spcBef>
+                          <a:spcPts val="0"/>
+                        </a:spcBef>
+                        <a:spcAft>
+                          <a:spcPts val="0"/>
+                        </a:spcAft>
+                        <a:buClrTx/>
+                        <a:buSzTx/>
+                        <a:buFontTx/>
+                        <a:buNone/>
+                        <a:tabLst/>
+                        <a:defRPr/>
+                      </a:pPr>
+                      <a:r>
+                        <a:rPr lang="fr-FR" sz="1800" b="0" dirty="0">
+                          <a:highlight>
+                            <a:srgbClr val="FFFF00"/>
+                          </a:highlight>
+                        </a:rPr>
+                        <a:t>(-) </a:t>
+                      </a:r>
+                      <a:r>
+                        <a:rPr lang="fr-FR" sz="1800" b="0" dirty="0" err="1">
+                          <a:highlight>
+                            <a:srgbClr val="FFFF00"/>
+                          </a:highlight>
+                        </a:rPr>
+                        <a:t>might</a:t>
+                      </a:r>
+                      <a:r>
+                        <a:rPr lang="fr-FR" sz="1800" b="0" dirty="0">
+                          <a:highlight>
+                            <a:srgbClr val="FFFF00"/>
+                          </a:highlight>
+                        </a:rPr>
+                        <a:t> </a:t>
+                      </a:r>
+                      <a:r>
+                        <a:rPr lang="fr-FR" sz="1800" b="0" dirty="0" err="1">
+                          <a:highlight>
+                            <a:srgbClr val="FFFF00"/>
+                          </a:highlight>
+                        </a:rPr>
+                        <a:t>need</a:t>
+                      </a:r>
+                      <a:r>
+                        <a:rPr lang="fr-FR" sz="1800" b="0" dirty="0">
+                          <a:highlight>
+                            <a:srgbClr val="FFFF00"/>
+                          </a:highlight>
+                        </a:rPr>
+                        <a:t> </a:t>
+                      </a:r>
+                      <a:r>
+                        <a:rPr lang="fr-FR" sz="1800" b="0" dirty="0" err="1">
+                          <a:highlight>
+                            <a:srgbClr val="FFFF00"/>
+                          </a:highlight>
+                        </a:rPr>
+                        <a:t>postMsg</a:t>
+                      </a:r>
+                      <a:endParaRPr lang="fr-FR" sz="1800" b="0" dirty="0">
+                        <a:highlight>
+                          <a:srgbClr val="FFFF00"/>
+                        </a:highlight>
+                      </a:endParaRPr>
+                    </a:p>
+                  </a:txBody>
+                  <a:tcPr/>
+                </a:tc>
+                <a:tc>
+                  <a:txBody>
+                    <a:bodyPr/>
+                    <a:lstStyle/>
+                    <a:p>
+                      <a:pPr algn="ctr"/>
+                      <a:endParaRPr lang="en-GB" dirty="0"/>
+                    </a:p>
+                  </a:txBody>
+                  <a:tcPr/>
+                </a:tc>
+                <a:tc>
+                  <a:txBody>
+                    <a:bodyPr/>
+                    <a:lstStyle/>
+                    <a:p>
+                      <a:endParaRPr lang="en-GB" dirty="0"/>
+                    </a:p>
+                  </a:txBody>
+                  <a:tcPr/>
+                </a:tc>
+                <a:extLst>
+                  <a:ext uri="{0D108BD9-81ED-4DB2-BD59-A6C34878D82A}">
+                    <a16:rowId xmlns:a16="http://schemas.microsoft.com/office/drawing/2014/main" val="519843674"/>
+                  </a:ext>
+                </a:extLst>
+              </a:tr>
+              <a:tr h="370840">
+                <a:tc>
+                  <a:txBody>
+                    <a:bodyPr/>
+                    <a:lstStyle/>
+                    <a:p>
+                      <a:pPr algn="ctr"/>
+                      <a:r>
+                        <a:rPr lang="en-GB" b="1" dirty="0"/>
+                        <a:t>Authentication</a:t>
+                      </a:r>
+                    </a:p>
+                  </a:txBody>
+                  <a:tcPr/>
+                </a:tc>
+                <a:tc>
+                  <a:txBody>
+                    <a:bodyPr/>
+                    <a:lstStyle/>
+                    <a:p>
+                      <a:pPr marL="0" marR="0" lvl="0" indent="0" algn="l" defTabSz="914400" rtl="0" eaLnBrk="1" fontAlgn="auto" latinLnBrk="0" hangingPunct="1">
+                        <a:lnSpc>
+                          <a:spcPct val="100000"/>
+                        </a:lnSpc>
+                        <a:spcBef>
+                          <a:spcPts val="0"/>
+                        </a:spcBef>
+                        <a:spcAft>
+                          <a:spcPts val="0"/>
+                        </a:spcAft>
+                        <a:buClrTx/>
+                        <a:buSzTx/>
+                        <a:buFontTx/>
+                        <a:buNone/>
+                        <a:tabLst/>
+                        <a:defRPr/>
+                      </a:pPr>
+                      <a:r>
+                        <a:rPr lang="fr-FR" sz="1800" b="0" dirty="0" err="1">
+                          <a:highlight>
+                            <a:srgbClr val="FFFF00"/>
+                          </a:highlight>
+                        </a:rPr>
+                        <a:t>Special</a:t>
+                      </a:r>
+                      <a:r>
+                        <a:rPr lang="fr-FR" sz="1800" b="0" dirty="0">
+                          <a:highlight>
+                            <a:srgbClr val="FFFF00"/>
+                          </a:highlight>
+                        </a:rPr>
+                        <a:t> arrangement</a:t>
+                      </a:r>
+                    </a:p>
+                  </a:txBody>
+                  <a:tcPr/>
+                </a:tc>
+                <a:tc>
+                  <a:txBody>
+                    <a:bodyPr/>
+                    <a:lstStyle/>
+                    <a:p>
+                      <a:pPr algn="ctr"/>
+                      <a:endParaRPr lang="en-GB" dirty="0"/>
+                    </a:p>
+                  </a:txBody>
+                  <a:tcPr/>
+                </a:tc>
+                <a:tc>
+                  <a:txBody>
+                    <a:bodyPr/>
+                    <a:lstStyle/>
+                    <a:p>
+                      <a:endParaRPr lang="en-GB" dirty="0"/>
+                    </a:p>
+                  </a:txBody>
+                  <a:tcPr/>
+                </a:tc>
+                <a:extLst>
+                  <a:ext uri="{0D108BD9-81ED-4DB2-BD59-A6C34878D82A}">
+                    <a16:rowId xmlns:a16="http://schemas.microsoft.com/office/drawing/2014/main" val="1778151337"/>
+                  </a:ext>
+                </a:extLst>
+              </a:tr>
+              <a:tr h="370840">
+                <a:tc>
+                  <a:txBody>
+                    <a:bodyPr/>
+                    <a:lstStyle/>
+                    <a:p>
+                      <a:pPr algn="ctr"/>
+                      <a:r>
+                        <a:rPr lang="en-GB" b="1" dirty="0"/>
+                        <a:t>App Loading</a:t>
+                      </a:r>
+                    </a:p>
+                  </a:txBody>
+                  <a:tcPr/>
+                </a:tc>
+                <a:tc>
+                  <a:txBody>
+                    <a:bodyPr/>
+                    <a:lstStyle/>
+                    <a:p>
+                      <a:pPr marL="0" marR="0" lvl="0" indent="0" algn="l" defTabSz="914400" rtl="0" eaLnBrk="1" fontAlgn="auto" latinLnBrk="0" hangingPunct="1">
+                        <a:lnSpc>
+                          <a:spcPct val="100000"/>
+                        </a:lnSpc>
+                        <a:spcBef>
+                          <a:spcPts val="0"/>
+                        </a:spcBef>
+                        <a:spcAft>
+                          <a:spcPts val="0"/>
+                        </a:spcAft>
+                        <a:buClrTx/>
+                        <a:buSzTx/>
+                        <a:buFontTx/>
+                        <a:buNone/>
+                        <a:tabLst/>
+                        <a:defRPr/>
+                      </a:pPr>
+                      <a:endParaRPr lang="fr-FR" sz="1800" b="0" dirty="0">
+                        <a:highlight>
+                          <a:srgbClr val="FFFF00"/>
+                        </a:highlight>
+                      </a:endParaRPr>
+                    </a:p>
+                  </a:txBody>
+                  <a:tcPr/>
+                </a:tc>
+                <a:tc>
+                  <a:txBody>
+                    <a:bodyPr/>
+                    <a:lstStyle/>
+                    <a:p>
+                      <a:pPr algn="ctr"/>
+                      <a:endParaRPr lang="en-GB" dirty="0"/>
+                    </a:p>
+                  </a:txBody>
+                  <a:tcPr/>
+                </a:tc>
+                <a:tc>
+                  <a:txBody>
+                    <a:bodyPr/>
+                    <a:lstStyle/>
+                    <a:p>
+                      <a:endParaRPr lang="en-GB" dirty="0"/>
+                    </a:p>
+                  </a:txBody>
+                  <a:tcPr/>
+                </a:tc>
+                <a:extLst>
+                  <a:ext uri="{0D108BD9-81ED-4DB2-BD59-A6C34878D82A}">
+                    <a16:rowId xmlns:a16="http://schemas.microsoft.com/office/drawing/2014/main" val="3660877272"/>
+                  </a:ext>
+                </a:extLst>
+              </a:tr>
+              <a:tr h="261332">
+                <a:tc>
+                  <a:txBody>
+                    <a:bodyPr/>
+                    <a:lstStyle/>
+                    <a:p>
+                      <a:pPr algn="ctr"/>
+                      <a:r>
+                        <a:rPr lang="en-GB" b="1" dirty="0"/>
+                        <a:t>Framework Compat</a:t>
+                      </a:r>
+                    </a:p>
+                  </a:txBody>
+                  <a:tcPr/>
+                </a:tc>
+                <a:tc>
+                  <a:txBody>
+                    <a:bodyPr/>
+                    <a:lstStyle/>
+                    <a:p>
+                      <a:pPr marL="0" marR="0" lvl="0" indent="0" algn="l" defTabSz="914400" rtl="0" eaLnBrk="1" fontAlgn="auto" latinLnBrk="0" hangingPunct="1">
+                        <a:lnSpc>
+                          <a:spcPct val="100000"/>
+                        </a:lnSpc>
+                        <a:spcBef>
+                          <a:spcPts val="0"/>
+                        </a:spcBef>
+                        <a:spcAft>
+                          <a:spcPts val="0"/>
+                        </a:spcAft>
+                        <a:buClrTx/>
+                        <a:buSzTx/>
+                        <a:buFontTx/>
+                        <a:buNone/>
+                        <a:tabLst/>
+                        <a:defRPr/>
+                      </a:pPr>
+                      <a:r>
+                        <a:rPr lang="fr-FR" sz="1800" b="0" dirty="0">
+                          <a:highlight>
+                            <a:srgbClr val="FFFF00"/>
+                          </a:highlight>
+                        </a:rPr>
+                        <a:t>Ok</a:t>
+                      </a:r>
+                    </a:p>
+                  </a:txBody>
+                  <a:tcPr/>
+                </a:tc>
+                <a:tc gridSpan="2">
+                  <a:txBody>
+                    <a:bodyPr/>
+                    <a:lstStyle/>
+                    <a:p>
+                      <a:pPr algn="ctr"/>
+                      <a:r>
+                        <a:rPr lang="en-GB" dirty="0"/>
+                        <a:t>Not </a:t>
+                      </a:r>
+                      <a:r>
+                        <a:rPr lang="en-GB" dirty="0" err="1"/>
+                        <a:t>compat</a:t>
+                      </a:r>
+                      <a:r>
+                        <a:rPr lang="en-GB" dirty="0"/>
+                        <a:t> with Angular, React…</a:t>
+                      </a:r>
+                    </a:p>
+                  </a:txBody>
+                  <a:tcPr/>
+                </a:tc>
+                <a:tc hMerge="1">
+                  <a:txBody>
+                    <a:bodyPr/>
+                    <a:lstStyle/>
+                    <a:p>
+                      <a:endParaRPr lang="en-GB" dirty="0"/>
+                    </a:p>
+                  </a:txBody>
+                  <a:tcPr/>
+                </a:tc>
+                <a:extLst>
+                  <a:ext uri="{0D108BD9-81ED-4DB2-BD59-A6C34878D82A}">
+                    <a16:rowId xmlns:a16="http://schemas.microsoft.com/office/drawing/2014/main" val="1796796730"/>
+                  </a:ext>
+                </a:extLst>
+              </a:tr>
+              <a:tr h="261332">
+                <a:tc>
+                  <a:txBody>
+                    <a:bodyPr/>
+                    <a:lstStyle/>
+                    <a:p>
+                      <a:pPr algn="ctr"/>
+                      <a:r>
+                        <a:rPr lang="en-GB" b="1" dirty="0"/>
+                        <a:t>SEO</a:t>
+                      </a:r>
+                    </a:p>
+                  </a:txBody>
+                  <a:tcPr/>
+                </a:tc>
+                <a:tc>
+                  <a:txBody>
+                    <a:bodyPr/>
+                    <a:lstStyle/>
+                    <a:p>
+                      <a:pPr marL="0" marR="0" lvl="0" indent="0" algn="l" defTabSz="914400" rtl="0" eaLnBrk="1" fontAlgn="auto" latinLnBrk="0" hangingPunct="1">
+                        <a:lnSpc>
+                          <a:spcPct val="100000"/>
+                        </a:lnSpc>
+                        <a:spcBef>
+                          <a:spcPts val="0"/>
+                        </a:spcBef>
+                        <a:spcAft>
+                          <a:spcPts val="0"/>
+                        </a:spcAft>
+                        <a:buClrTx/>
+                        <a:buSzTx/>
+                        <a:buFontTx/>
+                        <a:buNone/>
+                        <a:tabLst/>
+                        <a:defRPr/>
+                      </a:pPr>
+                      <a:endParaRPr lang="fr-FR" sz="1800" b="0" dirty="0">
+                        <a:highlight>
+                          <a:srgbClr val="FFFF00"/>
+                        </a:highlight>
+                      </a:endParaRPr>
+                    </a:p>
+                  </a:txBody>
+                  <a:tcPr/>
+                </a:tc>
+                <a:tc gridSpan="2">
+                  <a:txBody>
+                    <a:bodyPr/>
+                    <a:lstStyle/>
+                    <a:p>
+                      <a:pPr algn="ctr"/>
+                      <a:endParaRPr lang="en-GB" dirty="0"/>
+                    </a:p>
+                  </a:txBody>
+                  <a:tcPr/>
+                </a:tc>
+                <a:tc hMerge="1">
+                  <a:txBody>
+                    <a:bodyPr/>
+                    <a:lstStyle/>
+                    <a:p>
+                      <a:endParaRPr lang="en-US"/>
+                    </a:p>
+                  </a:txBody>
+                  <a:tcPr/>
+                </a:tc>
+                <a:extLst>
+                  <a:ext uri="{0D108BD9-81ED-4DB2-BD59-A6C34878D82A}">
+                    <a16:rowId xmlns:a16="http://schemas.microsoft.com/office/drawing/2014/main" val="293113737"/>
+                  </a:ext>
+                </a:extLst>
+              </a:tr>
+            </a:tbl>
+          </a:graphicData>
+        </a:graphic>
+      </p:graphicFrame>
+    </p:spTree>
+    <p:extLst>
+      <p:ext uri="{BB962C8B-B14F-4D97-AF65-F5344CB8AC3E}">
+        <p14:creationId xmlns:p14="http://schemas.microsoft.com/office/powerpoint/2010/main" val="1191821125"/>
+      </p:ext>
+    </p:extLst>
+  </p:cSld>
+  <p:clrMapOvr>
+    <a:masterClrMapping/>
+  </p:clrMapOvr>
+</p:sld>
+</file>
+
+<file path=ppt/slides/slide6.xml><?xml version="1.0" encoding="utf-8"?>
+<p:sld xmlns:a="http://schemas.openxmlformats.org/drawingml/2006/main" xmlns:r="http://schemas.openxmlformats.org/officeDocument/2006/relationships" xmlns:p="http://schemas.openxmlformats.org/presentationml/2006/main">
+  <p:cSld>
+    <p:spTree>
+      <p:nvGrpSpPr>
+        <p:cNvPr id="1" name=""/>
+        <p:cNvGrpSpPr/>
+        <p:nvPr/>
+      </p:nvGrpSpPr>
+      <p:grpSpPr>
+        <a:xfrm>
+          <a:off x="0" y="0"/>
+          <a:ext cx="0" cy="0"/>
+          <a:chOff x="0" y="0"/>
+          <a:chExt cx="0" cy="0"/>
+        </a:xfrm>
+      </p:grpSpPr>
+      <p:sp>
+        <p:nvSpPr>
           <p:cNvPr id="7" name="Titre 6">
             <a:extLst>
               <a:ext uri="{FF2B5EF4-FFF2-40B4-BE49-F238E27FC236}">
@@ -25764,7 +27167,7 @@
 </p:sld>
 </file>
 
-<file path=ppt/slides/slide6.xml><?xml version="1.0" encoding="utf-8"?>
+<file path=ppt/slides/slide7.xml><?xml version="1.0" encoding="utf-8"?>
 <p:sld xmlns:a="http://schemas.openxmlformats.org/drawingml/2006/main" xmlns:r="http://schemas.openxmlformats.org/officeDocument/2006/relationships" xmlns:p="http://schemas.openxmlformats.org/presentationml/2006/main">
   <p:cSld>
     <p:spTree>
@@ -25855,7 +27258,7 @@
           <a:p>
             <a:fld id="{E14D0CC5-784E-4B7E-B9F4-EE71C08DA69C}" type="slidenum">
               <a:rPr lang="fr-FR" smtClean="0"/>
-              <a:t>6</a:t>
+              <a:t>7</a:t>
             </a:fld>
             <a:endParaRPr lang="fr-FR" dirty="0"/>
           </a:p>
@@ -28043,7 +29446,7 @@
 </p:sld>
 </file>
 
-<file path=ppt/slides/slide7.xml><?xml version="1.0" encoding="utf-8"?>
+<file path=ppt/slides/slide8.xml><?xml version="1.0" encoding="utf-8"?>
 <p:sld xmlns:a="http://schemas.openxmlformats.org/drawingml/2006/main" xmlns:r="http://schemas.openxmlformats.org/officeDocument/2006/relationships" xmlns:p="http://schemas.openxmlformats.org/presentationml/2006/main">
   <p:cSld>
     <p:spTree>
@@ -28083,7 +29486,7 @@
           <a:p>
             <a:fld id="{E14D0CC5-784E-4B7E-B9F4-EE71C08DA69C}" type="slidenum">
               <a:rPr lang="fr-FR" smtClean="0"/>
-              <a:t>7</a:t>
+              <a:t>8</a:t>
             </a:fld>
             <a:endParaRPr lang="fr-FR" dirty="0"/>
           </a:p>
@@ -30268,7 +31671,7 @@
 </p:sld>
 </file>
 
-<file path=ppt/slides/slide8.xml><?xml version="1.0" encoding="utf-8"?>
+<file path=ppt/slides/slide9.xml><?xml version="1.0" encoding="utf-8"?>
 <p:sld xmlns:a="http://schemas.openxmlformats.org/drawingml/2006/main" xmlns:r="http://schemas.openxmlformats.org/officeDocument/2006/relationships" xmlns:p="http://schemas.openxmlformats.org/presentationml/2006/main">
   <p:cSld>
     <p:spTree>
@@ -30308,7 +31711,7 @@
           <a:p>
             <a:fld id="{E14D0CC5-784E-4B7E-B9F4-EE71C08DA69C}" type="slidenum">
               <a:rPr lang="fr-FR" smtClean="0"/>
-              <a:t>8</a:t>
+              <a:t>9</a:t>
             </a:fld>
             <a:endParaRPr lang="fr-FR" dirty="0"/>
           </a:p>
@@ -30675,36 +32078,6 @@
     <p:extLst>
       <p:ext uri="{BB962C8B-B14F-4D97-AF65-F5344CB8AC3E}">
         <p14:creationId xmlns:p14="http://schemas.microsoft.com/office/powerpoint/2010/main" val="4128052329"/>
-      </p:ext>
-    </p:extLst>
-  </p:cSld>
-  <p:clrMapOvr>
-    <a:masterClrMapping/>
-  </p:clrMapOvr>
-</p:sld>
-</file>
-
-<file path=ppt/slides/slide9.xml><?xml version="1.0" encoding="utf-8"?>
-<p:sld xmlns:a="http://schemas.openxmlformats.org/drawingml/2006/main" xmlns:r="http://schemas.openxmlformats.org/officeDocument/2006/relationships" xmlns:p="http://schemas.openxmlformats.org/presentationml/2006/main">
-  <p:cSld>
-    <p:spTree>
-      <p:nvGrpSpPr>
-        <p:cNvPr id="1" name=""/>
-        <p:cNvGrpSpPr/>
-        <p:nvPr/>
-      </p:nvGrpSpPr>
-      <p:grpSpPr>
-        <a:xfrm>
-          <a:off x="0" y="0"/>
-          <a:ext cx="0" cy="0"/>
-          <a:chOff x="0" y="0"/>
-          <a:chExt cx="0" cy="0"/>
-        </a:xfrm>
-      </p:grpSpPr>
-    </p:spTree>
-    <p:extLst>
-      <p:ext uri="{BB962C8B-B14F-4D97-AF65-F5344CB8AC3E}">
-        <p14:creationId xmlns:p14="http://schemas.microsoft.com/office/powerpoint/2010/main" val="2833669000"/>
       </p:ext>
     </p:extLst>
   </p:cSld>
@@ -31575,17 +32948,6 @@
 </file>
 
 <file path=customXml/item2.xml><?xml version="1.0" encoding="utf-8"?>
-<p:properties xmlns:p="http://schemas.microsoft.com/office/2006/metadata/properties" xmlns:xsi="http://www.w3.org/2001/XMLSchema-instance" xmlns:pc="http://schemas.microsoft.com/office/infopath/2007/PartnerControls">
-  <documentManagement>
-    <lcf76f155ced4ddcb4097134ff3c332f xmlns="4686bda6-deda-4a53-9ce5-2ab192257292">
-      <Terms xmlns="http://schemas.microsoft.com/office/infopath/2007/PartnerControls"/>
-    </lcf76f155ced4ddcb4097134ff3c332f>
-    <TaxCatchAll xmlns="718058b2-8753-44ce-95b0-d0067b5629da" xsi:nil="true"/>
-  </documentManagement>
-</p:properties>
-</file>
-
-<file path=customXml/item3.xml><?xml version="1.0" encoding="utf-8"?>
 <ct:contentTypeSchema xmlns:ct="http://schemas.microsoft.com/office/2006/metadata/contentType" xmlns:ma="http://schemas.microsoft.com/office/2006/metadata/properties/metaAttributes" ct:_="" ma:_="" ma:contentTypeName="Document" ma:contentTypeID="0x010100318DB2E71BFB0A4FA8A357A8AE5B4C86" ma:contentTypeVersion="14" ma:contentTypeDescription="Crée un document." ma:contentTypeScope="" ma:versionID="5cc352c475e29e879957a58ceb39f927">
   <xsd:schema xmlns:xsd="http://www.w3.org/2001/XMLSchema" xmlns:xs="http://www.w3.org/2001/XMLSchema" xmlns:p="http://schemas.microsoft.com/office/2006/metadata/properties" xmlns:ns2="4686bda6-deda-4a53-9ce5-2ab192257292" xmlns:ns3="718058b2-8753-44ce-95b0-d0067b5629da" targetNamespace="http://schemas.microsoft.com/office/2006/metadata/properties" ma:root="true" ma:fieldsID="3475224a8dc04886dc3b8fc290b213f6" ns2:_="" ns3:_="">
     <xsd:import namespace="4686bda6-deda-4a53-9ce5-2ab192257292"/>
@@ -31814,6 +33176,17 @@
 </ct:contentTypeSchema>
 </file>
 
+<file path=customXml/item3.xml><?xml version="1.0" encoding="utf-8"?>
+<p:properties xmlns:p="http://schemas.microsoft.com/office/2006/metadata/properties" xmlns:xsi="http://www.w3.org/2001/XMLSchema-instance" xmlns:pc="http://schemas.microsoft.com/office/infopath/2007/PartnerControls">
+  <documentManagement>
+    <lcf76f155ced4ddcb4097134ff3c332f xmlns="4686bda6-deda-4a53-9ce5-2ab192257292">
+      <Terms xmlns="http://schemas.microsoft.com/office/infopath/2007/PartnerControls"/>
+    </lcf76f155ced4ddcb4097134ff3c332f>
+    <TaxCatchAll xmlns="718058b2-8753-44ce-95b0-d0067b5629da" xsi:nil="true"/>
+  </documentManagement>
+</p:properties>
+</file>
+
 <file path=customXml/itemProps1.xml><?xml version="1.0" encoding="utf-8"?>
 <ds:datastoreItem xmlns:ds="http://schemas.openxmlformats.org/officeDocument/2006/customXml" ds:itemID="{34397568-BCFC-4083-81F0-E6CAD2F36C27}">
   <ds:schemaRefs>
@@ -31823,17 +33196,6 @@
 </file>
 
 <file path=customXml/itemProps2.xml><?xml version="1.0" encoding="utf-8"?>
-<ds:datastoreItem xmlns:ds="http://schemas.openxmlformats.org/officeDocument/2006/customXml" ds:itemID="{04039FE3-5222-47C8-842D-2F3B0E099BAA}">
-  <ds:schemaRefs>
-    <ds:schemaRef ds:uri="4686bda6-deda-4a53-9ce5-2ab192257292"/>
-    <ds:schemaRef ds:uri="718058b2-8753-44ce-95b0-d0067b5629da"/>
-    <ds:schemaRef ds:uri="http://schemas.microsoft.com/office/2006/metadata/properties"/>
-    <ds:schemaRef ds:uri="http://schemas.microsoft.com/office/infopath/2007/PartnerControls"/>
-  </ds:schemaRefs>
-</ds:datastoreItem>
-</file>
-
-<file path=customXml/itemProps3.xml><?xml version="1.0" encoding="utf-8"?>
 <ds:datastoreItem xmlns:ds="http://schemas.openxmlformats.org/officeDocument/2006/customXml" ds:itemID="{58D250B6-F169-4D8C-B790-4B2FA593FBD8}">
   <ds:schemaRefs>
     <ds:schemaRef ds:uri="4686bda6-deda-4a53-9ce5-2ab192257292"/>
@@ -31852,6 +33214,17 @@
 </ds:datastoreItem>
 </file>
 
+<file path=customXml/itemProps3.xml><?xml version="1.0" encoding="utf-8"?>
+<ds:datastoreItem xmlns:ds="http://schemas.openxmlformats.org/officeDocument/2006/customXml" ds:itemID="{04039FE3-5222-47C8-842D-2F3B0E099BAA}">
+  <ds:schemaRefs>
+    <ds:schemaRef ds:uri="4686bda6-deda-4a53-9ce5-2ab192257292"/>
+    <ds:schemaRef ds:uri="718058b2-8753-44ce-95b0-d0067b5629da"/>
+    <ds:schemaRef ds:uri="http://schemas.microsoft.com/office/2006/metadata/properties"/>
+    <ds:schemaRef ds:uri="http://schemas.microsoft.com/office/infopath/2007/PartnerControls"/>
+  </ds:schemaRefs>
+</ds:datastoreItem>
+</file>
+
 <file path=docMetadata/LabelInfo.xml><?xml version="1.0" encoding="utf-8"?>
 <clbl:labelList xmlns:clbl="http://schemas.microsoft.com/office/2020/mipLabelMetadata">
   <clbl:label id="{378055ef-7607-46e5-9564-5469035a1b2e}" enabled="1" method="Standard" siteId="{eb3c68b9-0935-4046-8550-8bcaa4167e2e}" removed="0"/>

--- a/_Ref/_Ref.Architecture.pptx
+++ b/_Ref/_Ref.Architecture.pptx
@@ -5,22 +5,23 @@
     <p:sldMasterId id="2147483649" r:id="rId4"/>
   </p:sldMasterIdLst>
   <p:notesMasterIdLst>
-    <p:notesMasterId r:id="rId15"/>
+    <p:notesMasterId r:id="rId16"/>
   </p:notesMasterIdLst>
   <p:handoutMasterIdLst>
-    <p:handoutMasterId r:id="rId16"/>
+    <p:handoutMasterId r:id="rId17"/>
   </p:handoutMasterIdLst>
   <p:sldIdLst>
     <p:sldId id="257" r:id="rId5"/>
     <p:sldId id="1755" r:id="rId6"/>
     <p:sldId id="1827" r:id="rId7"/>
     <p:sldId id="1734" r:id="rId8"/>
-    <p:sldId id="1848" r:id="rId9"/>
-    <p:sldId id="1846" r:id="rId10"/>
-    <p:sldId id="1769" r:id="rId11"/>
-    <p:sldId id="1844" r:id="rId12"/>
-    <p:sldId id="1845" r:id="rId13"/>
-    <p:sldId id="1789" r:id="rId14"/>
+    <p:sldId id="1782" r:id="rId9"/>
+    <p:sldId id="1848" r:id="rId10"/>
+    <p:sldId id="1846" r:id="rId11"/>
+    <p:sldId id="1769" r:id="rId12"/>
+    <p:sldId id="1844" r:id="rId13"/>
+    <p:sldId id="1845" r:id="rId14"/>
+    <p:sldId id="1789" r:id="rId15"/>
   </p:sldIdLst>
   <p:sldSz cx="12192000" cy="6858000"/>
   <p:notesSz cx="6858000" cy="9144000"/>
@@ -132,6 +133,7 @@
           <p14:sldIdLst>
             <p14:sldId id="1827"/>
             <p14:sldId id="1734"/>
+            <p14:sldId id="1782"/>
             <p14:sldId id="1848"/>
             <p14:sldId id="1846"/>
             <p14:sldId id="1769"/>
@@ -17171,7 +17173,7 @@
           <a:p>
             <a:fld id="{F869B831-4E69-4D2A-AD19-BF4301D60DCB}" type="datetimeFigureOut">
               <a:rPr lang="fr-FR" smtClean="0"/>
-              <a:t>22/01/2024</a:t>
+              <a:t>12/02/2024</a:t>
             </a:fld>
             <a:endParaRPr lang="fr-FR"/>
           </a:p>
@@ -17348,7 +17350,7 @@
           <a:p>
             <a:fld id="{21CD3A5E-BD05-4410-88B3-BEFECD2D9F92}" type="datetimeFigureOut">
               <a:rPr lang="fr-FR" smtClean="0"/>
-              <a:t>22/01/2024</a:t>
+              <a:t>12/02/2024</a:t>
             </a:fld>
             <a:endParaRPr lang="fr-FR"/>
           </a:p>
@@ -17690,6 +17692,90 @@
     <p:extLst>
       <p:ext uri="{BB962C8B-B14F-4D97-AF65-F5344CB8AC3E}">
         <p14:creationId xmlns:p14="http://schemas.microsoft.com/office/powerpoint/2010/main" val="783355286"/>
+      </p:ext>
+    </p:extLst>
+  </p:cSld>
+  <p:clrMapOvr>
+    <a:masterClrMapping/>
+  </p:clrMapOvr>
+</p:notes>
+</file>
+
+<file path=ppt/notesSlides/notesSlide2.xml><?xml version="1.0" encoding="utf-8"?>
+<p:notes xmlns:a="http://schemas.openxmlformats.org/drawingml/2006/main" xmlns:r="http://schemas.openxmlformats.org/officeDocument/2006/relationships" xmlns:p="http://schemas.openxmlformats.org/presentationml/2006/main">
+  <p:cSld>
+    <p:spTree>
+      <p:nvGrpSpPr>
+        <p:cNvPr id="1" name=""/>
+        <p:cNvGrpSpPr/>
+        <p:nvPr/>
+      </p:nvGrpSpPr>
+      <p:grpSpPr>
+        <a:xfrm>
+          <a:off x="0" y="0"/>
+          <a:ext cx="0" cy="0"/>
+          <a:chOff x="0" y="0"/>
+          <a:chExt cx="0" cy="0"/>
+        </a:xfrm>
+      </p:grpSpPr>
+      <p:sp>
+        <p:nvSpPr>
+          <p:cNvPr id="2" name="Espace réservé de l'image des diapositives 1"/>
+          <p:cNvSpPr>
+            <a:spLocks noGrp="1" noRot="1" noChangeAspect="1"/>
+          </p:cNvSpPr>
+          <p:nvPr>
+            <p:ph type="sldImg"/>
+          </p:nvPr>
+        </p:nvSpPr>
+        <p:spPr/>
+      </p:sp>
+      <p:sp>
+        <p:nvSpPr>
+          <p:cNvPr id="3" name="Espace réservé des notes 2"/>
+          <p:cNvSpPr>
+            <a:spLocks noGrp="1"/>
+          </p:cNvSpPr>
+          <p:nvPr>
+            <p:ph type="body" idx="1"/>
+          </p:nvPr>
+        </p:nvSpPr>
+        <p:spPr/>
+        <p:txBody>
+          <a:bodyPr/>
+          <a:lstStyle/>
+          <a:p>
+            <a:endParaRPr lang="fr-FR"/>
+          </a:p>
+        </p:txBody>
+      </p:sp>
+      <p:sp>
+        <p:nvSpPr>
+          <p:cNvPr id="4" name="Espace réservé du numéro de diapositive 3"/>
+          <p:cNvSpPr>
+            <a:spLocks noGrp="1"/>
+          </p:cNvSpPr>
+          <p:nvPr>
+            <p:ph type="sldNum" sz="quarter" idx="5"/>
+          </p:nvPr>
+        </p:nvSpPr>
+        <p:spPr/>
+        <p:txBody>
+          <a:bodyPr/>
+          <a:lstStyle/>
+          <a:p>
+            <a:fld id="{3691E7DE-7724-4FAA-9313-E9F0A418BABC}" type="slidenum">
+              <a:rPr lang="fr-FR" smtClean="0"/>
+              <a:t>5</a:t>
+            </a:fld>
+            <a:endParaRPr lang="fr-FR"/>
+          </a:p>
+        </p:txBody>
+      </p:sp>
+    </p:spTree>
+    <p:extLst>
+      <p:ext uri="{BB962C8B-B14F-4D97-AF65-F5344CB8AC3E}">
+        <p14:creationId xmlns:p14="http://schemas.microsoft.com/office/powerpoint/2010/main" val="1117149278"/>
       </p:ext>
     </p:extLst>
   </p:cSld>
@@ -22419,6 +22505,422 @@
           <a:chExt cx="0" cy="0"/>
         </a:xfrm>
       </p:grpSpPr>
+      <p:sp>
+        <p:nvSpPr>
+          <p:cNvPr id="6" name="Espace réservé du numéro de diapositive 5">
+            <a:extLst>
+              <a:ext uri="{FF2B5EF4-FFF2-40B4-BE49-F238E27FC236}">
+                <a16:creationId xmlns:a16="http://schemas.microsoft.com/office/drawing/2014/main" id="{4576F49A-6A7E-470D-82F5-6D36342DDF17}"/>
+              </a:ext>
+            </a:extLst>
+          </p:cNvPr>
+          <p:cNvSpPr>
+            <a:spLocks noGrp="1"/>
+          </p:cNvSpPr>
+          <p:nvPr>
+            <p:ph type="sldNum" sz="quarter" idx="10"/>
+          </p:nvPr>
+        </p:nvSpPr>
+        <p:spPr/>
+        <p:txBody>
+          <a:bodyPr/>
+          <a:lstStyle/>
+          <a:p>
+            <a:fld id="{E14D0CC5-784E-4B7E-B9F4-EE71C08DA69C}" type="slidenum">
+              <a:rPr lang="fr-FR" smtClean="0"/>
+              <a:t>10</a:t>
+            </a:fld>
+            <a:endParaRPr lang="fr-FR" dirty="0"/>
+          </a:p>
+        </p:txBody>
+      </p:sp>
+      <p:sp>
+        <p:nvSpPr>
+          <p:cNvPr id="15" name="Text Placeholder 14">
+            <a:extLst>
+              <a:ext uri="{FF2B5EF4-FFF2-40B4-BE49-F238E27FC236}">
+                <a16:creationId xmlns:a16="http://schemas.microsoft.com/office/drawing/2014/main" id="{01078451-11F9-0E15-718A-3CF3E289D849}"/>
+              </a:ext>
+            </a:extLst>
+          </p:cNvPr>
+          <p:cNvSpPr>
+            <a:spLocks noGrp="1"/>
+          </p:cNvSpPr>
+          <p:nvPr>
+            <p:ph type="body" sz="quarter" idx="19"/>
+          </p:nvPr>
+        </p:nvSpPr>
+        <p:spPr/>
+        <p:txBody>
+          <a:bodyPr/>
+          <a:lstStyle/>
+          <a:p>
+            <a:pPr marL="0" indent="0" algn="ctr">
+              <a:buNone/>
+            </a:pPr>
+            <a:r>
+              <a:rPr lang="en-US" dirty="0" err="1"/>
+              <a:t>App.Specific</a:t>
+            </a:r>
+            <a:endParaRPr lang="en-US" dirty="0"/>
+          </a:p>
+          <a:p>
+            <a:pPr marL="216000" indent="-144000">
+              <a:spcBef>
+                <a:spcPts val="300"/>
+              </a:spcBef>
+            </a:pPr>
+            <a:r>
+              <a:rPr lang="fr-FR" dirty="0" err="1">
+                <a:solidFill>
+                  <a:schemeClr val="tx2"/>
+                </a:solidFill>
+                <a:ea typeface="+mn-lt"/>
+                <a:cs typeface="+mn-lt"/>
+              </a:rPr>
+              <a:t>Ui.Components</a:t>
+            </a:r>
+            <a:r>
+              <a:rPr lang="fr-FR" dirty="0">
+                <a:solidFill>
+                  <a:schemeClr val="tx2"/>
+                </a:solidFill>
+                <a:ea typeface="+mn-lt"/>
+                <a:cs typeface="+mn-lt"/>
+              </a:rPr>
+              <a:t>.</a:t>
+            </a:r>
+            <a:endParaRPr lang="fr-FR" sz="2000" b="0" dirty="0">
+              <a:solidFill>
+                <a:schemeClr val="tx2"/>
+              </a:solidFill>
+              <a:ea typeface="+mn-lt"/>
+              <a:cs typeface="+mn-lt"/>
+            </a:endParaRPr>
+          </a:p>
+          <a:p>
+            <a:endParaRPr lang="en-US" dirty="0"/>
+          </a:p>
+        </p:txBody>
+      </p:sp>
+      <p:sp>
+        <p:nvSpPr>
+          <p:cNvPr id="7" name="Espace réservé du texte 6">
+            <a:extLst>
+              <a:ext uri="{FF2B5EF4-FFF2-40B4-BE49-F238E27FC236}">
+                <a16:creationId xmlns:a16="http://schemas.microsoft.com/office/drawing/2014/main" id="{BC9C685F-33E7-44F5-9E08-33C92172C97D}"/>
+              </a:ext>
+            </a:extLst>
+          </p:cNvPr>
+          <p:cNvSpPr>
+            <a:spLocks noGrp="1"/>
+          </p:cNvSpPr>
+          <p:nvPr>
+            <p:ph type="body" sz="quarter" idx="16"/>
+          </p:nvPr>
+        </p:nvSpPr>
+        <p:spPr/>
+        <p:txBody>
+          <a:bodyPr/>
+          <a:lstStyle/>
+          <a:p>
+            <a:r>
+              <a:rPr lang="fr-FR">
+                <a:latin typeface="Arial"/>
+                <a:cs typeface="Arial"/>
+              </a:rPr>
+              <a:t>Components</a:t>
+            </a:r>
+            <a:endParaRPr lang="fr-FR" dirty="0"/>
+          </a:p>
+        </p:txBody>
+      </p:sp>
+      <p:sp>
+        <p:nvSpPr>
+          <p:cNvPr id="16" name="Text Placeholder 15">
+            <a:extLst>
+              <a:ext uri="{FF2B5EF4-FFF2-40B4-BE49-F238E27FC236}">
+                <a16:creationId xmlns:a16="http://schemas.microsoft.com/office/drawing/2014/main" id="{F8E4BF1B-F213-B512-4881-8884F34B53C6}"/>
+              </a:ext>
+            </a:extLst>
+          </p:cNvPr>
+          <p:cNvSpPr>
+            <a:spLocks noGrp="1"/>
+          </p:cNvSpPr>
+          <p:nvPr>
+            <p:ph type="body" sz="quarter" idx="20"/>
+          </p:nvPr>
+        </p:nvSpPr>
+        <p:spPr/>
+        <p:txBody>
+          <a:bodyPr/>
+          <a:lstStyle/>
+          <a:p>
+            <a:pPr marL="0" indent="0" algn="ctr">
+              <a:buFont typeface="Arial" panose="020B0604020202020204" pitchFamily="34" charset="0"/>
+              <a:buNone/>
+            </a:pPr>
+            <a:r>
+              <a:rPr lang="en-US" dirty="0" err="1"/>
+              <a:t>Api.Specific</a:t>
+            </a:r>
+            <a:endParaRPr lang="en-US" dirty="0"/>
+          </a:p>
+          <a:p>
+            <a:pPr marL="216000" indent="-144000">
+              <a:spcBef>
+                <a:spcPts val="300"/>
+              </a:spcBef>
+            </a:pPr>
+            <a:r>
+              <a:rPr lang="fr-FR" dirty="0">
+                <a:solidFill>
+                  <a:schemeClr val="tx2"/>
+                </a:solidFill>
+                <a:ea typeface="+mn-lt"/>
+                <a:cs typeface="+mn-lt"/>
+              </a:rPr>
+              <a:t>Http </a:t>
+            </a:r>
+            <a:r>
+              <a:rPr lang="fr-FR" b="0" dirty="0">
+                <a:solidFill>
+                  <a:schemeClr val="tx2"/>
+                </a:solidFill>
+                <a:ea typeface="+mn-lt"/>
+                <a:cs typeface="+mn-lt"/>
+              </a:rPr>
+              <a:t>– </a:t>
+            </a:r>
+            <a:r>
+              <a:rPr lang="fr-FR" b="0" dirty="0" err="1">
+                <a:solidFill>
+                  <a:schemeClr val="tx2"/>
+                </a:solidFill>
+                <a:ea typeface="+mn-lt"/>
+                <a:cs typeface="+mn-lt"/>
+              </a:rPr>
+              <a:t>Delete</a:t>
+            </a:r>
+            <a:r>
+              <a:rPr lang="fr-FR" b="0" dirty="0">
+                <a:solidFill>
+                  <a:schemeClr val="tx2"/>
+                </a:solidFill>
+                <a:ea typeface="+mn-lt"/>
+                <a:cs typeface="+mn-lt"/>
+              </a:rPr>
+              <a:t> 204, </a:t>
+            </a:r>
+            <a:r>
+              <a:rPr lang="fr-FR" b="0" dirty="0" err="1">
+                <a:solidFill>
+                  <a:schemeClr val="tx2"/>
+                </a:solidFill>
+                <a:ea typeface="+mn-lt"/>
+                <a:cs typeface="+mn-lt"/>
+              </a:rPr>
+              <a:t>Get</a:t>
+            </a:r>
+            <a:r>
+              <a:rPr lang="fr-FR" b="0" dirty="0">
+                <a:solidFill>
+                  <a:schemeClr val="tx2"/>
+                </a:solidFill>
+                <a:ea typeface="+mn-lt"/>
+                <a:cs typeface="+mn-lt"/>
+              </a:rPr>
+              <a:t> 200, Put</a:t>
+            </a:r>
+          </a:p>
+          <a:p>
+            <a:pPr marL="216000" indent="-144000">
+              <a:spcBef>
+                <a:spcPts val="300"/>
+              </a:spcBef>
+            </a:pPr>
+            <a:r>
+              <a:rPr lang="fr-FR" dirty="0">
+                <a:solidFill>
+                  <a:schemeClr val="tx2"/>
+                </a:solidFill>
+                <a:ea typeface="+mn-lt"/>
+                <a:cs typeface="+mn-lt"/>
+              </a:rPr>
+              <a:t>Definition. </a:t>
+            </a:r>
+            <a:r>
+              <a:rPr lang="fr-FR" b="0" dirty="0">
+                <a:solidFill>
+                  <a:schemeClr val="tx2"/>
+                </a:solidFill>
+                <a:ea typeface="+mn-lt"/>
+                <a:cs typeface="+mn-lt"/>
+              </a:rPr>
+              <a:t>SwaggerUi / SwaggerGen</a:t>
+            </a:r>
+            <a:endParaRPr lang="fr-FR" dirty="0">
+              <a:solidFill>
+                <a:schemeClr val="tx2"/>
+              </a:solidFill>
+              <a:ea typeface="+mn-lt"/>
+              <a:cs typeface="+mn-lt"/>
+            </a:endParaRPr>
+          </a:p>
+          <a:p>
+            <a:pPr marL="216000" indent="-144000">
+              <a:spcBef>
+                <a:spcPts val="300"/>
+              </a:spcBef>
+            </a:pPr>
+            <a:r>
+              <a:rPr lang="fr-FR" dirty="0" err="1">
+                <a:solidFill>
+                  <a:schemeClr val="tx2"/>
+                </a:solidFill>
+                <a:ea typeface="+mn-lt"/>
+                <a:cs typeface="+mn-lt"/>
+              </a:rPr>
+              <a:t>Endpoints</a:t>
+            </a:r>
+            <a:endParaRPr lang="fr-FR" dirty="0">
+              <a:solidFill>
+                <a:schemeClr val="tx2"/>
+              </a:solidFill>
+              <a:ea typeface="+mn-lt"/>
+              <a:cs typeface="+mn-lt"/>
+            </a:endParaRPr>
+          </a:p>
+          <a:p>
+            <a:pPr marL="504000" lvl="1" indent="-144000">
+              <a:spcBef>
+                <a:spcPts val="300"/>
+              </a:spcBef>
+            </a:pPr>
+            <a:r>
+              <a:rPr lang="fr-FR" b="0" dirty="0">
+                <a:ea typeface="+mn-lt"/>
+                <a:cs typeface="+mn-lt"/>
+              </a:rPr>
+              <a:t>Tout ce qui est créé/modifié doit être retournée (Pourquoi ?)</a:t>
+            </a:r>
+            <a:endParaRPr lang="en-US" dirty="0"/>
+          </a:p>
+          <a:p>
+            <a:endParaRPr lang="en-US" dirty="0"/>
+          </a:p>
+        </p:txBody>
+      </p:sp>
+      <p:sp>
+        <p:nvSpPr>
+          <p:cNvPr id="2" name="Titre 1">
+            <a:extLst>
+              <a:ext uri="{FF2B5EF4-FFF2-40B4-BE49-F238E27FC236}">
+                <a16:creationId xmlns:a16="http://schemas.microsoft.com/office/drawing/2014/main" id="{81B4020D-2DE6-4B6C-822C-676A9E68ECFA}"/>
+              </a:ext>
+            </a:extLst>
+          </p:cNvPr>
+          <p:cNvSpPr>
+            <a:spLocks noGrp="1"/>
+          </p:cNvSpPr>
+          <p:nvPr>
+            <p:ph type="title"/>
+          </p:nvPr>
+        </p:nvSpPr>
+        <p:spPr/>
+        <p:txBody>
+          <a:bodyPr/>
+          <a:lstStyle/>
+          <a:p>
+            <a:r>
+              <a:rPr lang="fr-FR" dirty="0"/>
+              <a:t>App &amp; Api</a:t>
+            </a:r>
+            <a:endParaRPr lang="fr-LU" dirty="0"/>
+          </a:p>
+        </p:txBody>
+      </p:sp>
+      <p:sp>
+        <p:nvSpPr>
+          <p:cNvPr id="14" name="Espace réservé du pied de page 5">
+            <a:extLst>
+              <a:ext uri="{FF2B5EF4-FFF2-40B4-BE49-F238E27FC236}">
+                <a16:creationId xmlns:a16="http://schemas.microsoft.com/office/drawing/2014/main" id="{70578D5F-6465-4780-BC67-4A5616A81F4F}"/>
+              </a:ext>
+            </a:extLst>
+          </p:cNvPr>
+          <p:cNvSpPr>
+            <a:spLocks noGrp="1"/>
+          </p:cNvSpPr>
+          <p:nvPr>
+            <p:ph type="ftr" sz="quarter" idx="3"/>
+          </p:nvPr>
+        </p:nvSpPr>
+        <p:spPr>
+          <a:prstGeom prst="roundRect">
+            <a:avLst>
+              <a:gd name="adj" fmla="val 33687"/>
+            </a:avLst>
+          </a:prstGeom>
+          <a:ln w="19050">
+            <a:solidFill>
+              <a:schemeClr val="tx1"/>
+            </a:solidFill>
+          </a:ln>
+        </p:spPr>
+        <p:txBody>
+          <a:bodyPr vert="horz" lIns="91440" tIns="45720" rIns="91440" bIns="45720" rtlCol="0" anchor="ctr"/>
+          <a:lstStyle>
+            <a:lvl1pPr algn="ctr">
+              <a:defRPr lang="fr-FR" sz="1400" b="0" kern="1200" dirty="0" err="1">
+                <a:solidFill>
+                  <a:schemeClr val="tx2"/>
+                </a:solidFill>
+                <a:latin typeface="+mn-lt"/>
+                <a:ea typeface="+mn-ea"/>
+                <a:cs typeface="+mn-cs"/>
+              </a:defRPr>
+            </a:lvl1pPr>
+          </a:lstStyle>
+          <a:p>
+            <a:r>
+              <a:rPr lang="fr-LU" dirty="0"/>
+              <a:t>Unlocked By | K</a:t>
+            </a:r>
+            <a:endParaRPr lang="fr-FR" dirty="0"/>
+          </a:p>
+        </p:txBody>
+      </p:sp>
+    </p:spTree>
+    <p:extLst>
+      <p:ext uri="{BB962C8B-B14F-4D97-AF65-F5344CB8AC3E}">
+        <p14:creationId xmlns:p14="http://schemas.microsoft.com/office/powerpoint/2010/main" val="4128052329"/>
+      </p:ext>
+    </p:extLst>
+  </p:cSld>
+  <p:clrMapOvr>
+    <a:masterClrMapping/>
+  </p:clrMapOvr>
+</p:sld>
+</file>
+
+<file path=ppt/slides/slide11.xml><?xml version="1.0" encoding="utf-8"?>
+<p:sld xmlns:a="http://schemas.openxmlformats.org/drawingml/2006/main" xmlns:r="http://schemas.openxmlformats.org/officeDocument/2006/relationships" xmlns:p="http://schemas.openxmlformats.org/presentationml/2006/main">
+  <p:cSld>
+    <p:spTree>
+      <p:nvGrpSpPr>
+        <p:cNvPr id="1" name=""/>
+        <p:cNvGrpSpPr/>
+        <p:nvPr/>
+      </p:nvGrpSpPr>
+      <p:grpSpPr>
+        <a:xfrm>
+          <a:off x="0" y="0"/>
+          <a:ext cx="0" cy="0"/>
+          <a:chOff x="0" y="0"/>
+          <a:chExt cx="0" cy="0"/>
+        </a:xfrm>
+      </p:grpSpPr>
     </p:spTree>
     <p:extLst>
       <p:ext uri="{BB962C8B-B14F-4D97-AF65-F5344CB8AC3E}">
@@ -25721,6 +26223,3550 @@
       </p:grpSpPr>
       <p:sp>
         <p:nvSpPr>
+          <p:cNvPr id="53" name="Rectangle : coins arrondis 52">
+            <a:extLst>
+              <a:ext uri="{FF2B5EF4-FFF2-40B4-BE49-F238E27FC236}">
+                <a16:creationId xmlns:a16="http://schemas.microsoft.com/office/drawing/2014/main" id="{B6D25AA5-A9CF-4FD3-9EF3-8568EBC278CF}"/>
+              </a:ext>
+            </a:extLst>
+          </p:cNvPr>
+          <p:cNvSpPr/>
+          <p:nvPr/>
+        </p:nvSpPr>
+        <p:spPr>
+          <a:xfrm>
+            <a:off x="1924204" y="3770295"/>
+            <a:ext cx="4642729" cy="2194031"/>
+          </a:xfrm>
+          <a:prstGeom prst="roundRect">
+            <a:avLst>
+              <a:gd name="adj" fmla="val 5786"/>
+            </a:avLst>
+          </a:prstGeom>
+          <a:solidFill>
+            <a:srgbClr val="A396F6"/>
+          </a:solidFill>
+        </p:spPr>
+        <p:style>
+          <a:lnRef idx="1">
+            <a:schemeClr val="accent1"/>
+          </a:lnRef>
+          <a:fillRef idx="3">
+            <a:schemeClr val="accent1"/>
+          </a:fillRef>
+          <a:effectRef idx="2">
+            <a:schemeClr val="accent1"/>
+          </a:effectRef>
+          <a:fontRef idx="minor">
+            <a:schemeClr val="lt1"/>
+          </a:fontRef>
+        </p:style>
+        <p:txBody>
+          <a:bodyPr rtlCol="0" anchor="t"/>
+          <a:lstStyle/>
+          <a:p>
+            <a:pPr algn="ctr"/>
+            <a:endParaRPr lang="fr-FR" b="1">
+              <a:solidFill>
+                <a:schemeClr val="tx1"/>
+              </a:solidFill>
+            </a:endParaRPr>
+          </a:p>
+        </p:txBody>
+      </p:sp>
+      <p:sp>
+        <p:nvSpPr>
+          <p:cNvPr id="62" name="Rectangle : coins arrondis 61">
+            <a:extLst>
+              <a:ext uri="{FF2B5EF4-FFF2-40B4-BE49-F238E27FC236}">
+                <a16:creationId xmlns:a16="http://schemas.microsoft.com/office/drawing/2014/main" id="{A4EE5134-E364-40F1-8B20-F47B07A3A9AE}"/>
+              </a:ext>
+            </a:extLst>
+          </p:cNvPr>
+          <p:cNvSpPr/>
+          <p:nvPr/>
+        </p:nvSpPr>
+        <p:spPr>
+          <a:xfrm>
+            <a:off x="1924204" y="1101076"/>
+            <a:ext cx="4642729" cy="2534089"/>
+          </a:xfrm>
+          <a:prstGeom prst="roundRect">
+            <a:avLst>
+              <a:gd name="adj" fmla="val 6037"/>
+            </a:avLst>
+          </a:prstGeom>
+          <a:solidFill>
+            <a:schemeClr val="accent2">
+              <a:lumMod val="40000"/>
+              <a:lumOff val="60000"/>
+            </a:schemeClr>
+          </a:solidFill>
+        </p:spPr>
+        <p:style>
+          <a:lnRef idx="1">
+            <a:schemeClr val="accent1"/>
+          </a:lnRef>
+          <a:fillRef idx="3">
+            <a:schemeClr val="accent1"/>
+          </a:fillRef>
+          <a:effectRef idx="2">
+            <a:schemeClr val="accent1"/>
+          </a:effectRef>
+          <a:fontRef idx="minor">
+            <a:schemeClr val="lt1"/>
+          </a:fontRef>
+        </p:style>
+        <p:txBody>
+          <a:bodyPr rtlCol="0" anchor="t"/>
+          <a:lstStyle/>
+          <a:p>
+            <a:pPr algn="ctr"/>
+            <a:endParaRPr lang="fr-FR" b="1">
+              <a:solidFill>
+                <a:schemeClr val="tx1"/>
+              </a:solidFill>
+            </a:endParaRPr>
+          </a:p>
+        </p:txBody>
+      </p:sp>
+      <p:sp>
+        <p:nvSpPr>
+          <p:cNvPr id="36" name="Rectangle : coins arrondis 35">
+            <a:extLst>
+              <a:ext uri="{FF2B5EF4-FFF2-40B4-BE49-F238E27FC236}">
+                <a16:creationId xmlns:a16="http://schemas.microsoft.com/office/drawing/2014/main" id="{52B67624-72B4-4A4C-BC3E-59EA06A99A75}"/>
+              </a:ext>
+            </a:extLst>
+          </p:cNvPr>
+          <p:cNvSpPr/>
+          <p:nvPr/>
+        </p:nvSpPr>
+        <p:spPr>
+          <a:xfrm>
+            <a:off x="4465138" y="1465205"/>
+            <a:ext cx="1978910" cy="1442299"/>
+          </a:xfrm>
+          <a:prstGeom prst="roundRect">
+            <a:avLst>
+              <a:gd name="adj" fmla="val 9418"/>
+            </a:avLst>
+          </a:prstGeom>
+          <a:solidFill>
+            <a:schemeClr val="accent4">
+              <a:lumMod val="40000"/>
+              <a:lumOff val="60000"/>
+            </a:schemeClr>
+          </a:solidFill>
+        </p:spPr>
+        <p:style>
+          <a:lnRef idx="1">
+            <a:schemeClr val="accent1"/>
+          </a:lnRef>
+          <a:fillRef idx="3">
+            <a:schemeClr val="accent1"/>
+          </a:fillRef>
+          <a:effectRef idx="2">
+            <a:schemeClr val="accent1"/>
+          </a:effectRef>
+          <a:fontRef idx="minor">
+            <a:schemeClr val="lt1"/>
+          </a:fontRef>
+        </p:style>
+        <p:txBody>
+          <a:bodyPr rtlCol="0" anchor="t"/>
+          <a:lstStyle/>
+          <a:p>
+            <a:pPr algn="ctr"/>
+            <a:r>
+              <a:rPr lang="fr-FR" sz="1600" b="1">
+                <a:solidFill>
+                  <a:schemeClr val="tx1"/>
+                </a:solidFill>
+              </a:rPr>
+              <a:t>Web Code</a:t>
+            </a:r>
+          </a:p>
+        </p:txBody>
+      </p:sp>
+      <p:sp>
+        <p:nvSpPr>
+          <p:cNvPr id="65" name="Rectangle : coins arrondis 64">
+            <a:extLst>
+              <a:ext uri="{FF2B5EF4-FFF2-40B4-BE49-F238E27FC236}">
+                <a16:creationId xmlns:a16="http://schemas.microsoft.com/office/drawing/2014/main" id="{0EABF467-4A7E-4B5F-BD50-4FF814A9F768}"/>
+              </a:ext>
+            </a:extLst>
+          </p:cNvPr>
+          <p:cNvSpPr/>
+          <p:nvPr/>
+        </p:nvSpPr>
+        <p:spPr>
+          <a:xfrm>
+            <a:off x="6810019" y="1101076"/>
+            <a:ext cx="4470756" cy="3588005"/>
+          </a:xfrm>
+          <a:prstGeom prst="roundRect">
+            <a:avLst>
+              <a:gd name="adj" fmla="val 3779"/>
+            </a:avLst>
+          </a:prstGeom>
+          <a:solidFill>
+            <a:schemeClr val="tx1">
+              <a:lumMod val="40000"/>
+              <a:lumOff val="60000"/>
+            </a:schemeClr>
+          </a:solidFill>
+        </p:spPr>
+        <p:style>
+          <a:lnRef idx="1">
+            <a:schemeClr val="accent1"/>
+          </a:lnRef>
+          <a:fillRef idx="3">
+            <a:schemeClr val="accent1"/>
+          </a:fillRef>
+          <a:effectRef idx="2">
+            <a:schemeClr val="accent1"/>
+          </a:effectRef>
+          <a:fontRef idx="minor">
+            <a:schemeClr val="lt1"/>
+          </a:fontRef>
+        </p:style>
+        <p:txBody>
+          <a:bodyPr rtlCol="0" anchor="t"/>
+          <a:lstStyle/>
+          <a:p>
+            <a:pPr algn="ctr"/>
+            <a:endParaRPr lang="fr-FR" b="1">
+              <a:solidFill>
+                <a:schemeClr val="tx1"/>
+              </a:solidFill>
+            </a:endParaRPr>
+          </a:p>
+        </p:txBody>
+      </p:sp>
+      <p:sp>
+        <p:nvSpPr>
+          <p:cNvPr id="79" name="Espace réservé du numéro de diapositive 1">
+            <a:extLst>
+              <a:ext uri="{FF2B5EF4-FFF2-40B4-BE49-F238E27FC236}">
+                <a16:creationId xmlns:a16="http://schemas.microsoft.com/office/drawing/2014/main" id="{9131B11E-7F98-495A-9D09-3A35D4F794B8}"/>
+              </a:ext>
+            </a:extLst>
+          </p:cNvPr>
+          <p:cNvSpPr>
+            <a:spLocks noGrp="1"/>
+          </p:cNvSpPr>
+          <p:nvPr>
+            <p:ph type="sldNum" sz="quarter" idx="10"/>
+          </p:nvPr>
+        </p:nvSpPr>
+        <p:spPr/>
+        <p:txBody>
+          <a:bodyPr/>
+          <a:lstStyle/>
+          <a:p>
+            <a:fld id="{E14D0CC5-784E-4B7E-B9F4-EE71C08DA69C}" type="slidenum">
+              <a:rPr lang="fr-FR" smtClean="0"/>
+              <a:t>5</a:t>
+            </a:fld>
+            <a:endParaRPr lang="fr-FR"/>
+          </a:p>
+        </p:txBody>
+      </p:sp>
+      <p:sp>
+        <p:nvSpPr>
+          <p:cNvPr id="83" name="Text Placeholder 5">
+            <a:extLst>
+              <a:ext uri="{FF2B5EF4-FFF2-40B4-BE49-F238E27FC236}">
+                <a16:creationId xmlns:a16="http://schemas.microsoft.com/office/drawing/2014/main" id="{DBC00441-79CC-F49A-6D78-B45BBF8238FF}"/>
+              </a:ext>
+            </a:extLst>
+          </p:cNvPr>
+          <p:cNvSpPr>
+            <a:spLocks noGrp="1"/>
+          </p:cNvSpPr>
+          <p:nvPr>
+            <p:ph type="body" sz="quarter" idx="16"/>
+          </p:nvPr>
+        </p:nvSpPr>
+        <p:spPr/>
+        <p:txBody>
+          <a:bodyPr/>
+          <a:lstStyle/>
+          <a:p>
+            <a:r>
+              <a:rPr lang="fr-FR" dirty="0">
+                <a:latin typeface="Arial"/>
+                <a:cs typeface="Arial"/>
+              </a:rPr>
+              <a:t>Architecture</a:t>
+            </a:r>
+            <a:endParaRPr lang="en-GB" dirty="0"/>
+          </a:p>
+        </p:txBody>
+      </p:sp>
+      <p:sp>
+        <p:nvSpPr>
+          <p:cNvPr id="7" name="Titre 1">
+            <a:extLst>
+              <a:ext uri="{FF2B5EF4-FFF2-40B4-BE49-F238E27FC236}">
+                <a16:creationId xmlns:a16="http://schemas.microsoft.com/office/drawing/2014/main" id="{6965AD01-1930-4FD8-A319-92D62E7DEF34}"/>
+              </a:ext>
+            </a:extLst>
+          </p:cNvPr>
+          <p:cNvSpPr>
+            <a:spLocks noGrp="1"/>
+          </p:cNvSpPr>
+          <p:nvPr>
+            <p:ph type="title"/>
+          </p:nvPr>
+        </p:nvSpPr>
+        <p:spPr>
+          <a:xfrm>
+            <a:off x="838200" y="365126"/>
+            <a:ext cx="6535540" cy="575908"/>
+          </a:xfrm>
+        </p:spPr>
+        <p:txBody>
+          <a:bodyPr>
+            <a:noAutofit/>
+          </a:bodyPr>
+          <a:lstStyle/>
+          <a:p>
+            <a:r>
+              <a:rPr lang="fr-FR" sz="3200" dirty="0"/>
+              <a:t>MVC</a:t>
+            </a:r>
+            <a:endParaRPr lang="en-US" sz="3200" dirty="0"/>
+          </a:p>
+        </p:txBody>
+      </p:sp>
+      <p:sp>
+        <p:nvSpPr>
+          <p:cNvPr id="74" name="Espace réservé du pied de page 5">
+            <a:extLst>
+              <a:ext uri="{FF2B5EF4-FFF2-40B4-BE49-F238E27FC236}">
+                <a16:creationId xmlns:a16="http://schemas.microsoft.com/office/drawing/2014/main" id="{8786F22E-3D03-45CB-AE06-BCFA2D7F9ED2}"/>
+              </a:ext>
+            </a:extLst>
+          </p:cNvPr>
+          <p:cNvSpPr>
+            <a:spLocks noGrp="1"/>
+          </p:cNvSpPr>
+          <p:nvPr>
+            <p:ph type="ftr" sz="quarter" idx="3"/>
+          </p:nvPr>
+        </p:nvSpPr>
+        <p:spPr>
+          <a:prstGeom prst="roundRect">
+            <a:avLst>
+              <a:gd name="adj" fmla="val 33687"/>
+            </a:avLst>
+          </a:prstGeom>
+          <a:ln w="19050">
+            <a:solidFill>
+              <a:schemeClr val="tx1"/>
+            </a:solidFill>
+          </a:ln>
+        </p:spPr>
+        <p:txBody>
+          <a:bodyPr vert="horz" lIns="91440" tIns="45720" rIns="91440" bIns="45720" rtlCol="0" anchor="ctr"/>
+          <a:lstStyle>
+            <a:lvl1pPr algn="ctr">
+              <a:defRPr lang="fr-FR" sz="1400" b="0" kern="1200" dirty="0" err="1">
+                <a:solidFill>
+                  <a:schemeClr val="tx2"/>
+                </a:solidFill>
+                <a:latin typeface="+mn-lt"/>
+                <a:ea typeface="+mn-ea"/>
+                <a:cs typeface="+mn-cs"/>
+              </a:defRPr>
+            </a:lvl1pPr>
+          </a:lstStyle>
+          <a:p>
+            <a:r>
+              <a:rPr lang="fr-LU"/>
+              <a:t>Unlocked By | K</a:t>
+            </a:r>
+            <a:endParaRPr lang="fr-FR"/>
+          </a:p>
+        </p:txBody>
+      </p:sp>
+      <p:sp>
+        <p:nvSpPr>
+          <p:cNvPr id="92" name="Rectangle à coins arrondis 5">
+            <a:extLst>
+              <a:ext uri="{FF2B5EF4-FFF2-40B4-BE49-F238E27FC236}">
+                <a16:creationId xmlns:a16="http://schemas.microsoft.com/office/drawing/2014/main" id="{B9EB4296-AA0B-4A54-BDC1-206A62BFEA5B}"/>
+              </a:ext>
+            </a:extLst>
+          </p:cNvPr>
+          <p:cNvSpPr/>
+          <p:nvPr/>
+        </p:nvSpPr>
+        <p:spPr>
+          <a:xfrm>
+            <a:off x="6999132" y="1268365"/>
+            <a:ext cx="4139039" cy="1032311"/>
+          </a:xfrm>
+          <a:prstGeom prst="roundRect">
+            <a:avLst>
+              <a:gd name="adj" fmla="val 15710"/>
+            </a:avLst>
+          </a:prstGeom>
+          <a:solidFill>
+            <a:schemeClr val="accent1">
+              <a:lumMod val="20000"/>
+              <a:lumOff val="80000"/>
+            </a:schemeClr>
+          </a:solidFill>
+        </p:spPr>
+        <p:style>
+          <a:lnRef idx="2">
+            <a:schemeClr val="accent1">
+              <a:shade val="50000"/>
+            </a:schemeClr>
+          </a:lnRef>
+          <a:fillRef idx="1">
+            <a:schemeClr val="accent1"/>
+          </a:fillRef>
+          <a:effectRef idx="0">
+            <a:schemeClr val="accent1"/>
+          </a:effectRef>
+          <a:fontRef idx="minor">
+            <a:schemeClr val="lt1"/>
+          </a:fontRef>
+        </p:style>
+        <p:txBody>
+          <a:bodyPr rtlCol="0" anchor="t"/>
+          <a:lstStyle/>
+          <a:p>
+            <a:pPr algn="ctr"/>
+            <a:r>
+              <a:rPr lang="fr-FR" sz="1600" b="1" dirty="0" err="1">
+                <a:solidFill>
+                  <a:schemeClr val="accent1"/>
+                </a:solidFill>
+              </a:rPr>
+              <a:t>App.Server</a:t>
+            </a:r>
+            <a:endParaRPr lang="fr-FR" sz="1600" b="1" dirty="0">
+              <a:solidFill>
+                <a:schemeClr val="accent1"/>
+              </a:solidFill>
+            </a:endParaRPr>
+          </a:p>
+        </p:txBody>
+      </p:sp>
+      <p:sp>
+        <p:nvSpPr>
+          <p:cNvPr id="76" name="AutoShape 4">
+            <a:extLst>
+              <a:ext uri="{FF2B5EF4-FFF2-40B4-BE49-F238E27FC236}">
+                <a16:creationId xmlns:a16="http://schemas.microsoft.com/office/drawing/2014/main" id="{C4F0F135-E34F-4C63-BC00-E2C517E82DE6}"/>
+              </a:ext>
+            </a:extLst>
+          </p:cNvPr>
+          <p:cNvSpPr>
+            <a:spLocks noChangeArrowheads="1"/>
+          </p:cNvSpPr>
+          <p:nvPr/>
+        </p:nvSpPr>
+        <p:spPr bwMode="auto">
+          <a:xfrm>
+            <a:off x="6810020" y="4849123"/>
+            <a:ext cx="4470754" cy="1115203"/>
+          </a:xfrm>
+          <a:prstGeom prst="can">
+            <a:avLst>
+              <a:gd name="adj" fmla="val 15090"/>
+            </a:avLst>
+          </a:prstGeom>
+          <a:solidFill>
+            <a:srgbClr val="FFFF00"/>
+          </a:solidFill>
+          <a:ln w="12700">
+            <a:solidFill>
+              <a:schemeClr val="tx1"/>
+            </a:solidFill>
+            <a:round/>
+            <a:headEnd type="none" w="sm" len="sm"/>
+            <a:tailEnd type="none" w="sm" len="sm"/>
+          </a:ln>
+        </p:spPr>
+        <p:txBody>
+          <a:bodyPr wrap="none" anchor="t"/>
+          <a:lstStyle>
+            <a:defPPr>
+              <a:defRPr lang="en-US"/>
+            </a:defPPr>
+            <a:lvl1pPr marL="0" algn="l" defTabSz="914400" rtl="0" eaLnBrk="1" latinLnBrk="0" hangingPunct="1">
+              <a:defRPr sz="1800" kern="1200">
+                <a:solidFill>
+                  <a:schemeClr val="tx1"/>
+                </a:solidFill>
+                <a:latin typeface="+mn-lt"/>
+                <a:ea typeface="+mn-ea"/>
+                <a:cs typeface="+mn-cs"/>
+              </a:defRPr>
+            </a:lvl1pPr>
+            <a:lvl2pPr marL="457200" algn="l" defTabSz="914400" rtl="0" eaLnBrk="1" latinLnBrk="0" hangingPunct="1">
+              <a:defRPr sz="1800" kern="1200">
+                <a:solidFill>
+                  <a:schemeClr val="tx1"/>
+                </a:solidFill>
+                <a:latin typeface="+mn-lt"/>
+                <a:ea typeface="+mn-ea"/>
+                <a:cs typeface="+mn-cs"/>
+              </a:defRPr>
+            </a:lvl2pPr>
+            <a:lvl3pPr marL="914400" algn="l" defTabSz="914400" rtl="0" eaLnBrk="1" latinLnBrk="0" hangingPunct="1">
+              <a:defRPr sz="1800" kern="1200">
+                <a:solidFill>
+                  <a:schemeClr val="tx1"/>
+                </a:solidFill>
+                <a:latin typeface="+mn-lt"/>
+                <a:ea typeface="+mn-ea"/>
+                <a:cs typeface="+mn-cs"/>
+              </a:defRPr>
+            </a:lvl3pPr>
+            <a:lvl4pPr marL="1371600" algn="l" defTabSz="914400" rtl="0" eaLnBrk="1" latinLnBrk="0" hangingPunct="1">
+              <a:defRPr sz="1800" kern="1200">
+                <a:solidFill>
+                  <a:schemeClr val="tx1"/>
+                </a:solidFill>
+                <a:latin typeface="+mn-lt"/>
+                <a:ea typeface="+mn-ea"/>
+                <a:cs typeface="+mn-cs"/>
+              </a:defRPr>
+            </a:lvl4pPr>
+            <a:lvl5pPr marL="1828800" algn="l" defTabSz="914400" rtl="0" eaLnBrk="1" latinLnBrk="0" hangingPunct="1">
+              <a:defRPr sz="1800" kern="1200">
+                <a:solidFill>
+                  <a:schemeClr val="tx1"/>
+                </a:solidFill>
+                <a:latin typeface="+mn-lt"/>
+                <a:ea typeface="+mn-ea"/>
+                <a:cs typeface="+mn-cs"/>
+              </a:defRPr>
+            </a:lvl5pPr>
+            <a:lvl6pPr marL="2286000" algn="l" defTabSz="914400" rtl="0" eaLnBrk="1" latinLnBrk="0" hangingPunct="1">
+              <a:defRPr sz="1800" kern="1200">
+                <a:solidFill>
+                  <a:schemeClr val="tx1"/>
+                </a:solidFill>
+                <a:latin typeface="+mn-lt"/>
+                <a:ea typeface="+mn-ea"/>
+                <a:cs typeface="+mn-cs"/>
+              </a:defRPr>
+            </a:lvl6pPr>
+            <a:lvl7pPr marL="2743200" algn="l" defTabSz="914400" rtl="0" eaLnBrk="1" latinLnBrk="0" hangingPunct="1">
+              <a:defRPr sz="1800" kern="1200">
+                <a:solidFill>
+                  <a:schemeClr val="tx1"/>
+                </a:solidFill>
+                <a:latin typeface="+mn-lt"/>
+                <a:ea typeface="+mn-ea"/>
+                <a:cs typeface="+mn-cs"/>
+              </a:defRPr>
+            </a:lvl7pPr>
+            <a:lvl8pPr marL="3200400" algn="l" defTabSz="914400" rtl="0" eaLnBrk="1" latinLnBrk="0" hangingPunct="1">
+              <a:defRPr sz="1800" kern="1200">
+                <a:solidFill>
+                  <a:schemeClr val="tx1"/>
+                </a:solidFill>
+                <a:latin typeface="+mn-lt"/>
+                <a:ea typeface="+mn-ea"/>
+                <a:cs typeface="+mn-cs"/>
+              </a:defRPr>
+            </a:lvl8pPr>
+            <a:lvl9pPr marL="3657600" algn="l" defTabSz="914400" rtl="0" eaLnBrk="1" latinLnBrk="0" hangingPunct="1">
+              <a:defRPr sz="1800" kern="1200">
+                <a:solidFill>
+                  <a:schemeClr val="tx1"/>
+                </a:solidFill>
+                <a:latin typeface="+mn-lt"/>
+                <a:ea typeface="+mn-ea"/>
+                <a:cs typeface="+mn-cs"/>
+              </a:defRPr>
+            </a:lvl9pPr>
+          </a:lstStyle>
+          <a:p>
+            <a:pPr algn="ctr"/>
+            <a:r>
+              <a:rPr lang="fr-FR" sz="1400" b="1" dirty="0" err="1"/>
+              <a:t>App.Db</a:t>
+            </a:r>
+            <a:endParaRPr lang="fr-FR" sz="1400" b="1" dirty="0"/>
+          </a:p>
+          <a:p>
+            <a:pPr algn="ctr"/>
+            <a:r>
+              <a:rPr lang="fr-FR" sz="1400" b="1" i="1" dirty="0">
+                <a:solidFill>
+                  <a:schemeClr val="tx1">
+                    <a:lumMod val="60000"/>
+                    <a:lumOff val="40000"/>
+                  </a:schemeClr>
+                </a:solidFill>
+              </a:rPr>
+              <a:t>SQL Server</a:t>
+            </a:r>
+            <a:endParaRPr lang="sv-SE" sz="1400" b="1" dirty="0"/>
+          </a:p>
+          <a:p>
+            <a:pPr algn="ctr"/>
+            <a:endParaRPr lang="en-US" sz="1000" b="1" dirty="0"/>
+          </a:p>
+        </p:txBody>
+      </p:sp>
+      <p:sp>
+        <p:nvSpPr>
+          <p:cNvPr id="56" name="Rectangle à coins arrondis 5">
+            <a:extLst>
+              <a:ext uri="{FF2B5EF4-FFF2-40B4-BE49-F238E27FC236}">
+                <a16:creationId xmlns:a16="http://schemas.microsoft.com/office/drawing/2014/main" id="{2B121631-34A7-428A-BFEA-E35803266460}"/>
+              </a:ext>
+            </a:extLst>
+          </p:cNvPr>
+          <p:cNvSpPr/>
+          <p:nvPr/>
+        </p:nvSpPr>
+        <p:spPr>
+          <a:xfrm>
+            <a:off x="7575189" y="5374360"/>
+            <a:ext cx="821716" cy="338614"/>
+          </a:xfrm>
+          <a:prstGeom prst="roundRect">
+            <a:avLst>
+              <a:gd name="adj" fmla="val 31849"/>
+            </a:avLst>
+          </a:prstGeom>
+          <a:solidFill>
+            <a:schemeClr val="accent6">
+              <a:lumMod val="50000"/>
+            </a:schemeClr>
+          </a:solidFill>
+        </p:spPr>
+        <p:style>
+          <a:lnRef idx="1">
+            <a:schemeClr val="accent1"/>
+          </a:lnRef>
+          <a:fillRef idx="3">
+            <a:schemeClr val="accent1"/>
+          </a:fillRef>
+          <a:effectRef idx="2">
+            <a:schemeClr val="accent1"/>
+          </a:effectRef>
+          <a:fontRef idx="minor">
+            <a:schemeClr val="lt1"/>
+          </a:fontRef>
+        </p:style>
+        <p:txBody>
+          <a:bodyPr wrap="square" rtlCol="0" anchor="ctr">
+            <a:spAutoFit/>
+          </a:bodyPr>
+          <a:lstStyle/>
+          <a:p>
+            <a:pPr algn="ctr"/>
+            <a:r>
+              <a:rPr lang="fr-FR" sz="1200" b="1"/>
+              <a:t>CLIENT</a:t>
+            </a:r>
+          </a:p>
+        </p:txBody>
+      </p:sp>
+      <p:sp>
+        <p:nvSpPr>
+          <p:cNvPr id="57" name="Rectangle à coins arrondis 5">
+            <a:extLst>
+              <a:ext uri="{FF2B5EF4-FFF2-40B4-BE49-F238E27FC236}">
+                <a16:creationId xmlns:a16="http://schemas.microsoft.com/office/drawing/2014/main" id="{DACB0B50-78F4-4873-8B91-ED8045CC83B4}"/>
+              </a:ext>
+            </a:extLst>
+          </p:cNvPr>
+          <p:cNvSpPr/>
+          <p:nvPr/>
+        </p:nvSpPr>
+        <p:spPr>
+          <a:xfrm>
+            <a:off x="7005743" y="2664999"/>
+            <a:ext cx="4132428" cy="1839673"/>
+          </a:xfrm>
+          <a:prstGeom prst="roundRect">
+            <a:avLst>
+              <a:gd name="adj" fmla="val 11323"/>
+            </a:avLst>
+          </a:prstGeom>
+          <a:solidFill>
+            <a:schemeClr val="accent1">
+              <a:lumMod val="20000"/>
+              <a:lumOff val="80000"/>
+            </a:schemeClr>
+          </a:solidFill>
+        </p:spPr>
+        <p:style>
+          <a:lnRef idx="2">
+            <a:schemeClr val="accent1">
+              <a:shade val="50000"/>
+            </a:schemeClr>
+          </a:lnRef>
+          <a:fillRef idx="1">
+            <a:schemeClr val="accent1"/>
+          </a:fillRef>
+          <a:effectRef idx="0">
+            <a:schemeClr val="accent1"/>
+          </a:effectRef>
+          <a:fontRef idx="minor">
+            <a:schemeClr val="lt1"/>
+          </a:fontRef>
+        </p:style>
+        <p:txBody>
+          <a:bodyPr rtlCol="0" anchor="t"/>
+          <a:lstStyle/>
+          <a:p>
+            <a:pPr algn="ctr"/>
+            <a:r>
+              <a:rPr lang="fr-FR" sz="1600" b="1" dirty="0" err="1">
+                <a:solidFill>
+                  <a:schemeClr val="accent1"/>
+                </a:solidFill>
+              </a:rPr>
+              <a:t>DataAccess.Vs</a:t>
+            </a:r>
+            <a:endParaRPr lang="fr-FR" sz="1600" b="1" dirty="0">
+              <a:solidFill>
+                <a:schemeClr val="accent1"/>
+              </a:solidFill>
+            </a:endParaRPr>
+          </a:p>
+        </p:txBody>
+      </p:sp>
+      <p:sp>
+        <p:nvSpPr>
+          <p:cNvPr id="63" name="Rectangle à coins arrondis 5">
+            <a:extLst>
+              <a:ext uri="{FF2B5EF4-FFF2-40B4-BE49-F238E27FC236}">
+                <a16:creationId xmlns:a16="http://schemas.microsoft.com/office/drawing/2014/main" id="{13CC042E-C52B-4877-B867-4575FE9308FB}"/>
+              </a:ext>
+            </a:extLst>
+          </p:cNvPr>
+          <p:cNvSpPr/>
+          <p:nvPr/>
+        </p:nvSpPr>
+        <p:spPr>
+          <a:xfrm>
+            <a:off x="8506819" y="5510033"/>
+            <a:ext cx="1003625" cy="338614"/>
+          </a:xfrm>
+          <a:prstGeom prst="roundRect">
+            <a:avLst>
+              <a:gd name="adj" fmla="val 31849"/>
+            </a:avLst>
+          </a:prstGeom>
+          <a:solidFill>
+            <a:schemeClr val="accent6">
+              <a:lumMod val="50000"/>
+            </a:schemeClr>
+          </a:solidFill>
+        </p:spPr>
+        <p:style>
+          <a:lnRef idx="1">
+            <a:schemeClr val="accent1"/>
+          </a:lnRef>
+          <a:fillRef idx="3">
+            <a:schemeClr val="accent1"/>
+          </a:fillRef>
+          <a:effectRef idx="2">
+            <a:schemeClr val="accent1"/>
+          </a:effectRef>
+          <a:fontRef idx="minor">
+            <a:schemeClr val="lt1"/>
+          </a:fontRef>
+        </p:style>
+        <p:txBody>
+          <a:bodyPr wrap="square" rtlCol="0" anchor="ctr">
+            <a:spAutoFit/>
+          </a:bodyPr>
+          <a:lstStyle/>
+          <a:p>
+            <a:pPr algn="ctr"/>
+            <a:r>
+              <a:rPr lang="fr-FR" sz="1200" b="1" dirty="0"/>
+              <a:t>ENTITY</a:t>
+            </a:r>
+          </a:p>
+        </p:txBody>
+      </p:sp>
+      <p:sp>
+        <p:nvSpPr>
+          <p:cNvPr id="67" name="Rectangle à coins arrondis 5">
+            <a:extLst>
+              <a:ext uri="{FF2B5EF4-FFF2-40B4-BE49-F238E27FC236}">
+                <a16:creationId xmlns:a16="http://schemas.microsoft.com/office/drawing/2014/main" id="{529F9236-4CD6-4F51-B7F2-AF088215D6E4}"/>
+              </a:ext>
+            </a:extLst>
+          </p:cNvPr>
+          <p:cNvSpPr/>
+          <p:nvPr/>
+        </p:nvSpPr>
+        <p:spPr>
+          <a:xfrm>
+            <a:off x="9618979" y="5411463"/>
+            <a:ext cx="1003625" cy="338614"/>
+          </a:xfrm>
+          <a:prstGeom prst="roundRect">
+            <a:avLst>
+              <a:gd name="adj" fmla="val 31849"/>
+            </a:avLst>
+          </a:prstGeom>
+          <a:solidFill>
+            <a:schemeClr val="accent6">
+              <a:lumMod val="50000"/>
+            </a:schemeClr>
+          </a:solidFill>
+        </p:spPr>
+        <p:style>
+          <a:lnRef idx="1">
+            <a:schemeClr val="accent1"/>
+          </a:lnRef>
+          <a:fillRef idx="3">
+            <a:schemeClr val="accent1"/>
+          </a:fillRef>
+          <a:effectRef idx="2">
+            <a:schemeClr val="accent1"/>
+          </a:effectRef>
+          <a:fontRef idx="minor">
+            <a:schemeClr val="lt1"/>
+          </a:fontRef>
+        </p:style>
+        <p:txBody>
+          <a:bodyPr wrap="square" rtlCol="0" anchor="ctr">
+            <a:spAutoFit/>
+          </a:bodyPr>
+          <a:lstStyle/>
+          <a:p>
+            <a:pPr algn="ctr"/>
+            <a:r>
+              <a:rPr lang="fr-FR" sz="1200" b="1"/>
+              <a:t>RISQUE</a:t>
+            </a:r>
+          </a:p>
+        </p:txBody>
+      </p:sp>
+      <p:sp>
+        <p:nvSpPr>
+          <p:cNvPr id="34" name="Rectangle : coins arrondis 33">
+            <a:extLst>
+              <a:ext uri="{FF2B5EF4-FFF2-40B4-BE49-F238E27FC236}">
+                <a16:creationId xmlns:a16="http://schemas.microsoft.com/office/drawing/2014/main" id="{890EC83B-A2E0-4C9B-874A-3D66F883C986}"/>
+              </a:ext>
+            </a:extLst>
+          </p:cNvPr>
+          <p:cNvSpPr/>
+          <p:nvPr/>
+        </p:nvSpPr>
+        <p:spPr>
+          <a:xfrm>
+            <a:off x="4588532" y="1868468"/>
+            <a:ext cx="807139" cy="417891"/>
+          </a:xfrm>
+          <a:prstGeom prst="roundRect">
+            <a:avLst>
+              <a:gd name="adj" fmla="val 16782"/>
+            </a:avLst>
+          </a:prstGeom>
+          <a:solidFill>
+            <a:schemeClr val="accent2">
+              <a:lumMod val="20000"/>
+              <a:lumOff val="80000"/>
+            </a:schemeClr>
+          </a:solidFill>
+        </p:spPr>
+        <p:style>
+          <a:lnRef idx="1">
+            <a:schemeClr val="accent1"/>
+          </a:lnRef>
+          <a:fillRef idx="3">
+            <a:schemeClr val="accent1"/>
+          </a:fillRef>
+          <a:effectRef idx="2">
+            <a:schemeClr val="accent1"/>
+          </a:effectRef>
+          <a:fontRef idx="minor">
+            <a:schemeClr val="lt1"/>
+          </a:fontRef>
+        </p:style>
+        <p:txBody>
+          <a:bodyPr rtlCol="0" anchor="ctr"/>
+          <a:lstStyle/>
+          <a:p>
+            <a:pPr algn="ctr"/>
+            <a:r>
+              <a:rPr lang="fr-FR" sz="1400" b="1" dirty="0">
+                <a:solidFill>
+                  <a:schemeClr val="accent1"/>
+                </a:solidFill>
+              </a:rPr>
+              <a:t>Html</a:t>
+            </a:r>
+            <a:endParaRPr lang="fr-FR" sz="1400" b="1" dirty="0">
+              <a:solidFill>
+                <a:schemeClr val="tx1"/>
+              </a:solidFill>
+            </a:endParaRPr>
+          </a:p>
+        </p:txBody>
+      </p:sp>
+      <p:sp>
+        <p:nvSpPr>
+          <p:cNvPr id="35" name="Rectangle : coins arrondis 34">
+            <a:extLst>
+              <a:ext uri="{FF2B5EF4-FFF2-40B4-BE49-F238E27FC236}">
+                <a16:creationId xmlns:a16="http://schemas.microsoft.com/office/drawing/2014/main" id="{CB819888-C270-47F5-83AC-10ACDB96A78B}"/>
+              </a:ext>
+            </a:extLst>
+          </p:cNvPr>
+          <p:cNvSpPr/>
+          <p:nvPr/>
+        </p:nvSpPr>
+        <p:spPr>
+          <a:xfrm>
+            <a:off x="4588533" y="2387481"/>
+            <a:ext cx="1700624" cy="417891"/>
+          </a:xfrm>
+          <a:prstGeom prst="roundRect">
+            <a:avLst>
+              <a:gd name="adj" fmla="val 16782"/>
+            </a:avLst>
+          </a:prstGeom>
+          <a:solidFill>
+            <a:schemeClr val="accent2">
+              <a:lumMod val="20000"/>
+              <a:lumOff val="80000"/>
+            </a:schemeClr>
+          </a:solidFill>
+        </p:spPr>
+        <p:style>
+          <a:lnRef idx="1">
+            <a:schemeClr val="accent1"/>
+          </a:lnRef>
+          <a:fillRef idx="3">
+            <a:schemeClr val="accent1"/>
+          </a:fillRef>
+          <a:effectRef idx="2">
+            <a:schemeClr val="accent1"/>
+          </a:effectRef>
+          <a:fontRef idx="minor">
+            <a:schemeClr val="lt1"/>
+          </a:fontRef>
+        </p:style>
+        <p:txBody>
+          <a:bodyPr rtlCol="0" anchor="ctr"/>
+          <a:lstStyle/>
+          <a:p>
+            <a:pPr algn="ctr"/>
+            <a:r>
+              <a:rPr lang="fr-FR" sz="1400" b="1" dirty="0">
+                <a:solidFill>
+                  <a:schemeClr val="tx1"/>
+                </a:solidFill>
+              </a:rPr>
+              <a:t>Js</a:t>
+            </a:r>
+          </a:p>
+        </p:txBody>
+      </p:sp>
+      <p:sp>
+        <p:nvSpPr>
+          <p:cNvPr id="42" name="Rectangle : coins arrondis 41">
+            <a:extLst>
+              <a:ext uri="{FF2B5EF4-FFF2-40B4-BE49-F238E27FC236}">
+                <a16:creationId xmlns:a16="http://schemas.microsoft.com/office/drawing/2014/main" id="{F99E9993-0649-4A60-B6B8-7AF609EFB33D}"/>
+              </a:ext>
+            </a:extLst>
+          </p:cNvPr>
+          <p:cNvSpPr/>
+          <p:nvPr/>
+        </p:nvSpPr>
+        <p:spPr>
+          <a:xfrm>
+            <a:off x="7110260" y="3018397"/>
+            <a:ext cx="1577560" cy="410603"/>
+          </a:xfrm>
+          <a:prstGeom prst="roundRect">
+            <a:avLst>
+              <a:gd name="adj" fmla="val 16782"/>
+            </a:avLst>
+          </a:prstGeom>
+          <a:solidFill>
+            <a:schemeClr val="tx1">
+              <a:lumMod val="60000"/>
+              <a:lumOff val="40000"/>
+            </a:schemeClr>
+          </a:solidFill>
+        </p:spPr>
+        <p:style>
+          <a:lnRef idx="1">
+            <a:schemeClr val="accent1"/>
+          </a:lnRef>
+          <a:fillRef idx="3">
+            <a:schemeClr val="accent1"/>
+          </a:fillRef>
+          <a:effectRef idx="2">
+            <a:schemeClr val="accent1"/>
+          </a:effectRef>
+          <a:fontRef idx="minor">
+            <a:schemeClr val="lt1"/>
+          </a:fontRef>
+        </p:style>
+        <p:txBody>
+          <a:bodyPr rtlCol="0" anchor="ctr"/>
+          <a:lstStyle/>
+          <a:p>
+            <a:pPr algn="ctr"/>
+            <a:r>
+              <a:rPr lang="fr-FR" sz="1400" b="1" err="1">
+                <a:solidFill>
+                  <a:schemeClr val="bg1"/>
+                </a:solidFill>
+              </a:rPr>
+              <a:t>FCXxx.</a:t>
+            </a:r>
+            <a:r>
+              <a:rPr lang="fr-FR" sz="1400" b="1">
+                <a:solidFill>
+                  <a:schemeClr val="bg1"/>
+                </a:solidFill>
+              </a:rPr>
+              <a:t>cs</a:t>
+            </a:r>
+          </a:p>
+        </p:txBody>
+      </p:sp>
+      <p:sp>
+        <p:nvSpPr>
+          <p:cNvPr id="28" name="Rectangle : coins arrondis 27">
+            <a:extLst>
+              <a:ext uri="{FF2B5EF4-FFF2-40B4-BE49-F238E27FC236}">
+                <a16:creationId xmlns:a16="http://schemas.microsoft.com/office/drawing/2014/main" id="{3A606C4A-1008-415E-9634-34343E6498D1}"/>
+              </a:ext>
+            </a:extLst>
+          </p:cNvPr>
+          <p:cNvSpPr/>
+          <p:nvPr/>
+        </p:nvSpPr>
+        <p:spPr>
+          <a:xfrm>
+            <a:off x="5482016" y="1868468"/>
+            <a:ext cx="807140" cy="417567"/>
+          </a:xfrm>
+          <a:prstGeom prst="roundRect">
+            <a:avLst>
+              <a:gd name="adj" fmla="val 16782"/>
+            </a:avLst>
+          </a:prstGeom>
+          <a:solidFill>
+            <a:schemeClr val="accent2">
+              <a:lumMod val="20000"/>
+              <a:lumOff val="80000"/>
+            </a:schemeClr>
+          </a:solidFill>
+        </p:spPr>
+        <p:style>
+          <a:lnRef idx="1">
+            <a:schemeClr val="accent1"/>
+          </a:lnRef>
+          <a:fillRef idx="3">
+            <a:schemeClr val="accent1"/>
+          </a:fillRef>
+          <a:effectRef idx="2">
+            <a:schemeClr val="accent1"/>
+          </a:effectRef>
+          <a:fontRef idx="minor">
+            <a:schemeClr val="lt1"/>
+          </a:fontRef>
+        </p:style>
+        <p:txBody>
+          <a:bodyPr rtlCol="0" anchor="ctr"/>
+          <a:lstStyle/>
+          <a:p>
+            <a:pPr algn="ctr"/>
+            <a:r>
+              <a:rPr lang="fr-FR" sz="1400" b="1" dirty="0">
+                <a:solidFill>
+                  <a:schemeClr val="tx1"/>
+                </a:solidFill>
+              </a:rPr>
+              <a:t>Css</a:t>
+            </a:r>
+          </a:p>
+        </p:txBody>
+      </p:sp>
+      <p:sp>
+        <p:nvSpPr>
+          <p:cNvPr id="29" name="Rectangle : coins arrondis 28">
+            <a:extLst>
+              <a:ext uri="{FF2B5EF4-FFF2-40B4-BE49-F238E27FC236}">
+                <a16:creationId xmlns:a16="http://schemas.microsoft.com/office/drawing/2014/main" id="{B74600F0-ECAE-4108-B4AB-9E1BC3BA46C4}"/>
+              </a:ext>
+            </a:extLst>
+          </p:cNvPr>
+          <p:cNvSpPr/>
+          <p:nvPr/>
+        </p:nvSpPr>
+        <p:spPr>
+          <a:xfrm>
+            <a:off x="7223410" y="1699781"/>
+            <a:ext cx="1444992" cy="471561"/>
+          </a:xfrm>
+          <a:prstGeom prst="roundRect">
+            <a:avLst>
+              <a:gd name="adj" fmla="val 16782"/>
+            </a:avLst>
+          </a:prstGeom>
+          <a:solidFill>
+            <a:schemeClr val="tx1">
+              <a:lumMod val="60000"/>
+              <a:lumOff val="40000"/>
+            </a:schemeClr>
+          </a:solidFill>
+        </p:spPr>
+        <p:style>
+          <a:lnRef idx="1">
+            <a:schemeClr val="accent1"/>
+          </a:lnRef>
+          <a:fillRef idx="3">
+            <a:schemeClr val="accent1"/>
+          </a:fillRef>
+          <a:effectRef idx="2">
+            <a:schemeClr val="accent1"/>
+          </a:effectRef>
+          <a:fontRef idx="minor">
+            <a:schemeClr val="lt1"/>
+          </a:fontRef>
+        </p:style>
+        <p:txBody>
+          <a:bodyPr rtlCol="0" anchor="ctr"/>
+          <a:lstStyle/>
+          <a:p>
+            <a:pPr algn="ctr"/>
+            <a:r>
+              <a:rPr lang="fr-FR" sz="1400" b="1" dirty="0" err="1">
+                <a:solidFill>
+                  <a:schemeClr val="bg1"/>
+                </a:solidFill>
+              </a:rPr>
+              <a:t>XxxService.cs</a:t>
+            </a:r>
+            <a:endParaRPr lang="fr-FR" sz="1400" b="1" dirty="0">
+              <a:solidFill>
+                <a:schemeClr val="bg1"/>
+              </a:solidFill>
+            </a:endParaRPr>
+          </a:p>
+        </p:txBody>
+      </p:sp>
+      <p:sp>
+        <p:nvSpPr>
+          <p:cNvPr id="30" name="Rectangle : coins arrondis 29">
+            <a:extLst>
+              <a:ext uri="{FF2B5EF4-FFF2-40B4-BE49-F238E27FC236}">
+                <a16:creationId xmlns:a16="http://schemas.microsoft.com/office/drawing/2014/main" id="{249E57E8-BD30-450C-B784-D02392DE5D0C}"/>
+              </a:ext>
+            </a:extLst>
+          </p:cNvPr>
+          <p:cNvSpPr/>
+          <p:nvPr/>
+        </p:nvSpPr>
+        <p:spPr>
+          <a:xfrm>
+            <a:off x="7110259" y="3506091"/>
+            <a:ext cx="1111915" cy="410603"/>
+          </a:xfrm>
+          <a:prstGeom prst="roundRect">
+            <a:avLst>
+              <a:gd name="adj" fmla="val 16782"/>
+            </a:avLst>
+          </a:prstGeom>
+          <a:solidFill>
+            <a:schemeClr val="tx1">
+              <a:lumMod val="60000"/>
+              <a:lumOff val="40000"/>
+            </a:schemeClr>
+          </a:solidFill>
+        </p:spPr>
+        <p:style>
+          <a:lnRef idx="1">
+            <a:schemeClr val="accent1"/>
+          </a:lnRef>
+          <a:fillRef idx="3">
+            <a:schemeClr val="accent1"/>
+          </a:fillRef>
+          <a:effectRef idx="2">
+            <a:schemeClr val="accent1"/>
+          </a:effectRef>
+          <a:fontRef idx="minor">
+            <a:schemeClr val="lt1"/>
+          </a:fontRef>
+        </p:style>
+        <p:txBody>
+          <a:bodyPr rtlCol="0" anchor="ctr"/>
+          <a:lstStyle/>
+          <a:p>
+            <a:pPr algn="ctr"/>
+            <a:r>
+              <a:rPr lang="fr-FR" sz="1400" b="1" err="1">
+                <a:solidFill>
+                  <a:schemeClr val="bg1"/>
+                </a:solidFill>
+              </a:rPr>
+              <a:t>BCXxx.</a:t>
+            </a:r>
+            <a:r>
+              <a:rPr lang="fr-FR" sz="1400" b="1">
+                <a:solidFill>
+                  <a:schemeClr val="bg1"/>
+                </a:solidFill>
+              </a:rPr>
+              <a:t>cs</a:t>
+            </a:r>
+          </a:p>
+        </p:txBody>
+      </p:sp>
+      <p:sp>
+        <p:nvSpPr>
+          <p:cNvPr id="31" name="Rectangle : coins arrondis 30">
+            <a:extLst>
+              <a:ext uri="{FF2B5EF4-FFF2-40B4-BE49-F238E27FC236}">
+                <a16:creationId xmlns:a16="http://schemas.microsoft.com/office/drawing/2014/main" id="{8BE3DCF7-438A-4857-99A2-3E844701C7A7}"/>
+              </a:ext>
+            </a:extLst>
+          </p:cNvPr>
+          <p:cNvSpPr/>
+          <p:nvPr/>
+        </p:nvSpPr>
+        <p:spPr>
+          <a:xfrm>
+            <a:off x="7117878" y="3996247"/>
+            <a:ext cx="1668226" cy="376537"/>
+          </a:xfrm>
+          <a:prstGeom prst="roundRect">
+            <a:avLst>
+              <a:gd name="adj" fmla="val 16782"/>
+            </a:avLst>
+          </a:prstGeom>
+          <a:solidFill>
+            <a:schemeClr val="tx1">
+              <a:lumMod val="60000"/>
+              <a:lumOff val="40000"/>
+            </a:schemeClr>
+          </a:solidFill>
+        </p:spPr>
+        <p:style>
+          <a:lnRef idx="1">
+            <a:schemeClr val="accent1"/>
+          </a:lnRef>
+          <a:fillRef idx="3">
+            <a:schemeClr val="accent1"/>
+          </a:fillRef>
+          <a:effectRef idx="2">
+            <a:schemeClr val="accent1"/>
+          </a:effectRef>
+          <a:fontRef idx="minor">
+            <a:schemeClr val="lt1"/>
+          </a:fontRef>
+        </p:style>
+        <p:txBody>
+          <a:bodyPr rtlCol="0" anchor="ctr"/>
+          <a:lstStyle/>
+          <a:p>
+            <a:pPr algn="ctr"/>
+            <a:r>
+              <a:rPr lang="fr-FR" sz="1400" b="1" err="1">
+                <a:solidFill>
+                  <a:schemeClr val="bg1"/>
+                </a:solidFill>
+              </a:rPr>
+              <a:t>DCXxx.</a:t>
+            </a:r>
+            <a:r>
+              <a:rPr lang="fr-FR" sz="1400" b="1">
+                <a:solidFill>
+                  <a:schemeClr val="bg1"/>
+                </a:solidFill>
+              </a:rPr>
+              <a:t>cs</a:t>
+            </a:r>
+          </a:p>
+        </p:txBody>
+      </p:sp>
+      <p:sp>
+        <p:nvSpPr>
+          <p:cNvPr id="48" name="Rectangle : coins arrondis 47">
+            <a:extLst>
+              <a:ext uri="{FF2B5EF4-FFF2-40B4-BE49-F238E27FC236}">
+                <a16:creationId xmlns:a16="http://schemas.microsoft.com/office/drawing/2014/main" id="{696CAD6D-5F5C-45F5-AB47-C56C08067F96}"/>
+              </a:ext>
+            </a:extLst>
+          </p:cNvPr>
+          <p:cNvSpPr/>
+          <p:nvPr/>
+        </p:nvSpPr>
+        <p:spPr>
+          <a:xfrm>
+            <a:off x="4269809" y="4238073"/>
+            <a:ext cx="2077764" cy="1532618"/>
+          </a:xfrm>
+          <a:prstGeom prst="roundRect">
+            <a:avLst>
+              <a:gd name="adj" fmla="val 9418"/>
+            </a:avLst>
+          </a:prstGeom>
+          <a:solidFill>
+            <a:schemeClr val="accent1">
+              <a:lumMod val="20000"/>
+              <a:lumOff val="80000"/>
+            </a:schemeClr>
+          </a:solidFill>
+        </p:spPr>
+        <p:style>
+          <a:lnRef idx="2">
+            <a:schemeClr val="accent1">
+              <a:shade val="50000"/>
+            </a:schemeClr>
+          </a:lnRef>
+          <a:fillRef idx="1">
+            <a:schemeClr val="accent1"/>
+          </a:fillRef>
+          <a:effectRef idx="0">
+            <a:schemeClr val="accent1"/>
+          </a:effectRef>
+          <a:fontRef idx="minor">
+            <a:schemeClr val="lt1"/>
+          </a:fontRef>
+        </p:style>
+        <p:txBody>
+          <a:bodyPr rtlCol="0" anchor="ctr"/>
+          <a:lstStyle/>
+          <a:p>
+            <a:pPr algn="ctr"/>
+            <a:r>
+              <a:rPr lang="fr-FR" b="1">
+                <a:solidFill>
+                  <a:schemeClr val="accent1"/>
+                </a:solidFill>
+              </a:rPr>
+              <a:t>Controller</a:t>
+            </a:r>
+            <a:endParaRPr lang="fr-FR" sz="1400" b="1">
+              <a:solidFill>
+                <a:schemeClr val="accent1"/>
+              </a:solidFill>
+            </a:endParaRPr>
+          </a:p>
+        </p:txBody>
+      </p:sp>
+      <p:sp>
+        <p:nvSpPr>
+          <p:cNvPr id="38" name="Rectangle : coins arrondis 37">
+            <a:extLst>
+              <a:ext uri="{FF2B5EF4-FFF2-40B4-BE49-F238E27FC236}">
+                <a16:creationId xmlns:a16="http://schemas.microsoft.com/office/drawing/2014/main" id="{5B735238-10EF-4477-8249-5EDC0D02ABB3}"/>
+              </a:ext>
+            </a:extLst>
+          </p:cNvPr>
+          <p:cNvSpPr/>
+          <p:nvPr/>
+        </p:nvSpPr>
+        <p:spPr>
+          <a:xfrm>
+            <a:off x="2145764" y="5076698"/>
+            <a:ext cx="1803941" cy="693992"/>
+          </a:xfrm>
+          <a:prstGeom prst="roundRect">
+            <a:avLst>
+              <a:gd name="adj" fmla="val 24854"/>
+            </a:avLst>
+          </a:prstGeom>
+          <a:solidFill>
+            <a:schemeClr val="accent1">
+              <a:lumMod val="20000"/>
+              <a:lumOff val="80000"/>
+            </a:schemeClr>
+          </a:solidFill>
+        </p:spPr>
+        <p:style>
+          <a:lnRef idx="2">
+            <a:schemeClr val="accent1">
+              <a:shade val="50000"/>
+            </a:schemeClr>
+          </a:lnRef>
+          <a:fillRef idx="1">
+            <a:schemeClr val="accent1"/>
+          </a:fillRef>
+          <a:effectRef idx="0">
+            <a:schemeClr val="accent1"/>
+          </a:effectRef>
+          <a:fontRef idx="minor">
+            <a:schemeClr val="lt1"/>
+          </a:fontRef>
+        </p:style>
+        <p:txBody>
+          <a:bodyPr rtlCol="0" anchor="ctr"/>
+          <a:lstStyle/>
+          <a:p>
+            <a:pPr algn="ctr"/>
+            <a:r>
+              <a:rPr lang="fr-FR" b="1">
+                <a:solidFill>
+                  <a:schemeClr val="accent1"/>
+                </a:solidFill>
+              </a:rPr>
+              <a:t>Models</a:t>
+            </a:r>
+          </a:p>
+        </p:txBody>
+      </p:sp>
+      <p:sp>
+        <p:nvSpPr>
+          <p:cNvPr id="41" name="Flèche : bas 40">
+            <a:extLst>
+              <a:ext uri="{FF2B5EF4-FFF2-40B4-BE49-F238E27FC236}">
+                <a16:creationId xmlns:a16="http://schemas.microsoft.com/office/drawing/2014/main" id="{B7AACAC4-9DA3-4544-822B-6369E71D64FE}"/>
+              </a:ext>
+            </a:extLst>
+          </p:cNvPr>
+          <p:cNvSpPr/>
+          <p:nvPr/>
+        </p:nvSpPr>
+        <p:spPr>
+          <a:xfrm>
+            <a:off x="5336181" y="2805372"/>
+            <a:ext cx="295009" cy="1412768"/>
+          </a:xfrm>
+          <a:prstGeom prst="downArrow">
+            <a:avLst/>
+          </a:prstGeom>
+          <a:solidFill>
+            <a:schemeClr val="tx1"/>
+          </a:solidFill>
+        </p:spPr>
+        <p:style>
+          <a:lnRef idx="2">
+            <a:schemeClr val="accent1">
+              <a:shade val="50000"/>
+            </a:schemeClr>
+          </a:lnRef>
+          <a:fillRef idx="1">
+            <a:schemeClr val="accent1"/>
+          </a:fillRef>
+          <a:effectRef idx="0">
+            <a:schemeClr val="accent1"/>
+          </a:effectRef>
+          <a:fontRef idx="minor">
+            <a:schemeClr val="lt1"/>
+          </a:fontRef>
+        </p:style>
+        <p:txBody>
+          <a:bodyPr rtlCol="0" anchor="ctr"/>
+          <a:lstStyle/>
+          <a:p>
+            <a:pPr algn="ctr"/>
+            <a:endParaRPr lang="fr-FR"/>
+          </a:p>
+        </p:txBody>
+      </p:sp>
+      <p:sp>
+        <p:nvSpPr>
+          <p:cNvPr id="45" name="Rectangle : coins arrondis 44">
+            <a:extLst>
+              <a:ext uri="{FF2B5EF4-FFF2-40B4-BE49-F238E27FC236}">
+                <a16:creationId xmlns:a16="http://schemas.microsoft.com/office/drawing/2014/main" id="{06E90DA0-9E08-416D-AF3E-2BF20BF83168}"/>
+              </a:ext>
+            </a:extLst>
+          </p:cNvPr>
+          <p:cNvSpPr/>
+          <p:nvPr/>
+        </p:nvSpPr>
+        <p:spPr>
+          <a:xfrm>
+            <a:off x="2133473" y="4238072"/>
+            <a:ext cx="1795707" cy="634966"/>
+          </a:xfrm>
+          <a:prstGeom prst="roundRect">
+            <a:avLst>
+              <a:gd name="adj" fmla="val 23206"/>
+            </a:avLst>
+          </a:prstGeom>
+          <a:solidFill>
+            <a:srgbClr val="D1CAFB"/>
+          </a:solidFill>
+        </p:spPr>
+        <p:style>
+          <a:lnRef idx="2">
+            <a:schemeClr val="accent1">
+              <a:shade val="50000"/>
+            </a:schemeClr>
+          </a:lnRef>
+          <a:fillRef idx="1">
+            <a:schemeClr val="accent1"/>
+          </a:fillRef>
+          <a:effectRef idx="0">
+            <a:schemeClr val="accent1"/>
+          </a:effectRef>
+          <a:fontRef idx="minor">
+            <a:schemeClr val="lt1"/>
+          </a:fontRef>
+        </p:style>
+        <p:txBody>
+          <a:bodyPr rtlCol="0" anchor="ctr"/>
+          <a:lstStyle/>
+          <a:p>
+            <a:pPr algn="ctr"/>
+            <a:r>
+              <a:rPr lang="fr-FR" b="1">
+                <a:solidFill>
+                  <a:schemeClr val="accent1"/>
+                </a:solidFill>
+              </a:rPr>
+              <a:t>Views</a:t>
+            </a:r>
+          </a:p>
+        </p:txBody>
+      </p:sp>
+      <p:sp>
+        <p:nvSpPr>
+          <p:cNvPr id="46" name="Flèche : bas 45">
+            <a:extLst>
+              <a:ext uri="{FF2B5EF4-FFF2-40B4-BE49-F238E27FC236}">
+                <a16:creationId xmlns:a16="http://schemas.microsoft.com/office/drawing/2014/main" id="{784C7C63-3FB0-4B79-BF4C-6911B7A28762}"/>
+              </a:ext>
+            </a:extLst>
+          </p:cNvPr>
+          <p:cNvSpPr/>
+          <p:nvPr/>
+        </p:nvSpPr>
+        <p:spPr>
+          <a:xfrm rot="5400000">
+            <a:off x="3932851" y="5250501"/>
+            <a:ext cx="341255" cy="347069"/>
+          </a:xfrm>
+          <a:prstGeom prst="downArrow">
+            <a:avLst>
+              <a:gd name="adj1" fmla="val 55226"/>
+              <a:gd name="adj2" fmla="val 46821"/>
+            </a:avLst>
+          </a:prstGeom>
+          <a:solidFill>
+            <a:srgbClr val="92D050"/>
+          </a:solidFill>
+        </p:spPr>
+        <p:style>
+          <a:lnRef idx="2">
+            <a:schemeClr val="accent1">
+              <a:shade val="50000"/>
+            </a:schemeClr>
+          </a:lnRef>
+          <a:fillRef idx="1">
+            <a:schemeClr val="accent1"/>
+          </a:fillRef>
+          <a:effectRef idx="0">
+            <a:schemeClr val="accent1"/>
+          </a:effectRef>
+          <a:fontRef idx="minor">
+            <a:schemeClr val="lt1"/>
+          </a:fontRef>
+        </p:style>
+        <p:txBody>
+          <a:bodyPr rtlCol="0" anchor="ctr"/>
+          <a:lstStyle/>
+          <a:p>
+            <a:pPr algn="ctr"/>
+            <a:endParaRPr lang="fr-FR"/>
+          </a:p>
+        </p:txBody>
+      </p:sp>
+      <p:sp>
+        <p:nvSpPr>
+          <p:cNvPr id="47" name="Flèche : bas 46">
+            <a:extLst>
+              <a:ext uri="{FF2B5EF4-FFF2-40B4-BE49-F238E27FC236}">
+                <a16:creationId xmlns:a16="http://schemas.microsoft.com/office/drawing/2014/main" id="{9520597C-0D37-4BCC-94D1-5240EBF96969}"/>
+              </a:ext>
+            </a:extLst>
+          </p:cNvPr>
+          <p:cNvSpPr/>
+          <p:nvPr/>
+        </p:nvSpPr>
+        <p:spPr>
+          <a:xfrm rot="16200000">
+            <a:off x="3932851" y="4378797"/>
+            <a:ext cx="341255" cy="347069"/>
+          </a:xfrm>
+          <a:prstGeom prst="downArrow">
+            <a:avLst>
+              <a:gd name="adj1" fmla="val 55226"/>
+              <a:gd name="adj2" fmla="val 46821"/>
+            </a:avLst>
+          </a:prstGeom>
+          <a:solidFill>
+            <a:srgbClr val="92D050"/>
+          </a:solidFill>
+        </p:spPr>
+        <p:style>
+          <a:lnRef idx="2">
+            <a:schemeClr val="accent1">
+              <a:shade val="50000"/>
+            </a:schemeClr>
+          </a:lnRef>
+          <a:fillRef idx="1">
+            <a:schemeClr val="accent1"/>
+          </a:fillRef>
+          <a:effectRef idx="0">
+            <a:schemeClr val="accent1"/>
+          </a:effectRef>
+          <a:fontRef idx="minor">
+            <a:schemeClr val="lt1"/>
+          </a:fontRef>
+        </p:style>
+        <p:txBody>
+          <a:bodyPr rtlCol="0" anchor="ctr"/>
+          <a:lstStyle/>
+          <a:p>
+            <a:pPr algn="ctr"/>
+            <a:endParaRPr lang="fr-FR"/>
+          </a:p>
+        </p:txBody>
+      </p:sp>
+      <p:sp>
+        <p:nvSpPr>
+          <p:cNvPr id="54" name="Flèche : bas 53">
+            <a:extLst>
+              <a:ext uri="{FF2B5EF4-FFF2-40B4-BE49-F238E27FC236}">
+                <a16:creationId xmlns:a16="http://schemas.microsoft.com/office/drawing/2014/main" id="{776255E9-87FC-4971-A329-B69BEA56AE55}"/>
+              </a:ext>
+            </a:extLst>
+          </p:cNvPr>
+          <p:cNvSpPr/>
+          <p:nvPr/>
+        </p:nvSpPr>
+        <p:spPr>
+          <a:xfrm rot="10800000">
+            <a:off x="5008466" y="2805372"/>
+            <a:ext cx="324263" cy="1412768"/>
+          </a:xfrm>
+          <a:prstGeom prst="downArrow">
+            <a:avLst/>
+          </a:prstGeom>
+          <a:solidFill>
+            <a:schemeClr val="tx1"/>
+          </a:solidFill>
+        </p:spPr>
+        <p:style>
+          <a:lnRef idx="2">
+            <a:schemeClr val="accent1">
+              <a:shade val="50000"/>
+            </a:schemeClr>
+          </a:lnRef>
+          <a:fillRef idx="1">
+            <a:schemeClr val="accent1"/>
+          </a:fillRef>
+          <a:effectRef idx="0">
+            <a:schemeClr val="accent1"/>
+          </a:effectRef>
+          <a:fontRef idx="minor">
+            <a:schemeClr val="lt1"/>
+          </a:fontRef>
+        </p:style>
+        <p:txBody>
+          <a:bodyPr rtlCol="0" anchor="ctr"/>
+          <a:lstStyle/>
+          <a:p>
+            <a:pPr algn="ctr"/>
+            <a:endParaRPr lang="fr-FR"/>
+          </a:p>
+        </p:txBody>
+      </p:sp>
+      <p:sp>
+        <p:nvSpPr>
+          <p:cNvPr id="43" name="Rectangle : coins arrondis 42">
+            <a:extLst>
+              <a:ext uri="{FF2B5EF4-FFF2-40B4-BE49-F238E27FC236}">
+                <a16:creationId xmlns:a16="http://schemas.microsoft.com/office/drawing/2014/main" id="{1618418C-9B26-4176-BBE4-52764F7FBE54}"/>
+              </a:ext>
+            </a:extLst>
+          </p:cNvPr>
+          <p:cNvSpPr/>
+          <p:nvPr/>
+        </p:nvSpPr>
+        <p:spPr>
+          <a:xfrm>
+            <a:off x="4750886" y="3424842"/>
+            <a:ext cx="1134700" cy="468472"/>
+          </a:xfrm>
+          <a:prstGeom prst="roundRect">
+            <a:avLst>
+              <a:gd name="adj" fmla="val 16782"/>
+            </a:avLst>
+          </a:prstGeom>
+          <a:solidFill>
+            <a:schemeClr val="accent2">
+              <a:lumMod val="20000"/>
+              <a:lumOff val="80000"/>
+            </a:schemeClr>
+          </a:solidFill>
+        </p:spPr>
+        <p:style>
+          <a:lnRef idx="1">
+            <a:schemeClr val="accent1"/>
+          </a:lnRef>
+          <a:fillRef idx="3">
+            <a:schemeClr val="accent1"/>
+          </a:fillRef>
+          <a:effectRef idx="2">
+            <a:schemeClr val="accent1"/>
+          </a:effectRef>
+          <a:fontRef idx="minor">
+            <a:schemeClr val="lt1"/>
+          </a:fontRef>
+        </p:style>
+        <p:txBody>
+          <a:bodyPr rtlCol="0" anchor="ctr"/>
+          <a:lstStyle/>
+          <a:p>
+            <a:pPr algn="ctr"/>
+            <a:r>
+              <a:rPr lang="fr-FR" sz="1400" b="1">
+                <a:solidFill>
+                  <a:schemeClr val="tx1"/>
+                </a:solidFill>
+              </a:rPr>
+              <a:t>HTTP </a:t>
+            </a:r>
+          </a:p>
+          <a:p>
+            <a:pPr algn="ctr"/>
+            <a:r>
+              <a:rPr lang="fr-FR" sz="1400" b="1">
+                <a:solidFill>
+                  <a:schemeClr val="tx1"/>
+                </a:solidFill>
+              </a:rPr>
+              <a:t>Get | Post</a:t>
+            </a:r>
+          </a:p>
+        </p:txBody>
+      </p:sp>
+      <p:sp>
+        <p:nvSpPr>
+          <p:cNvPr id="55" name="Rectangle : coins arrondis 54">
+            <a:extLst>
+              <a:ext uri="{FF2B5EF4-FFF2-40B4-BE49-F238E27FC236}">
+                <a16:creationId xmlns:a16="http://schemas.microsoft.com/office/drawing/2014/main" id="{8C8A2134-8B94-4103-828D-E55B0241A93F}"/>
+              </a:ext>
+            </a:extLst>
+          </p:cNvPr>
+          <p:cNvSpPr/>
+          <p:nvPr/>
+        </p:nvSpPr>
+        <p:spPr>
+          <a:xfrm>
+            <a:off x="2167280" y="1214455"/>
+            <a:ext cx="1773435" cy="1248369"/>
+          </a:xfrm>
+          <a:prstGeom prst="roundRect">
+            <a:avLst>
+              <a:gd name="adj" fmla="val 9418"/>
+            </a:avLst>
+          </a:prstGeom>
+          <a:solidFill>
+            <a:schemeClr val="accent4">
+              <a:lumMod val="40000"/>
+              <a:lumOff val="60000"/>
+            </a:schemeClr>
+          </a:solidFill>
+        </p:spPr>
+        <p:style>
+          <a:lnRef idx="1">
+            <a:schemeClr val="accent1"/>
+          </a:lnRef>
+          <a:fillRef idx="3">
+            <a:schemeClr val="accent1"/>
+          </a:fillRef>
+          <a:effectRef idx="2">
+            <a:schemeClr val="accent1"/>
+          </a:effectRef>
+          <a:fontRef idx="minor">
+            <a:schemeClr val="lt1"/>
+          </a:fontRef>
+        </p:style>
+        <p:txBody>
+          <a:bodyPr rtlCol="0" anchor="t"/>
+          <a:lstStyle/>
+          <a:p>
+            <a:pPr algn="ctr"/>
+            <a:r>
+              <a:rPr lang="fr-FR" sz="1600" b="1">
+                <a:solidFill>
+                  <a:schemeClr val="tx1"/>
+                </a:solidFill>
+              </a:rPr>
+              <a:t>State</a:t>
+            </a:r>
+          </a:p>
+        </p:txBody>
+      </p:sp>
+      <p:sp>
+        <p:nvSpPr>
+          <p:cNvPr id="60" name="Rectangle : coins arrondis 59">
+            <a:extLst>
+              <a:ext uri="{FF2B5EF4-FFF2-40B4-BE49-F238E27FC236}">
+                <a16:creationId xmlns:a16="http://schemas.microsoft.com/office/drawing/2014/main" id="{63E1A407-6457-4EBB-A6B4-930C558C1196}"/>
+              </a:ext>
+            </a:extLst>
+          </p:cNvPr>
+          <p:cNvSpPr/>
+          <p:nvPr/>
+        </p:nvSpPr>
+        <p:spPr>
+          <a:xfrm>
+            <a:off x="2240091" y="1576522"/>
+            <a:ext cx="1613612" cy="373919"/>
+          </a:xfrm>
+          <a:prstGeom prst="roundRect">
+            <a:avLst>
+              <a:gd name="adj" fmla="val 16782"/>
+            </a:avLst>
+          </a:prstGeom>
+          <a:solidFill>
+            <a:schemeClr val="accent2">
+              <a:lumMod val="20000"/>
+              <a:lumOff val="80000"/>
+            </a:schemeClr>
+          </a:solidFill>
+        </p:spPr>
+        <p:style>
+          <a:lnRef idx="1">
+            <a:schemeClr val="accent1"/>
+          </a:lnRef>
+          <a:fillRef idx="3">
+            <a:schemeClr val="accent1"/>
+          </a:fillRef>
+          <a:effectRef idx="2">
+            <a:schemeClr val="accent1"/>
+          </a:effectRef>
+          <a:fontRef idx="minor">
+            <a:schemeClr val="lt1"/>
+          </a:fontRef>
+        </p:style>
+        <p:txBody>
+          <a:bodyPr rtlCol="0" anchor="ctr"/>
+          <a:lstStyle/>
+          <a:p>
+            <a:pPr algn="ctr"/>
+            <a:r>
+              <a:rPr lang="fr-FR" sz="1400" b="1">
+                <a:solidFill>
+                  <a:schemeClr val="tx1"/>
+                </a:solidFill>
+              </a:rPr>
+              <a:t>JS </a:t>
+            </a:r>
+            <a:r>
+              <a:rPr lang="fr-FR" sz="1400" b="1" err="1">
+                <a:solidFill>
+                  <a:schemeClr val="tx1"/>
+                </a:solidFill>
+              </a:rPr>
+              <a:t>HardCode</a:t>
+            </a:r>
+            <a:endParaRPr lang="fr-FR" sz="1400" b="1">
+              <a:solidFill>
+                <a:schemeClr val="tx1"/>
+              </a:solidFill>
+            </a:endParaRPr>
+          </a:p>
+        </p:txBody>
+      </p:sp>
+      <p:sp>
+        <p:nvSpPr>
+          <p:cNvPr id="61" name="Rectangle : coins arrondis 60">
+            <a:extLst>
+              <a:ext uri="{FF2B5EF4-FFF2-40B4-BE49-F238E27FC236}">
+                <a16:creationId xmlns:a16="http://schemas.microsoft.com/office/drawing/2014/main" id="{C8DF223B-B094-448A-85BF-F33AA07CDD39}"/>
+              </a:ext>
+            </a:extLst>
+          </p:cNvPr>
+          <p:cNvSpPr/>
+          <p:nvPr/>
+        </p:nvSpPr>
+        <p:spPr>
+          <a:xfrm>
+            <a:off x="2240091" y="2009817"/>
+            <a:ext cx="1613612" cy="373919"/>
+          </a:xfrm>
+          <a:prstGeom prst="roundRect">
+            <a:avLst>
+              <a:gd name="adj" fmla="val 16782"/>
+            </a:avLst>
+          </a:prstGeom>
+          <a:solidFill>
+            <a:schemeClr val="accent2">
+              <a:lumMod val="20000"/>
+              <a:lumOff val="80000"/>
+            </a:schemeClr>
+          </a:solidFill>
+        </p:spPr>
+        <p:style>
+          <a:lnRef idx="1">
+            <a:schemeClr val="accent1"/>
+          </a:lnRef>
+          <a:fillRef idx="3">
+            <a:schemeClr val="accent1"/>
+          </a:fillRef>
+          <a:effectRef idx="2">
+            <a:schemeClr val="accent1"/>
+          </a:effectRef>
+          <a:fontRef idx="minor">
+            <a:schemeClr val="lt1"/>
+          </a:fontRef>
+        </p:style>
+        <p:txBody>
+          <a:bodyPr rtlCol="0" anchor="ctr"/>
+          <a:lstStyle/>
+          <a:p>
+            <a:pPr algn="ctr"/>
+            <a:r>
+              <a:rPr lang="fr-FR" sz="1400" b="1" err="1">
+                <a:solidFill>
+                  <a:schemeClr val="tx1"/>
+                </a:solidFill>
+              </a:rPr>
+              <a:t>Window.Storage</a:t>
+            </a:r>
+            <a:endParaRPr lang="fr-FR" sz="1400" b="1">
+              <a:solidFill>
+                <a:schemeClr val="tx1"/>
+              </a:solidFill>
+            </a:endParaRPr>
+          </a:p>
+        </p:txBody>
+      </p:sp>
+      <p:sp>
+        <p:nvSpPr>
+          <p:cNvPr id="64" name="Flèche : bas 63">
+            <a:extLst>
+              <a:ext uri="{FF2B5EF4-FFF2-40B4-BE49-F238E27FC236}">
+                <a16:creationId xmlns:a16="http://schemas.microsoft.com/office/drawing/2014/main" id="{31FDDECA-B695-41F5-ADE7-4C3ACACE7830}"/>
+              </a:ext>
+            </a:extLst>
+          </p:cNvPr>
+          <p:cNvSpPr/>
+          <p:nvPr/>
+        </p:nvSpPr>
+        <p:spPr>
+          <a:xfrm rot="10800000">
+            <a:off x="2860698" y="4878616"/>
+            <a:ext cx="341255" cy="198082"/>
+          </a:xfrm>
+          <a:prstGeom prst="downArrow">
+            <a:avLst>
+              <a:gd name="adj1" fmla="val 55226"/>
+              <a:gd name="adj2" fmla="val 46821"/>
+            </a:avLst>
+          </a:prstGeom>
+          <a:solidFill>
+            <a:srgbClr val="92D050"/>
+          </a:solidFill>
+        </p:spPr>
+        <p:style>
+          <a:lnRef idx="2">
+            <a:schemeClr val="accent1">
+              <a:shade val="50000"/>
+            </a:schemeClr>
+          </a:lnRef>
+          <a:fillRef idx="1">
+            <a:schemeClr val="accent1"/>
+          </a:fillRef>
+          <a:effectRef idx="0">
+            <a:schemeClr val="accent1"/>
+          </a:effectRef>
+          <a:fontRef idx="minor">
+            <a:schemeClr val="lt1"/>
+          </a:fontRef>
+        </p:style>
+        <p:txBody>
+          <a:bodyPr rtlCol="0" anchor="ctr"/>
+          <a:lstStyle/>
+          <a:p>
+            <a:pPr algn="ctr"/>
+            <a:endParaRPr lang="fr-FR"/>
+          </a:p>
+        </p:txBody>
+      </p:sp>
+      <p:sp>
+        <p:nvSpPr>
+          <p:cNvPr id="66" name="Flèche : bas 65">
+            <a:extLst>
+              <a:ext uri="{FF2B5EF4-FFF2-40B4-BE49-F238E27FC236}">
+                <a16:creationId xmlns:a16="http://schemas.microsoft.com/office/drawing/2014/main" id="{46B25FD8-A65C-4B20-9E91-78F14EB6133B}"/>
+              </a:ext>
+            </a:extLst>
+          </p:cNvPr>
+          <p:cNvSpPr/>
+          <p:nvPr/>
+        </p:nvSpPr>
+        <p:spPr>
+          <a:xfrm rot="5400000">
+            <a:off x="4086799" y="2116016"/>
+            <a:ext cx="341255" cy="656496"/>
+          </a:xfrm>
+          <a:prstGeom prst="downArrow">
+            <a:avLst>
+              <a:gd name="adj1" fmla="val 55226"/>
+              <a:gd name="adj2" fmla="val 46821"/>
+            </a:avLst>
+          </a:prstGeom>
+          <a:solidFill>
+            <a:srgbClr val="92D050"/>
+          </a:solidFill>
+        </p:spPr>
+        <p:style>
+          <a:lnRef idx="2">
+            <a:schemeClr val="accent1">
+              <a:shade val="50000"/>
+            </a:schemeClr>
+          </a:lnRef>
+          <a:fillRef idx="1">
+            <a:schemeClr val="accent1"/>
+          </a:fillRef>
+          <a:effectRef idx="0">
+            <a:schemeClr val="accent1"/>
+          </a:effectRef>
+          <a:fontRef idx="minor">
+            <a:schemeClr val="lt1"/>
+          </a:fontRef>
+        </p:style>
+        <p:txBody>
+          <a:bodyPr rtlCol="0" anchor="ctr"/>
+          <a:lstStyle/>
+          <a:p>
+            <a:pPr algn="ctr"/>
+            <a:endParaRPr lang="fr-FR"/>
+          </a:p>
+        </p:txBody>
+      </p:sp>
+      <p:sp>
+        <p:nvSpPr>
+          <p:cNvPr id="68" name="Flèche : bas 67">
+            <a:extLst>
+              <a:ext uri="{FF2B5EF4-FFF2-40B4-BE49-F238E27FC236}">
+                <a16:creationId xmlns:a16="http://schemas.microsoft.com/office/drawing/2014/main" id="{28A0A7A7-1497-49EA-845F-5F880768183E}"/>
+              </a:ext>
+            </a:extLst>
+          </p:cNvPr>
+          <p:cNvSpPr/>
+          <p:nvPr/>
+        </p:nvSpPr>
+        <p:spPr>
+          <a:xfrm rot="16200000">
+            <a:off x="4092568" y="1628262"/>
+            <a:ext cx="341255" cy="644962"/>
+          </a:xfrm>
+          <a:prstGeom prst="downArrow">
+            <a:avLst>
+              <a:gd name="adj1" fmla="val 55226"/>
+              <a:gd name="adj2" fmla="val 46821"/>
+            </a:avLst>
+          </a:prstGeom>
+          <a:solidFill>
+            <a:srgbClr val="92D050"/>
+          </a:solidFill>
+        </p:spPr>
+        <p:style>
+          <a:lnRef idx="2">
+            <a:schemeClr val="accent1">
+              <a:shade val="50000"/>
+            </a:schemeClr>
+          </a:lnRef>
+          <a:fillRef idx="1">
+            <a:schemeClr val="accent1"/>
+          </a:fillRef>
+          <a:effectRef idx="0">
+            <a:schemeClr val="accent1"/>
+          </a:effectRef>
+          <a:fontRef idx="minor">
+            <a:schemeClr val="lt1"/>
+          </a:fontRef>
+        </p:style>
+        <p:txBody>
+          <a:bodyPr rtlCol="0" anchor="ctr"/>
+          <a:lstStyle/>
+          <a:p>
+            <a:pPr algn="ctr"/>
+            <a:endParaRPr lang="fr-FR"/>
+          </a:p>
+        </p:txBody>
+      </p:sp>
+      <p:sp>
+        <p:nvSpPr>
+          <p:cNvPr id="69" name="Rectangle : coins arrondis 68">
+            <a:extLst>
+              <a:ext uri="{FF2B5EF4-FFF2-40B4-BE49-F238E27FC236}">
+                <a16:creationId xmlns:a16="http://schemas.microsoft.com/office/drawing/2014/main" id="{62FE55D2-7506-4215-BE71-9A4700117AF9}"/>
+              </a:ext>
+            </a:extLst>
+          </p:cNvPr>
+          <p:cNvSpPr/>
+          <p:nvPr/>
+        </p:nvSpPr>
+        <p:spPr>
+          <a:xfrm>
+            <a:off x="2005379" y="3918985"/>
+            <a:ext cx="956188" cy="373919"/>
+          </a:xfrm>
+          <a:prstGeom prst="roundRect">
+            <a:avLst>
+              <a:gd name="adj" fmla="val 16782"/>
+            </a:avLst>
+          </a:prstGeom>
+          <a:solidFill>
+            <a:schemeClr val="accent1">
+              <a:lumMod val="20000"/>
+              <a:lumOff val="80000"/>
+            </a:schemeClr>
+          </a:solidFill>
+        </p:spPr>
+        <p:style>
+          <a:lnRef idx="2">
+            <a:schemeClr val="accent1">
+              <a:shade val="50000"/>
+            </a:schemeClr>
+          </a:lnRef>
+          <a:fillRef idx="1">
+            <a:schemeClr val="accent1"/>
+          </a:fillRef>
+          <a:effectRef idx="0">
+            <a:schemeClr val="accent1"/>
+          </a:effectRef>
+          <a:fontRef idx="minor">
+            <a:schemeClr val="lt1"/>
+          </a:fontRef>
+        </p:style>
+        <p:txBody>
+          <a:bodyPr rtlCol="0" anchor="ctr"/>
+          <a:lstStyle/>
+          <a:p>
+            <a:pPr algn="ctr"/>
+            <a:r>
+              <a:rPr lang="fr-FR" sz="1400" b="1">
+                <a:solidFill>
+                  <a:schemeClr val="accent1"/>
+                </a:solidFill>
+              </a:rPr>
+              <a:t>+ Kendo</a:t>
+            </a:r>
+          </a:p>
+        </p:txBody>
+      </p:sp>
+      <p:cxnSp>
+        <p:nvCxnSpPr>
+          <p:cNvPr id="5" name="Connecteur : en angle 4">
+            <a:extLst>
+              <a:ext uri="{FF2B5EF4-FFF2-40B4-BE49-F238E27FC236}">
+                <a16:creationId xmlns:a16="http://schemas.microsoft.com/office/drawing/2014/main" id="{41E1644D-AAA4-41E0-82D8-28E4C63DD6F0}"/>
+              </a:ext>
+            </a:extLst>
+          </p:cNvPr>
+          <p:cNvCxnSpPr>
+            <a:cxnSpLocks/>
+            <a:stCxn id="48" idx="3"/>
+            <a:endCxn id="92" idx="1"/>
+          </p:cNvCxnSpPr>
+          <p:nvPr/>
+        </p:nvCxnSpPr>
+        <p:spPr>
+          <a:xfrm flipV="1">
+            <a:off x="6347573" y="1784521"/>
+            <a:ext cx="651559" cy="3219861"/>
+          </a:xfrm>
+          <a:prstGeom prst="bentConnector3">
+            <a:avLst>
+              <a:gd name="adj1" fmla="val 50000"/>
+            </a:avLst>
+          </a:prstGeom>
+          <a:ln w="104775" cap="flat">
+            <a:round/>
+            <a:headEnd type="none"/>
+            <a:tailEnd type="triangle" w="sm" len="sm"/>
+          </a:ln>
+        </p:spPr>
+        <p:style>
+          <a:lnRef idx="1">
+            <a:schemeClr val="accent1"/>
+          </a:lnRef>
+          <a:fillRef idx="0">
+            <a:schemeClr val="accent1"/>
+          </a:fillRef>
+          <a:effectRef idx="0">
+            <a:schemeClr val="accent1"/>
+          </a:effectRef>
+          <a:fontRef idx="minor">
+            <a:schemeClr val="tx1"/>
+          </a:fontRef>
+        </p:style>
+      </p:cxnSp>
+      <p:sp>
+        <p:nvSpPr>
+          <p:cNvPr id="72" name="Rectangle : coins arrondis 71">
+            <a:extLst>
+              <a:ext uri="{FF2B5EF4-FFF2-40B4-BE49-F238E27FC236}">
+                <a16:creationId xmlns:a16="http://schemas.microsoft.com/office/drawing/2014/main" id="{0468028B-8B5B-4688-B64E-0668B2938F0E}"/>
+              </a:ext>
+            </a:extLst>
+          </p:cNvPr>
+          <p:cNvSpPr/>
+          <p:nvPr/>
+        </p:nvSpPr>
+        <p:spPr>
+          <a:xfrm>
+            <a:off x="8786103" y="3014239"/>
+            <a:ext cx="2230239" cy="410603"/>
+          </a:xfrm>
+          <a:prstGeom prst="roundRect">
+            <a:avLst>
+              <a:gd name="adj" fmla="val 16782"/>
+            </a:avLst>
+          </a:prstGeom>
+          <a:solidFill>
+            <a:schemeClr val="tx1">
+              <a:lumMod val="60000"/>
+              <a:lumOff val="40000"/>
+            </a:schemeClr>
+          </a:solidFill>
+        </p:spPr>
+        <p:style>
+          <a:lnRef idx="1">
+            <a:schemeClr val="accent1"/>
+          </a:lnRef>
+          <a:fillRef idx="3">
+            <a:schemeClr val="accent1"/>
+          </a:fillRef>
+          <a:effectRef idx="2">
+            <a:schemeClr val="accent1"/>
+          </a:effectRef>
+          <a:fontRef idx="minor">
+            <a:schemeClr val="lt1"/>
+          </a:fontRef>
+        </p:style>
+        <p:txBody>
+          <a:bodyPr rtlCol="0" anchor="ctr"/>
+          <a:lstStyle/>
+          <a:p>
+            <a:pPr algn="ctr"/>
+            <a:r>
+              <a:rPr lang="fr-FR" sz="1400" b="1" dirty="0" err="1">
+                <a:solidFill>
+                  <a:schemeClr val="bg1"/>
+                </a:solidFill>
+              </a:rPr>
+              <a:t>FCYyy.cs</a:t>
+            </a:r>
+            <a:endParaRPr lang="fr-FR" sz="1400" b="1" dirty="0">
+              <a:solidFill>
+                <a:schemeClr val="bg1"/>
+              </a:solidFill>
+            </a:endParaRPr>
+          </a:p>
+        </p:txBody>
+      </p:sp>
+      <p:sp>
+        <p:nvSpPr>
+          <p:cNvPr id="73" name="Rectangle : coins arrondis 72">
+            <a:extLst>
+              <a:ext uri="{FF2B5EF4-FFF2-40B4-BE49-F238E27FC236}">
+                <a16:creationId xmlns:a16="http://schemas.microsoft.com/office/drawing/2014/main" id="{42B06485-8033-4455-B602-C23431505CE7}"/>
+              </a:ext>
+            </a:extLst>
+          </p:cNvPr>
+          <p:cNvSpPr/>
+          <p:nvPr/>
+        </p:nvSpPr>
+        <p:spPr>
+          <a:xfrm>
+            <a:off x="8298874" y="3502226"/>
+            <a:ext cx="1111914" cy="410603"/>
+          </a:xfrm>
+          <a:prstGeom prst="roundRect">
+            <a:avLst>
+              <a:gd name="adj" fmla="val 16782"/>
+            </a:avLst>
+          </a:prstGeom>
+          <a:solidFill>
+            <a:schemeClr val="tx1">
+              <a:lumMod val="60000"/>
+              <a:lumOff val="40000"/>
+            </a:schemeClr>
+          </a:solidFill>
+        </p:spPr>
+        <p:style>
+          <a:lnRef idx="1">
+            <a:schemeClr val="accent1"/>
+          </a:lnRef>
+          <a:fillRef idx="3">
+            <a:schemeClr val="accent1"/>
+          </a:fillRef>
+          <a:effectRef idx="2">
+            <a:schemeClr val="accent1"/>
+          </a:effectRef>
+          <a:fontRef idx="minor">
+            <a:schemeClr val="lt1"/>
+          </a:fontRef>
+        </p:style>
+        <p:txBody>
+          <a:bodyPr rtlCol="0" anchor="ctr"/>
+          <a:lstStyle/>
+          <a:p>
+            <a:pPr algn="ctr"/>
+            <a:r>
+              <a:rPr lang="fr-FR" sz="1400" b="1" err="1">
+                <a:solidFill>
+                  <a:schemeClr val="bg1"/>
+                </a:solidFill>
+              </a:rPr>
+              <a:t>BCYyy.</a:t>
+            </a:r>
+            <a:r>
+              <a:rPr lang="fr-FR" sz="1400" b="1">
+                <a:solidFill>
+                  <a:schemeClr val="bg1"/>
+                </a:solidFill>
+              </a:rPr>
+              <a:t>cs</a:t>
+            </a:r>
+          </a:p>
+        </p:txBody>
+      </p:sp>
+      <p:sp>
+        <p:nvSpPr>
+          <p:cNvPr id="80" name="Flèche : bas 79">
+            <a:extLst>
+              <a:ext uri="{FF2B5EF4-FFF2-40B4-BE49-F238E27FC236}">
+                <a16:creationId xmlns:a16="http://schemas.microsoft.com/office/drawing/2014/main" id="{E2EDB3DE-017B-4C66-A899-A23BF45EA30B}"/>
+              </a:ext>
+            </a:extLst>
+          </p:cNvPr>
+          <p:cNvSpPr/>
+          <p:nvPr/>
+        </p:nvSpPr>
+        <p:spPr>
+          <a:xfrm>
+            <a:off x="7491165" y="2188665"/>
+            <a:ext cx="219207" cy="471562"/>
+          </a:xfrm>
+          <a:prstGeom prst="downArrow">
+            <a:avLst>
+              <a:gd name="adj1" fmla="val 55226"/>
+              <a:gd name="adj2" fmla="val 46821"/>
+            </a:avLst>
+          </a:prstGeom>
+          <a:solidFill>
+            <a:srgbClr val="92D050"/>
+          </a:solidFill>
+        </p:spPr>
+        <p:style>
+          <a:lnRef idx="2">
+            <a:schemeClr val="accent1">
+              <a:shade val="50000"/>
+            </a:schemeClr>
+          </a:lnRef>
+          <a:fillRef idx="1">
+            <a:schemeClr val="accent1"/>
+          </a:fillRef>
+          <a:effectRef idx="0">
+            <a:schemeClr val="accent1"/>
+          </a:effectRef>
+          <a:fontRef idx="minor">
+            <a:schemeClr val="lt1"/>
+          </a:fontRef>
+        </p:style>
+        <p:txBody>
+          <a:bodyPr rtlCol="0" anchor="ctr"/>
+          <a:lstStyle/>
+          <a:p>
+            <a:pPr algn="ctr"/>
+            <a:endParaRPr lang="fr-FR"/>
+          </a:p>
+        </p:txBody>
+      </p:sp>
+      <p:sp>
+        <p:nvSpPr>
+          <p:cNvPr id="82" name="Flèche : bas 81">
+            <a:extLst>
+              <a:ext uri="{FF2B5EF4-FFF2-40B4-BE49-F238E27FC236}">
+                <a16:creationId xmlns:a16="http://schemas.microsoft.com/office/drawing/2014/main" id="{448C26F3-CCB4-4F00-960F-5BC5A55ED8EE}"/>
+              </a:ext>
+            </a:extLst>
+          </p:cNvPr>
+          <p:cNvSpPr/>
+          <p:nvPr/>
+        </p:nvSpPr>
+        <p:spPr>
+          <a:xfrm>
+            <a:off x="7710372" y="4418864"/>
+            <a:ext cx="394941" cy="473306"/>
+          </a:xfrm>
+          <a:prstGeom prst="downArrow">
+            <a:avLst>
+              <a:gd name="adj1" fmla="val 55226"/>
+              <a:gd name="adj2" fmla="val 46821"/>
+            </a:avLst>
+          </a:prstGeom>
+          <a:solidFill>
+            <a:schemeClr val="bg2">
+              <a:lumMod val="75000"/>
+            </a:schemeClr>
+          </a:solidFill>
+        </p:spPr>
+        <p:style>
+          <a:lnRef idx="2">
+            <a:schemeClr val="accent1">
+              <a:shade val="50000"/>
+            </a:schemeClr>
+          </a:lnRef>
+          <a:fillRef idx="1">
+            <a:schemeClr val="accent1"/>
+          </a:fillRef>
+          <a:effectRef idx="0">
+            <a:schemeClr val="accent1"/>
+          </a:effectRef>
+          <a:fontRef idx="minor">
+            <a:schemeClr val="lt1"/>
+          </a:fontRef>
+        </p:style>
+        <p:txBody>
+          <a:bodyPr rtlCol="0" anchor="ctr"/>
+          <a:lstStyle/>
+          <a:p>
+            <a:pPr algn="ctr"/>
+            <a:endParaRPr lang="fr-FR"/>
+          </a:p>
+        </p:txBody>
+      </p:sp>
+      <p:sp>
+        <p:nvSpPr>
+          <p:cNvPr id="84" name="Rectangle : coins arrondis 83">
+            <a:extLst>
+              <a:ext uri="{FF2B5EF4-FFF2-40B4-BE49-F238E27FC236}">
+                <a16:creationId xmlns:a16="http://schemas.microsoft.com/office/drawing/2014/main" id="{CDED5271-4DF7-486F-81C8-F3CD3A39F038}"/>
+              </a:ext>
+            </a:extLst>
+          </p:cNvPr>
+          <p:cNvSpPr/>
+          <p:nvPr/>
+        </p:nvSpPr>
+        <p:spPr>
+          <a:xfrm>
+            <a:off x="8213240" y="4532826"/>
+            <a:ext cx="1283182" cy="316193"/>
+          </a:xfrm>
+          <a:prstGeom prst="roundRect">
+            <a:avLst>
+              <a:gd name="adj" fmla="val 16782"/>
+            </a:avLst>
+          </a:prstGeom>
+          <a:solidFill>
+            <a:schemeClr val="accent2">
+              <a:lumMod val="20000"/>
+              <a:lumOff val="80000"/>
+            </a:schemeClr>
+          </a:solidFill>
+        </p:spPr>
+        <p:style>
+          <a:lnRef idx="1">
+            <a:schemeClr val="accent1"/>
+          </a:lnRef>
+          <a:fillRef idx="3">
+            <a:schemeClr val="accent1"/>
+          </a:fillRef>
+          <a:effectRef idx="2">
+            <a:schemeClr val="accent1"/>
+          </a:effectRef>
+          <a:fontRef idx="minor">
+            <a:schemeClr val="lt1"/>
+          </a:fontRef>
+        </p:style>
+        <p:txBody>
+          <a:bodyPr rtlCol="0" anchor="ctr"/>
+          <a:lstStyle/>
+          <a:p>
+            <a:pPr algn="ctr"/>
+            <a:r>
+              <a:rPr lang="fr-FR" sz="1400" b="1" dirty="0">
+                <a:solidFill>
+                  <a:schemeClr val="tx1"/>
+                </a:solidFill>
+              </a:rPr>
+              <a:t>Sql Query</a:t>
+            </a:r>
+          </a:p>
+        </p:txBody>
+      </p:sp>
+      <p:sp>
+        <p:nvSpPr>
+          <p:cNvPr id="89" name="Rectangle : coins arrondis 88">
+            <a:extLst>
+              <a:ext uri="{FF2B5EF4-FFF2-40B4-BE49-F238E27FC236}">
+                <a16:creationId xmlns:a16="http://schemas.microsoft.com/office/drawing/2014/main" id="{FBFE4D04-FCEE-4A9B-891A-87D52CBD9319}"/>
+              </a:ext>
+            </a:extLst>
+          </p:cNvPr>
+          <p:cNvSpPr/>
+          <p:nvPr/>
+        </p:nvSpPr>
+        <p:spPr>
+          <a:xfrm>
+            <a:off x="2076037" y="2501661"/>
+            <a:ext cx="1717930" cy="1084095"/>
+          </a:xfrm>
+          <a:prstGeom prst="roundRect">
+            <a:avLst>
+              <a:gd name="adj" fmla="val 11047"/>
+            </a:avLst>
+          </a:prstGeom>
+          <a:solidFill>
+            <a:schemeClr val="accent4">
+              <a:lumMod val="40000"/>
+              <a:lumOff val="60000"/>
+            </a:schemeClr>
+          </a:solidFill>
+        </p:spPr>
+        <p:style>
+          <a:lnRef idx="1">
+            <a:schemeClr val="accent1"/>
+          </a:lnRef>
+          <a:fillRef idx="3">
+            <a:schemeClr val="accent1"/>
+          </a:fillRef>
+          <a:effectRef idx="2">
+            <a:schemeClr val="accent1"/>
+          </a:effectRef>
+          <a:fontRef idx="minor">
+            <a:schemeClr val="lt1"/>
+          </a:fontRef>
+        </p:style>
+        <p:txBody>
+          <a:bodyPr rtlCol="0" anchor="t"/>
+          <a:lstStyle/>
+          <a:p>
+            <a:pPr algn="ctr"/>
+            <a:r>
+              <a:rPr lang="fr-FR" sz="1600" b="1">
+                <a:solidFill>
+                  <a:schemeClr val="tx1"/>
+                </a:solidFill>
+              </a:rPr>
+              <a:t>Lib</a:t>
+            </a:r>
+          </a:p>
+        </p:txBody>
+      </p:sp>
+      <p:sp>
+        <p:nvSpPr>
+          <p:cNvPr id="90" name="Rectangle : coins arrondis 89">
+            <a:extLst>
+              <a:ext uri="{FF2B5EF4-FFF2-40B4-BE49-F238E27FC236}">
+                <a16:creationId xmlns:a16="http://schemas.microsoft.com/office/drawing/2014/main" id="{0E9B8F66-72EC-4262-9B70-FAE3F9291C26}"/>
+              </a:ext>
+            </a:extLst>
+          </p:cNvPr>
+          <p:cNvSpPr/>
+          <p:nvPr/>
+        </p:nvSpPr>
+        <p:spPr>
+          <a:xfrm>
+            <a:off x="2250748" y="2825163"/>
+            <a:ext cx="1429963" cy="335555"/>
+          </a:xfrm>
+          <a:prstGeom prst="roundRect">
+            <a:avLst>
+              <a:gd name="adj" fmla="val 16782"/>
+            </a:avLst>
+          </a:prstGeom>
+          <a:solidFill>
+            <a:schemeClr val="accent2">
+              <a:lumMod val="20000"/>
+              <a:lumOff val="80000"/>
+            </a:schemeClr>
+          </a:solidFill>
+        </p:spPr>
+        <p:style>
+          <a:lnRef idx="1">
+            <a:schemeClr val="accent1"/>
+          </a:lnRef>
+          <a:fillRef idx="3">
+            <a:schemeClr val="accent1"/>
+          </a:fillRef>
+          <a:effectRef idx="2">
+            <a:schemeClr val="accent1"/>
+          </a:effectRef>
+          <a:fontRef idx="minor">
+            <a:schemeClr val="lt1"/>
+          </a:fontRef>
+        </p:style>
+        <p:txBody>
+          <a:bodyPr rtlCol="0" anchor="ctr"/>
+          <a:lstStyle/>
+          <a:p>
+            <a:pPr algn="ctr"/>
+            <a:r>
+              <a:rPr lang="fr-FR" sz="1400" b="1">
+                <a:solidFill>
+                  <a:schemeClr val="tx1"/>
+                </a:solidFill>
+              </a:rPr>
+              <a:t>ajaxmethod.js</a:t>
+            </a:r>
+          </a:p>
+        </p:txBody>
+      </p:sp>
+      <p:sp>
+        <p:nvSpPr>
+          <p:cNvPr id="91" name="Rectangle : coins arrondis 90">
+            <a:extLst>
+              <a:ext uri="{FF2B5EF4-FFF2-40B4-BE49-F238E27FC236}">
+                <a16:creationId xmlns:a16="http://schemas.microsoft.com/office/drawing/2014/main" id="{2512C5F0-A8A0-4B92-BFE3-FEA8CC944890}"/>
+              </a:ext>
+            </a:extLst>
+          </p:cNvPr>
+          <p:cNvSpPr/>
+          <p:nvPr/>
+        </p:nvSpPr>
+        <p:spPr>
+          <a:xfrm>
+            <a:off x="2242877" y="3206137"/>
+            <a:ext cx="1439115" cy="307374"/>
+          </a:xfrm>
+          <a:prstGeom prst="roundRect">
+            <a:avLst>
+              <a:gd name="adj" fmla="val 16782"/>
+            </a:avLst>
+          </a:prstGeom>
+          <a:solidFill>
+            <a:schemeClr val="accent2">
+              <a:lumMod val="20000"/>
+              <a:lumOff val="80000"/>
+            </a:schemeClr>
+          </a:solidFill>
+        </p:spPr>
+        <p:style>
+          <a:lnRef idx="1">
+            <a:schemeClr val="accent1"/>
+          </a:lnRef>
+          <a:fillRef idx="3">
+            <a:schemeClr val="accent1"/>
+          </a:fillRef>
+          <a:effectRef idx="2">
+            <a:schemeClr val="accent1"/>
+          </a:effectRef>
+          <a:fontRef idx="minor">
+            <a:schemeClr val="lt1"/>
+          </a:fontRef>
+        </p:style>
+        <p:txBody>
+          <a:bodyPr rtlCol="0" anchor="ctr"/>
+          <a:lstStyle/>
+          <a:p>
+            <a:pPr algn="ctr"/>
+            <a:r>
+              <a:rPr lang="fr-FR" sz="1400" b="1" err="1">
+                <a:solidFill>
+                  <a:schemeClr val="tx1"/>
+                </a:solidFill>
+              </a:rPr>
+              <a:t>DeportHelper</a:t>
+            </a:r>
+            <a:endParaRPr lang="fr-FR" sz="1400" b="1">
+              <a:solidFill>
+                <a:schemeClr val="tx1"/>
+              </a:solidFill>
+            </a:endParaRPr>
+          </a:p>
+        </p:txBody>
+      </p:sp>
+      <p:sp>
+        <p:nvSpPr>
+          <p:cNvPr id="93" name="Rectangle : coins arrondis 92">
+            <a:extLst>
+              <a:ext uri="{FF2B5EF4-FFF2-40B4-BE49-F238E27FC236}">
+                <a16:creationId xmlns:a16="http://schemas.microsoft.com/office/drawing/2014/main" id="{6936B178-D13D-408C-A975-7ECF43B4AE77}"/>
+              </a:ext>
+            </a:extLst>
+          </p:cNvPr>
+          <p:cNvSpPr/>
+          <p:nvPr/>
+        </p:nvSpPr>
+        <p:spPr>
+          <a:xfrm>
+            <a:off x="3794936" y="1990703"/>
+            <a:ext cx="815924" cy="373920"/>
+          </a:xfrm>
+          <a:prstGeom prst="roundRect">
+            <a:avLst>
+              <a:gd name="adj" fmla="val 16782"/>
+            </a:avLst>
+          </a:prstGeom>
+          <a:solidFill>
+            <a:schemeClr val="accent2">
+              <a:lumMod val="20000"/>
+              <a:lumOff val="80000"/>
+            </a:schemeClr>
+          </a:solidFill>
+        </p:spPr>
+        <p:style>
+          <a:lnRef idx="1">
+            <a:schemeClr val="accent1"/>
+          </a:lnRef>
+          <a:fillRef idx="3">
+            <a:schemeClr val="accent1"/>
+          </a:fillRef>
+          <a:effectRef idx="2">
+            <a:schemeClr val="accent1"/>
+          </a:effectRef>
+          <a:fontRef idx="minor">
+            <a:schemeClr val="lt1"/>
+          </a:fontRef>
+        </p:style>
+        <p:txBody>
+          <a:bodyPr rtlCol="0" anchor="ctr"/>
+          <a:lstStyle/>
+          <a:p>
+            <a:pPr algn="ctr"/>
+            <a:r>
+              <a:rPr lang="fr-FR" sz="1400" b="1">
+                <a:solidFill>
+                  <a:schemeClr val="tx1"/>
+                </a:solidFill>
+              </a:rPr>
+              <a:t>jQuery</a:t>
+            </a:r>
+          </a:p>
+        </p:txBody>
+      </p:sp>
+      <p:sp>
+        <p:nvSpPr>
+          <p:cNvPr id="94" name="Rectangle : coins arrondis 93">
+            <a:extLst>
+              <a:ext uri="{FF2B5EF4-FFF2-40B4-BE49-F238E27FC236}">
+                <a16:creationId xmlns:a16="http://schemas.microsoft.com/office/drawing/2014/main" id="{6F096DB1-95B3-4A3E-A390-D17AB8679335}"/>
+              </a:ext>
+            </a:extLst>
+          </p:cNvPr>
+          <p:cNvSpPr/>
+          <p:nvPr/>
+        </p:nvSpPr>
+        <p:spPr>
+          <a:xfrm>
+            <a:off x="2971782" y="3921243"/>
+            <a:ext cx="1182747" cy="373919"/>
+          </a:xfrm>
+          <a:prstGeom prst="roundRect">
+            <a:avLst>
+              <a:gd name="adj" fmla="val 16782"/>
+            </a:avLst>
+          </a:prstGeom>
+          <a:solidFill>
+            <a:schemeClr val="accent1">
+              <a:lumMod val="20000"/>
+              <a:lumOff val="80000"/>
+            </a:schemeClr>
+          </a:solidFill>
+        </p:spPr>
+        <p:style>
+          <a:lnRef idx="2">
+            <a:schemeClr val="accent1">
+              <a:shade val="50000"/>
+            </a:schemeClr>
+          </a:lnRef>
+          <a:fillRef idx="1">
+            <a:schemeClr val="accent1"/>
+          </a:fillRef>
+          <a:effectRef idx="0">
+            <a:schemeClr val="accent1"/>
+          </a:effectRef>
+          <a:fontRef idx="minor">
+            <a:schemeClr val="lt1"/>
+          </a:fontRef>
+        </p:style>
+        <p:txBody>
+          <a:bodyPr rtlCol="0" anchor="ctr"/>
+          <a:lstStyle/>
+          <a:p>
+            <a:pPr algn="ctr"/>
+            <a:r>
+              <a:rPr lang="fr-FR" sz="1400" b="1">
+                <a:solidFill>
+                  <a:schemeClr val="accent1"/>
+                </a:solidFill>
+              </a:rPr>
+              <a:t>PartialView</a:t>
+            </a:r>
+          </a:p>
+        </p:txBody>
+      </p:sp>
+      <p:sp>
+        <p:nvSpPr>
+          <p:cNvPr id="104" name="Rectangle : coins arrondis 103">
+            <a:extLst>
+              <a:ext uri="{FF2B5EF4-FFF2-40B4-BE49-F238E27FC236}">
+                <a16:creationId xmlns:a16="http://schemas.microsoft.com/office/drawing/2014/main" id="{840F2427-52A4-41CF-B039-42C9F8E0A479}"/>
+              </a:ext>
+            </a:extLst>
+          </p:cNvPr>
+          <p:cNvSpPr/>
+          <p:nvPr/>
+        </p:nvSpPr>
+        <p:spPr>
+          <a:xfrm>
+            <a:off x="772451" y="1099594"/>
+            <a:ext cx="1015925" cy="4913855"/>
+          </a:xfrm>
+          <a:prstGeom prst="roundRect">
+            <a:avLst>
+              <a:gd name="adj" fmla="val 14752"/>
+            </a:avLst>
+          </a:prstGeom>
+        </p:spPr>
+        <p:style>
+          <a:lnRef idx="1">
+            <a:schemeClr val="accent1"/>
+          </a:lnRef>
+          <a:fillRef idx="3">
+            <a:schemeClr val="accent1"/>
+          </a:fillRef>
+          <a:effectRef idx="2">
+            <a:schemeClr val="accent1"/>
+          </a:effectRef>
+          <a:fontRef idx="minor">
+            <a:schemeClr val="lt1"/>
+          </a:fontRef>
+        </p:style>
+        <p:txBody>
+          <a:bodyPr rtlCol="0" anchor="ctr"/>
+          <a:lstStyle/>
+          <a:p>
+            <a:pPr algn="ctr"/>
+            <a:endParaRPr lang="fr-FR"/>
+          </a:p>
+        </p:txBody>
+      </p:sp>
+      <p:sp>
+        <p:nvSpPr>
+          <p:cNvPr id="105" name="Rectangle à coins arrondis 5">
+            <a:extLst>
+              <a:ext uri="{FF2B5EF4-FFF2-40B4-BE49-F238E27FC236}">
+                <a16:creationId xmlns:a16="http://schemas.microsoft.com/office/drawing/2014/main" id="{5D04AFC9-29E7-4D3E-9FE3-F9043DFBA8FF}"/>
+              </a:ext>
+            </a:extLst>
+          </p:cNvPr>
+          <p:cNvSpPr/>
+          <p:nvPr/>
+        </p:nvSpPr>
+        <p:spPr>
+          <a:xfrm>
+            <a:off x="800766" y="4684028"/>
+            <a:ext cx="942456" cy="1156044"/>
+          </a:xfrm>
+          <a:prstGeom prst="roundRect">
+            <a:avLst/>
+          </a:prstGeom>
+          <a:solidFill>
+            <a:srgbClr val="F2E81A"/>
+          </a:solidFill>
+        </p:spPr>
+        <p:style>
+          <a:lnRef idx="1">
+            <a:schemeClr val="accent1"/>
+          </a:lnRef>
+          <a:fillRef idx="3">
+            <a:schemeClr val="accent1"/>
+          </a:fillRef>
+          <a:effectRef idx="2">
+            <a:schemeClr val="accent1"/>
+          </a:effectRef>
+          <a:fontRef idx="minor">
+            <a:schemeClr val="lt1"/>
+          </a:fontRef>
+        </p:style>
+        <p:txBody>
+          <a:bodyPr rtlCol="0" anchor="t"/>
+          <a:lstStyle/>
+          <a:p>
+            <a:pPr algn="ctr"/>
+            <a:r>
+              <a:rPr lang="fr-FR" b="1">
+                <a:solidFill>
+                  <a:schemeClr val="tx1"/>
+                </a:solidFill>
+              </a:rPr>
+              <a:t>Data</a:t>
+            </a:r>
+          </a:p>
+        </p:txBody>
+      </p:sp>
+      <p:sp>
+        <p:nvSpPr>
+          <p:cNvPr id="106" name="Rectangle à coins arrondis 5">
+            <a:extLst>
+              <a:ext uri="{FF2B5EF4-FFF2-40B4-BE49-F238E27FC236}">
+                <a16:creationId xmlns:a16="http://schemas.microsoft.com/office/drawing/2014/main" id="{ED005136-660E-4DDA-BB1F-0A82255CE3C9}"/>
+              </a:ext>
+            </a:extLst>
+          </p:cNvPr>
+          <p:cNvSpPr/>
+          <p:nvPr/>
+        </p:nvSpPr>
+        <p:spPr>
+          <a:xfrm>
+            <a:off x="807022" y="3107676"/>
+            <a:ext cx="942456" cy="1201910"/>
+          </a:xfrm>
+          <a:prstGeom prst="roundRect">
+            <a:avLst/>
+          </a:prstGeom>
+          <a:solidFill>
+            <a:schemeClr val="tx1">
+              <a:lumMod val="40000"/>
+              <a:lumOff val="60000"/>
+            </a:schemeClr>
+          </a:solidFill>
+        </p:spPr>
+        <p:style>
+          <a:lnRef idx="1">
+            <a:schemeClr val="accent1"/>
+          </a:lnRef>
+          <a:fillRef idx="3">
+            <a:schemeClr val="accent1"/>
+          </a:fillRef>
+          <a:effectRef idx="2">
+            <a:schemeClr val="accent1"/>
+          </a:effectRef>
+          <a:fontRef idx="minor">
+            <a:schemeClr val="lt1"/>
+          </a:fontRef>
+        </p:style>
+        <p:txBody>
+          <a:bodyPr rtlCol="0" anchor="t"/>
+          <a:lstStyle/>
+          <a:p>
+            <a:pPr algn="ctr"/>
+            <a:r>
+              <a:rPr lang="fr-FR" b="1">
+                <a:solidFill>
+                  <a:schemeClr val="tx1"/>
+                </a:solidFill>
+              </a:rPr>
+              <a:t>Back</a:t>
+            </a:r>
+          </a:p>
+        </p:txBody>
+      </p:sp>
+      <p:sp>
+        <p:nvSpPr>
+          <p:cNvPr id="107" name="Rectangle à coins arrondis 5">
+            <a:extLst>
+              <a:ext uri="{FF2B5EF4-FFF2-40B4-BE49-F238E27FC236}">
+                <a16:creationId xmlns:a16="http://schemas.microsoft.com/office/drawing/2014/main" id="{EA429A6D-1356-4A58-B5C3-F3C0739EFBB2}"/>
+              </a:ext>
+            </a:extLst>
+          </p:cNvPr>
+          <p:cNvSpPr/>
+          <p:nvPr/>
+        </p:nvSpPr>
+        <p:spPr>
+          <a:xfrm>
+            <a:off x="845674" y="1291050"/>
+            <a:ext cx="870524" cy="1111492"/>
+          </a:xfrm>
+          <a:prstGeom prst="roundRect">
+            <a:avLst/>
+          </a:prstGeom>
+          <a:solidFill>
+            <a:schemeClr val="accent2">
+              <a:lumMod val="40000"/>
+              <a:lumOff val="60000"/>
+            </a:schemeClr>
+          </a:solidFill>
+        </p:spPr>
+        <p:style>
+          <a:lnRef idx="1">
+            <a:schemeClr val="accent1"/>
+          </a:lnRef>
+          <a:fillRef idx="3">
+            <a:schemeClr val="accent1"/>
+          </a:fillRef>
+          <a:effectRef idx="2">
+            <a:schemeClr val="accent1"/>
+          </a:effectRef>
+          <a:fontRef idx="minor">
+            <a:schemeClr val="lt1"/>
+          </a:fontRef>
+        </p:style>
+        <p:txBody>
+          <a:bodyPr rtlCol="0" anchor="t"/>
+          <a:lstStyle/>
+          <a:p>
+            <a:pPr algn="ctr"/>
+            <a:r>
+              <a:rPr lang="fr-FR" b="1">
+                <a:solidFill>
+                  <a:schemeClr val="tx1"/>
+                </a:solidFill>
+              </a:rPr>
+              <a:t>Front</a:t>
+            </a:r>
+          </a:p>
+        </p:txBody>
+      </p:sp>
+      <p:sp>
+        <p:nvSpPr>
+          <p:cNvPr id="108" name="AutoShape 4">
+            <a:extLst>
+              <a:ext uri="{FF2B5EF4-FFF2-40B4-BE49-F238E27FC236}">
+                <a16:creationId xmlns:a16="http://schemas.microsoft.com/office/drawing/2014/main" id="{1A36AD15-2DAB-481C-B656-4B1489055728}"/>
+              </a:ext>
+            </a:extLst>
+          </p:cNvPr>
+          <p:cNvSpPr>
+            <a:spLocks noChangeArrowheads="1"/>
+          </p:cNvSpPr>
+          <p:nvPr/>
+        </p:nvSpPr>
+        <p:spPr bwMode="auto">
+          <a:xfrm>
+            <a:off x="886280" y="5057194"/>
+            <a:ext cx="782925" cy="688157"/>
+          </a:xfrm>
+          <a:prstGeom prst="can">
+            <a:avLst>
+              <a:gd name="adj" fmla="val 15090"/>
+            </a:avLst>
+          </a:prstGeom>
+          <a:solidFill>
+            <a:srgbClr val="FFFF00"/>
+          </a:solidFill>
+          <a:ln w="12700">
+            <a:solidFill>
+              <a:schemeClr val="tx1"/>
+            </a:solidFill>
+            <a:round/>
+            <a:headEnd type="none" w="sm" len="sm"/>
+            <a:tailEnd type="none" w="sm" len="sm"/>
+          </a:ln>
+        </p:spPr>
+        <p:txBody>
+          <a:bodyPr wrap="none" anchor="ctr"/>
+          <a:lstStyle>
+            <a:defPPr>
+              <a:defRPr lang="en-US"/>
+            </a:defPPr>
+            <a:lvl1pPr marL="0" algn="l" defTabSz="914400" rtl="0" eaLnBrk="1" latinLnBrk="0" hangingPunct="1">
+              <a:defRPr sz="1800" kern="1200">
+                <a:solidFill>
+                  <a:schemeClr val="tx1"/>
+                </a:solidFill>
+                <a:latin typeface="+mn-lt"/>
+                <a:ea typeface="+mn-ea"/>
+                <a:cs typeface="+mn-cs"/>
+              </a:defRPr>
+            </a:lvl1pPr>
+            <a:lvl2pPr marL="457200" algn="l" defTabSz="914400" rtl="0" eaLnBrk="1" latinLnBrk="0" hangingPunct="1">
+              <a:defRPr sz="1800" kern="1200">
+                <a:solidFill>
+                  <a:schemeClr val="tx1"/>
+                </a:solidFill>
+                <a:latin typeface="+mn-lt"/>
+                <a:ea typeface="+mn-ea"/>
+                <a:cs typeface="+mn-cs"/>
+              </a:defRPr>
+            </a:lvl2pPr>
+            <a:lvl3pPr marL="914400" algn="l" defTabSz="914400" rtl="0" eaLnBrk="1" latinLnBrk="0" hangingPunct="1">
+              <a:defRPr sz="1800" kern="1200">
+                <a:solidFill>
+                  <a:schemeClr val="tx1"/>
+                </a:solidFill>
+                <a:latin typeface="+mn-lt"/>
+                <a:ea typeface="+mn-ea"/>
+                <a:cs typeface="+mn-cs"/>
+              </a:defRPr>
+            </a:lvl3pPr>
+            <a:lvl4pPr marL="1371600" algn="l" defTabSz="914400" rtl="0" eaLnBrk="1" latinLnBrk="0" hangingPunct="1">
+              <a:defRPr sz="1800" kern="1200">
+                <a:solidFill>
+                  <a:schemeClr val="tx1"/>
+                </a:solidFill>
+                <a:latin typeface="+mn-lt"/>
+                <a:ea typeface="+mn-ea"/>
+                <a:cs typeface="+mn-cs"/>
+              </a:defRPr>
+            </a:lvl4pPr>
+            <a:lvl5pPr marL="1828800" algn="l" defTabSz="914400" rtl="0" eaLnBrk="1" latinLnBrk="0" hangingPunct="1">
+              <a:defRPr sz="1800" kern="1200">
+                <a:solidFill>
+                  <a:schemeClr val="tx1"/>
+                </a:solidFill>
+                <a:latin typeface="+mn-lt"/>
+                <a:ea typeface="+mn-ea"/>
+                <a:cs typeface="+mn-cs"/>
+              </a:defRPr>
+            </a:lvl5pPr>
+            <a:lvl6pPr marL="2286000" algn="l" defTabSz="914400" rtl="0" eaLnBrk="1" latinLnBrk="0" hangingPunct="1">
+              <a:defRPr sz="1800" kern="1200">
+                <a:solidFill>
+                  <a:schemeClr val="tx1"/>
+                </a:solidFill>
+                <a:latin typeface="+mn-lt"/>
+                <a:ea typeface="+mn-ea"/>
+                <a:cs typeface="+mn-cs"/>
+              </a:defRPr>
+            </a:lvl6pPr>
+            <a:lvl7pPr marL="2743200" algn="l" defTabSz="914400" rtl="0" eaLnBrk="1" latinLnBrk="0" hangingPunct="1">
+              <a:defRPr sz="1800" kern="1200">
+                <a:solidFill>
+                  <a:schemeClr val="tx1"/>
+                </a:solidFill>
+                <a:latin typeface="+mn-lt"/>
+                <a:ea typeface="+mn-ea"/>
+                <a:cs typeface="+mn-cs"/>
+              </a:defRPr>
+            </a:lvl7pPr>
+            <a:lvl8pPr marL="3200400" algn="l" defTabSz="914400" rtl="0" eaLnBrk="1" latinLnBrk="0" hangingPunct="1">
+              <a:defRPr sz="1800" kern="1200">
+                <a:solidFill>
+                  <a:schemeClr val="tx1"/>
+                </a:solidFill>
+                <a:latin typeface="+mn-lt"/>
+                <a:ea typeface="+mn-ea"/>
+                <a:cs typeface="+mn-cs"/>
+              </a:defRPr>
+            </a:lvl8pPr>
+            <a:lvl9pPr marL="3657600" algn="l" defTabSz="914400" rtl="0" eaLnBrk="1" latinLnBrk="0" hangingPunct="1">
+              <a:defRPr sz="1800" kern="1200">
+                <a:solidFill>
+                  <a:schemeClr val="tx1"/>
+                </a:solidFill>
+                <a:latin typeface="+mn-lt"/>
+                <a:ea typeface="+mn-ea"/>
+                <a:cs typeface="+mn-cs"/>
+              </a:defRPr>
+            </a:lvl9pPr>
+          </a:lstStyle>
+          <a:p>
+            <a:pPr algn="ctr"/>
+            <a:r>
+              <a:rPr lang="fr-FR" sz="1400" b="1"/>
+              <a:t>Db</a:t>
+            </a:r>
+            <a:endParaRPr lang="sv-SE" sz="1400" b="1"/>
+          </a:p>
+        </p:txBody>
+      </p:sp>
+      <p:sp>
+        <p:nvSpPr>
+          <p:cNvPr id="110" name="Rectangle : coins arrondis 109">
+            <a:extLst>
+              <a:ext uri="{FF2B5EF4-FFF2-40B4-BE49-F238E27FC236}">
+                <a16:creationId xmlns:a16="http://schemas.microsoft.com/office/drawing/2014/main" id="{E1661D57-3AC3-4BAF-88FF-71FD5055AAA1}"/>
+              </a:ext>
+            </a:extLst>
+          </p:cNvPr>
+          <p:cNvSpPr/>
+          <p:nvPr/>
+        </p:nvSpPr>
+        <p:spPr>
+          <a:xfrm>
+            <a:off x="886280" y="1666641"/>
+            <a:ext cx="780583" cy="667329"/>
+          </a:xfrm>
+          <a:prstGeom prst="roundRect">
+            <a:avLst>
+              <a:gd name="adj" fmla="val 14933"/>
+            </a:avLst>
+          </a:prstGeom>
+          <a:solidFill>
+            <a:schemeClr val="accent4">
+              <a:lumMod val="40000"/>
+              <a:lumOff val="60000"/>
+            </a:schemeClr>
+          </a:solidFill>
+        </p:spPr>
+        <p:style>
+          <a:lnRef idx="1">
+            <a:schemeClr val="accent1"/>
+          </a:lnRef>
+          <a:fillRef idx="3">
+            <a:schemeClr val="accent1"/>
+          </a:fillRef>
+          <a:effectRef idx="2">
+            <a:schemeClr val="accent1"/>
+          </a:effectRef>
+          <a:fontRef idx="minor">
+            <a:schemeClr val="lt1"/>
+          </a:fontRef>
+        </p:style>
+        <p:txBody>
+          <a:bodyPr rtlCol="0" anchor="ctr"/>
+          <a:lstStyle/>
+          <a:p>
+            <a:pPr algn="ctr"/>
+            <a:r>
+              <a:rPr lang="fr-FR" sz="1600" b="1">
+                <a:solidFill>
+                  <a:schemeClr val="tx1"/>
+                </a:solidFill>
+              </a:rPr>
+              <a:t>File</a:t>
+            </a:r>
+          </a:p>
+        </p:txBody>
+      </p:sp>
+      <p:sp>
+        <p:nvSpPr>
+          <p:cNvPr id="111" name="Rectangle à coins arrondis 5">
+            <a:extLst>
+              <a:ext uri="{FF2B5EF4-FFF2-40B4-BE49-F238E27FC236}">
+                <a16:creationId xmlns:a16="http://schemas.microsoft.com/office/drawing/2014/main" id="{0860104B-7203-4721-943C-1D32E3113A95}"/>
+              </a:ext>
+            </a:extLst>
+          </p:cNvPr>
+          <p:cNvSpPr/>
+          <p:nvPr/>
+        </p:nvSpPr>
+        <p:spPr>
+          <a:xfrm>
+            <a:off x="840571" y="3503180"/>
+            <a:ext cx="877998" cy="679692"/>
+          </a:xfrm>
+          <a:prstGeom prst="roundRect">
+            <a:avLst>
+              <a:gd name="adj" fmla="val 15710"/>
+            </a:avLst>
+          </a:prstGeom>
+          <a:solidFill>
+            <a:srgbClr val="7561F2"/>
+          </a:solidFill>
+        </p:spPr>
+        <p:style>
+          <a:lnRef idx="1">
+            <a:schemeClr val="accent1"/>
+          </a:lnRef>
+          <a:fillRef idx="3">
+            <a:schemeClr val="accent1"/>
+          </a:fillRef>
+          <a:effectRef idx="2">
+            <a:schemeClr val="accent1"/>
+          </a:effectRef>
+          <a:fontRef idx="minor">
+            <a:schemeClr val="lt1"/>
+          </a:fontRef>
+        </p:style>
+        <p:txBody>
+          <a:bodyPr rtlCol="0" anchor="ctr"/>
+          <a:lstStyle/>
+          <a:p>
+            <a:pPr algn="ctr"/>
+            <a:r>
+              <a:rPr lang="fr-FR" sz="1200" b="1">
+                <a:solidFill>
+                  <a:schemeClr val="bg1"/>
+                </a:solidFill>
+              </a:rPr>
+              <a:t>Concept</a:t>
+            </a:r>
+          </a:p>
+        </p:txBody>
+      </p:sp>
+      <p:sp>
+        <p:nvSpPr>
+          <p:cNvPr id="3" name="Rectangle : coins arrondis 2">
+            <a:extLst>
+              <a:ext uri="{FF2B5EF4-FFF2-40B4-BE49-F238E27FC236}">
+                <a16:creationId xmlns:a16="http://schemas.microsoft.com/office/drawing/2014/main" id="{FEF35B83-7BF4-F9DA-6A00-EDFDF287C641}"/>
+              </a:ext>
+            </a:extLst>
+          </p:cNvPr>
+          <p:cNvSpPr/>
+          <p:nvPr/>
+        </p:nvSpPr>
+        <p:spPr>
+          <a:xfrm>
+            <a:off x="8857690" y="1699781"/>
+            <a:ext cx="1444992" cy="471561"/>
+          </a:xfrm>
+          <a:prstGeom prst="roundRect">
+            <a:avLst>
+              <a:gd name="adj" fmla="val 16782"/>
+            </a:avLst>
+          </a:prstGeom>
+          <a:solidFill>
+            <a:schemeClr val="tx1">
+              <a:lumMod val="60000"/>
+              <a:lumOff val="40000"/>
+            </a:schemeClr>
+          </a:solidFill>
+        </p:spPr>
+        <p:style>
+          <a:lnRef idx="1">
+            <a:schemeClr val="accent1"/>
+          </a:lnRef>
+          <a:fillRef idx="3">
+            <a:schemeClr val="accent1"/>
+          </a:fillRef>
+          <a:effectRef idx="2">
+            <a:schemeClr val="accent1"/>
+          </a:effectRef>
+          <a:fontRef idx="minor">
+            <a:schemeClr val="lt1"/>
+          </a:fontRef>
+        </p:style>
+        <p:txBody>
+          <a:bodyPr rtlCol="0" anchor="ctr"/>
+          <a:lstStyle/>
+          <a:p>
+            <a:pPr algn="ctr"/>
+            <a:r>
+              <a:rPr lang="fr-FR" sz="1400" b="1" dirty="0" err="1">
+                <a:solidFill>
+                  <a:schemeClr val="bg1"/>
+                </a:solidFill>
+              </a:rPr>
+              <a:t>YyyService.cs</a:t>
+            </a:r>
+            <a:endParaRPr lang="fr-FR" sz="1400" b="1" dirty="0">
+              <a:solidFill>
+                <a:schemeClr val="bg1"/>
+              </a:solidFill>
+            </a:endParaRPr>
+          </a:p>
+        </p:txBody>
+      </p:sp>
+      <p:sp>
+        <p:nvSpPr>
+          <p:cNvPr id="4" name="Flèche : bas 3">
+            <a:extLst>
+              <a:ext uri="{FF2B5EF4-FFF2-40B4-BE49-F238E27FC236}">
+                <a16:creationId xmlns:a16="http://schemas.microsoft.com/office/drawing/2014/main" id="{2A35D31D-4CFB-7FF0-3E3E-860B32D3C72E}"/>
+              </a:ext>
+            </a:extLst>
+          </p:cNvPr>
+          <p:cNvSpPr/>
+          <p:nvPr/>
+        </p:nvSpPr>
+        <p:spPr>
+          <a:xfrm>
+            <a:off x="9252987" y="2166761"/>
+            <a:ext cx="219207" cy="851636"/>
+          </a:xfrm>
+          <a:prstGeom prst="downArrow">
+            <a:avLst>
+              <a:gd name="adj1" fmla="val 55226"/>
+              <a:gd name="adj2" fmla="val 46821"/>
+            </a:avLst>
+          </a:prstGeom>
+          <a:solidFill>
+            <a:srgbClr val="92D050"/>
+          </a:solidFill>
+        </p:spPr>
+        <p:style>
+          <a:lnRef idx="2">
+            <a:schemeClr val="accent1">
+              <a:shade val="50000"/>
+            </a:schemeClr>
+          </a:lnRef>
+          <a:fillRef idx="1">
+            <a:schemeClr val="accent1"/>
+          </a:fillRef>
+          <a:effectRef idx="0">
+            <a:schemeClr val="accent1"/>
+          </a:effectRef>
+          <a:fontRef idx="minor">
+            <a:schemeClr val="lt1"/>
+          </a:fontRef>
+        </p:style>
+        <p:txBody>
+          <a:bodyPr rtlCol="0" anchor="ctr"/>
+          <a:lstStyle/>
+          <a:p>
+            <a:pPr algn="ctr"/>
+            <a:endParaRPr lang="fr-FR"/>
+          </a:p>
+        </p:txBody>
+      </p:sp>
+      <p:sp>
+        <p:nvSpPr>
+          <p:cNvPr id="6" name="Rectangle : coins arrondis 5">
+            <a:extLst>
+              <a:ext uri="{FF2B5EF4-FFF2-40B4-BE49-F238E27FC236}">
+                <a16:creationId xmlns:a16="http://schemas.microsoft.com/office/drawing/2014/main" id="{16F81D2B-3DA5-BEC1-52D5-BA25B29346D0}"/>
+              </a:ext>
+            </a:extLst>
+          </p:cNvPr>
+          <p:cNvSpPr/>
+          <p:nvPr/>
+        </p:nvSpPr>
+        <p:spPr>
+          <a:xfrm>
+            <a:off x="9510444" y="3511756"/>
+            <a:ext cx="1111914" cy="410603"/>
+          </a:xfrm>
+          <a:prstGeom prst="roundRect">
+            <a:avLst>
+              <a:gd name="adj" fmla="val 16782"/>
+            </a:avLst>
+          </a:prstGeom>
+          <a:solidFill>
+            <a:schemeClr val="tx1">
+              <a:lumMod val="60000"/>
+              <a:lumOff val="40000"/>
+            </a:schemeClr>
+          </a:solidFill>
+        </p:spPr>
+        <p:style>
+          <a:lnRef idx="1">
+            <a:schemeClr val="accent1"/>
+          </a:lnRef>
+          <a:fillRef idx="3">
+            <a:schemeClr val="accent1"/>
+          </a:fillRef>
+          <a:effectRef idx="2">
+            <a:schemeClr val="accent1"/>
+          </a:effectRef>
+          <a:fontRef idx="minor">
+            <a:schemeClr val="lt1"/>
+          </a:fontRef>
+        </p:style>
+        <p:txBody>
+          <a:bodyPr rtlCol="0" anchor="ctr"/>
+          <a:lstStyle/>
+          <a:p>
+            <a:pPr algn="ctr"/>
+            <a:r>
+              <a:rPr lang="fr-FR" sz="1400" b="1" dirty="0" err="1">
+                <a:solidFill>
+                  <a:schemeClr val="bg1"/>
+                </a:solidFill>
+              </a:rPr>
+              <a:t>BCZzz.cs</a:t>
+            </a:r>
+            <a:endParaRPr lang="fr-FR" sz="1400" b="1" dirty="0">
+              <a:solidFill>
+                <a:schemeClr val="bg1"/>
+              </a:solidFill>
+            </a:endParaRPr>
+          </a:p>
+        </p:txBody>
+      </p:sp>
+      <p:sp>
+        <p:nvSpPr>
+          <p:cNvPr id="8" name="Rectangle : coins arrondis 7">
+            <a:extLst>
+              <a:ext uri="{FF2B5EF4-FFF2-40B4-BE49-F238E27FC236}">
+                <a16:creationId xmlns:a16="http://schemas.microsoft.com/office/drawing/2014/main" id="{C1FC0BC4-3CAE-FBAE-E202-0F45EE56FFDC}"/>
+              </a:ext>
+            </a:extLst>
+          </p:cNvPr>
+          <p:cNvSpPr/>
+          <p:nvPr/>
+        </p:nvSpPr>
+        <p:spPr>
+          <a:xfrm>
+            <a:off x="8858930" y="4016378"/>
+            <a:ext cx="1668226" cy="376537"/>
+          </a:xfrm>
+          <a:prstGeom prst="roundRect">
+            <a:avLst>
+              <a:gd name="adj" fmla="val 16782"/>
+            </a:avLst>
+          </a:prstGeom>
+          <a:solidFill>
+            <a:schemeClr val="tx1">
+              <a:lumMod val="60000"/>
+              <a:lumOff val="40000"/>
+            </a:schemeClr>
+          </a:solidFill>
+        </p:spPr>
+        <p:style>
+          <a:lnRef idx="1">
+            <a:schemeClr val="accent1"/>
+          </a:lnRef>
+          <a:fillRef idx="3">
+            <a:schemeClr val="accent1"/>
+          </a:fillRef>
+          <a:effectRef idx="2">
+            <a:schemeClr val="accent1"/>
+          </a:effectRef>
+          <a:fontRef idx="minor">
+            <a:schemeClr val="lt1"/>
+          </a:fontRef>
+        </p:style>
+        <p:txBody>
+          <a:bodyPr rtlCol="0" anchor="ctr"/>
+          <a:lstStyle/>
+          <a:p>
+            <a:pPr algn="ctr"/>
+            <a:r>
+              <a:rPr lang="fr-FR" sz="1400" b="1" err="1">
+                <a:solidFill>
+                  <a:schemeClr val="bg1"/>
+                </a:solidFill>
+              </a:rPr>
+              <a:t>DCXxx.</a:t>
+            </a:r>
+            <a:r>
+              <a:rPr lang="fr-FR" sz="1400" b="1">
+                <a:solidFill>
+                  <a:schemeClr val="bg1"/>
+                </a:solidFill>
+              </a:rPr>
+              <a:t>cs</a:t>
+            </a:r>
+          </a:p>
+        </p:txBody>
+      </p:sp>
+    </p:spTree>
+    <p:extLst>
+      <p:ext uri="{BB962C8B-B14F-4D97-AF65-F5344CB8AC3E}">
+        <p14:creationId xmlns:p14="http://schemas.microsoft.com/office/powerpoint/2010/main" val="981786815"/>
+      </p:ext>
+    </p:extLst>
+  </p:cSld>
+  <p:clrMapOvr>
+    <a:masterClrMapping/>
+  </p:clrMapOvr>
+</p:sld>
+</file>
+
+<file path=ppt/slides/slide6.xml><?xml version="1.0" encoding="utf-8"?>
+<p:sld xmlns:a="http://schemas.openxmlformats.org/drawingml/2006/main" xmlns:r="http://schemas.openxmlformats.org/officeDocument/2006/relationships" xmlns:p="http://schemas.openxmlformats.org/presentationml/2006/main">
+  <p:cSld>
+    <p:spTree>
+      <p:nvGrpSpPr>
+        <p:cNvPr id="1" name=""/>
+        <p:cNvGrpSpPr/>
+        <p:nvPr/>
+      </p:nvGrpSpPr>
+      <p:grpSpPr>
+        <a:xfrm>
+          <a:off x="0" y="0"/>
+          <a:ext cx="0" cy="0"/>
+          <a:chOff x="0" y="0"/>
+          <a:chExt cx="0" cy="0"/>
+        </a:xfrm>
+      </p:grpSpPr>
+      <p:sp>
+        <p:nvSpPr>
           <p:cNvPr id="2" name="Titre 1">
             <a:extLst>
               <a:ext uri="{FF2B5EF4-FFF2-40B4-BE49-F238E27FC236}">
@@ -25800,7 +29846,7 @@
           <a:p>
             <a:fld id="{E14D0CC5-784E-4B7E-B9F4-EE71C08DA69C}" type="slidenum">
               <a:rPr lang="fr-FR" smtClean="0"/>
-              <a:t>5</a:t>
+              <a:t>6</a:t>
             </a:fld>
             <a:endParaRPr lang="fr-FR"/>
           </a:p>
@@ -27073,7 +31119,7 @@
 </p:sld>
 </file>
 
-<file path=ppt/slides/slide6.xml><?xml version="1.0" encoding="utf-8"?>
+<file path=ppt/slides/slide7.xml><?xml version="1.0" encoding="utf-8"?>
 <p:sld xmlns:a="http://schemas.openxmlformats.org/drawingml/2006/main" xmlns:r="http://schemas.openxmlformats.org/officeDocument/2006/relationships" xmlns:p="http://schemas.openxmlformats.org/presentationml/2006/main">
   <p:cSld>
     <p:spTree>
@@ -27167,7 +31213,7 @@
 </p:sld>
 </file>
 
-<file path=ppt/slides/slide7.xml><?xml version="1.0" encoding="utf-8"?>
+<file path=ppt/slides/slide8.xml><?xml version="1.0" encoding="utf-8"?>
 <p:sld xmlns:a="http://schemas.openxmlformats.org/drawingml/2006/main" xmlns:r="http://schemas.openxmlformats.org/officeDocument/2006/relationships" xmlns:p="http://schemas.openxmlformats.org/presentationml/2006/main">
   <p:cSld>
     <p:spTree>
@@ -27258,7 +31304,7 @@
           <a:p>
             <a:fld id="{E14D0CC5-784E-4B7E-B9F4-EE71C08DA69C}" type="slidenum">
               <a:rPr lang="fr-FR" smtClean="0"/>
-              <a:t>7</a:t>
+              <a:t>8</a:t>
             </a:fld>
             <a:endParaRPr lang="fr-FR" dirty="0"/>
           </a:p>
@@ -29446,7 +33492,7 @@
 </p:sld>
 </file>
 
-<file path=ppt/slides/slide8.xml><?xml version="1.0" encoding="utf-8"?>
+<file path=ppt/slides/slide9.xml><?xml version="1.0" encoding="utf-8"?>
 <p:sld xmlns:a="http://schemas.openxmlformats.org/drawingml/2006/main" xmlns:r="http://schemas.openxmlformats.org/officeDocument/2006/relationships" xmlns:p="http://schemas.openxmlformats.org/presentationml/2006/main">
   <p:cSld>
     <p:spTree>
@@ -29486,7 +33532,7 @@
           <a:p>
             <a:fld id="{E14D0CC5-784E-4B7E-B9F4-EE71C08DA69C}" type="slidenum">
               <a:rPr lang="fr-FR" smtClean="0"/>
-              <a:t>8</a:t>
+              <a:t>9</a:t>
             </a:fld>
             <a:endParaRPr lang="fr-FR" dirty="0"/>
           </a:p>
@@ -31662,422 +35708,6 @@
     <p:extLst>
       <p:ext uri="{BB962C8B-B14F-4D97-AF65-F5344CB8AC3E}">
         <p14:creationId xmlns:p14="http://schemas.microsoft.com/office/powerpoint/2010/main" val="3826812545"/>
-      </p:ext>
-    </p:extLst>
-  </p:cSld>
-  <p:clrMapOvr>
-    <a:masterClrMapping/>
-  </p:clrMapOvr>
-</p:sld>
-</file>
-
-<file path=ppt/slides/slide9.xml><?xml version="1.0" encoding="utf-8"?>
-<p:sld xmlns:a="http://schemas.openxmlformats.org/drawingml/2006/main" xmlns:r="http://schemas.openxmlformats.org/officeDocument/2006/relationships" xmlns:p="http://schemas.openxmlformats.org/presentationml/2006/main">
-  <p:cSld>
-    <p:spTree>
-      <p:nvGrpSpPr>
-        <p:cNvPr id="1" name=""/>
-        <p:cNvGrpSpPr/>
-        <p:nvPr/>
-      </p:nvGrpSpPr>
-      <p:grpSpPr>
-        <a:xfrm>
-          <a:off x="0" y="0"/>
-          <a:ext cx="0" cy="0"/>
-          <a:chOff x="0" y="0"/>
-          <a:chExt cx="0" cy="0"/>
-        </a:xfrm>
-      </p:grpSpPr>
-      <p:sp>
-        <p:nvSpPr>
-          <p:cNvPr id="6" name="Espace réservé du numéro de diapositive 5">
-            <a:extLst>
-              <a:ext uri="{FF2B5EF4-FFF2-40B4-BE49-F238E27FC236}">
-                <a16:creationId xmlns:a16="http://schemas.microsoft.com/office/drawing/2014/main" id="{4576F49A-6A7E-470D-82F5-6D36342DDF17}"/>
-              </a:ext>
-            </a:extLst>
-          </p:cNvPr>
-          <p:cNvSpPr>
-            <a:spLocks noGrp="1"/>
-          </p:cNvSpPr>
-          <p:nvPr>
-            <p:ph type="sldNum" sz="quarter" idx="10"/>
-          </p:nvPr>
-        </p:nvSpPr>
-        <p:spPr/>
-        <p:txBody>
-          <a:bodyPr/>
-          <a:lstStyle/>
-          <a:p>
-            <a:fld id="{E14D0CC5-784E-4B7E-B9F4-EE71C08DA69C}" type="slidenum">
-              <a:rPr lang="fr-FR" smtClean="0"/>
-              <a:t>9</a:t>
-            </a:fld>
-            <a:endParaRPr lang="fr-FR" dirty="0"/>
-          </a:p>
-        </p:txBody>
-      </p:sp>
-      <p:sp>
-        <p:nvSpPr>
-          <p:cNvPr id="15" name="Text Placeholder 14">
-            <a:extLst>
-              <a:ext uri="{FF2B5EF4-FFF2-40B4-BE49-F238E27FC236}">
-                <a16:creationId xmlns:a16="http://schemas.microsoft.com/office/drawing/2014/main" id="{01078451-11F9-0E15-718A-3CF3E289D849}"/>
-              </a:ext>
-            </a:extLst>
-          </p:cNvPr>
-          <p:cNvSpPr>
-            <a:spLocks noGrp="1"/>
-          </p:cNvSpPr>
-          <p:nvPr>
-            <p:ph type="body" sz="quarter" idx="19"/>
-          </p:nvPr>
-        </p:nvSpPr>
-        <p:spPr/>
-        <p:txBody>
-          <a:bodyPr/>
-          <a:lstStyle/>
-          <a:p>
-            <a:pPr marL="0" indent="0" algn="ctr">
-              <a:buNone/>
-            </a:pPr>
-            <a:r>
-              <a:rPr lang="en-US" dirty="0" err="1"/>
-              <a:t>App.Specific</a:t>
-            </a:r>
-            <a:endParaRPr lang="en-US" dirty="0"/>
-          </a:p>
-          <a:p>
-            <a:pPr marL="216000" indent="-144000">
-              <a:spcBef>
-                <a:spcPts val="300"/>
-              </a:spcBef>
-            </a:pPr>
-            <a:r>
-              <a:rPr lang="fr-FR" dirty="0" err="1">
-                <a:solidFill>
-                  <a:schemeClr val="tx2"/>
-                </a:solidFill>
-                <a:ea typeface="+mn-lt"/>
-                <a:cs typeface="+mn-lt"/>
-              </a:rPr>
-              <a:t>Ui.Components</a:t>
-            </a:r>
-            <a:r>
-              <a:rPr lang="fr-FR" dirty="0">
-                <a:solidFill>
-                  <a:schemeClr val="tx2"/>
-                </a:solidFill>
-                <a:ea typeface="+mn-lt"/>
-                <a:cs typeface="+mn-lt"/>
-              </a:rPr>
-              <a:t>.</a:t>
-            </a:r>
-            <a:endParaRPr lang="fr-FR" sz="2000" b="0" dirty="0">
-              <a:solidFill>
-                <a:schemeClr val="tx2"/>
-              </a:solidFill>
-              <a:ea typeface="+mn-lt"/>
-              <a:cs typeface="+mn-lt"/>
-            </a:endParaRPr>
-          </a:p>
-          <a:p>
-            <a:endParaRPr lang="en-US" dirty="0"/>
-          </a:p>
-        </p:txBody>
-      </p:sp>
-      <p:sp>
-        <p:nvSpPr>
-          <p:cNvPr id="7" name="Espace réservé du texte 6">
-            <a:extLst>
-              <a:ext uri="{FF2B5EF4-FFF2-40B4-BE49-F238E27FC236}">
-                <a16:creationId xmlns:a16="http://schemas.microsoft.com/office/drawing/2014/main" id="{BC9C685F-33E7-44F5-9E08-33C92172C97D}"/>
-              </a:ext>
-            </a:extLst>
-          </p:cNvPr>
-          <p:cNvSpPr>
-            <a:spLocks noGrp="1"/>
-          </p:cNvSpPr>
-          <p:nvPr>
-            <p:ph type="body" sz="quarter" idx="16"/>
-          </p:nvPr>
-        </p:nvSpPr>
-        <p:spPr/>
-        <p:txBody>
-          <a:bodyPr/>
-          <a:lstStyle/>
-          <a:p>
-            <a:r>
-              <a:rPr lang="fr-FR">
-                <a:latin typeface="Arial"/>
-                <a:cs typeface="Arial"/>
-              </a:rPr>
-              <a:t>Components</a:t>
-            </a:r>
-            <a:endParaRPr lang="fr-FR" dirty="0"/>
-          </a:p>
-        </p:txBody>
-      </p:sp>
-      <p:sp>
-        <p:nvSpPr>
-          <p:cNvPr id="16" name="Text Placeholder 15">
-            <a:extLst>
-              <a:ext uri="{FF2B5EF4-FFF2-40B4-BE49-F238E27FC236}">
-                <a16:creationId xmlns:a16="http://schemas.microsoft.com/office/drawing/2014/main" id="{F8E4BF1B-F213-B512-4881-8884F34B53C6}"/>
-              </a:ext>
-            </a:extLst>
-          </p:cNvPr>
-          <p:cNvSpPr>
-            <a:spLocks noGrp="1"/>
-          </p:cNvSpPr>
-          <p:nvPr>
-            <p:ph type="body" sz="quarter" idx="20"/>
-          </p:nvPr>
-        </p:nvSpPr>
-        <p:spPr/>
-        <p:txBody>
-          <a:bodyPr/>
-          <a:lstStyle/>
-          <a:p>
-            <a:pPr marL="0" indent="0" algn="ctr">
-              <a:buFont typeface="Arial" panose="020B0604020202020204" pitchFamily="34" charset="0"/>
-              <a:buNone/>
-            </a:pPr>
-            <a:r>
-              <a:rPr lang="en-US" dirty="0" err="1"/>
-              <a:t>Api.Specific</a:t>
-            </a:r>
-            <a:endParaRPr lang="en-US" dirty="0"/>
-          </a:p>
-          <a:p>
-            <a:pPr marL="216000" indent="-144000">
-              <a:spcBef>
-                <a:spcPts val="300"/>
-              </a:spcBef>
-            </a:pPr>
-            <a:r>
-              <a:rPr lang="fr-FR" dirty="0">
-                <a:solidFill>
-                  <a:schemeClr val="tx2"/>
-                </a:solidFill>
-                <a:ea typeface="+mn-lt"/>
-                <a:cs typeface="+mn-lt"/>
-              </a:rPr>
-              <a:t>Http </a:t>
-            </a:r>
-            <a:r>
-              <a:rPr lang="fr-FR" b="0" dirty="0">
-                <a:solidFill>
-                  <a:schemeClr val="tx2"/>
-                </a:solidFill>
-                <a:ea typeface="+mn-lt"/>
-                <a:cs typeface="+mn-lt"/>
-              </a:rPr>
-              <a:t>– </a:t>
-            </a:r>
-            <a:r>
-              <a:rPr lang="fr-FR" b="0" dirty="0" err="1">
-                <a:solidFill>
-                  <a:schemeClr val="tx2"/>
-                </a:solidFill>
-                <a:ea typeface="+mn-lt"/>
-                <a:cs typeface="+mn-lt"/>
-              </a:rPr>
-              <a:t>Delete</a:t>
-            </a:r>
-            <a:r>
-              <a:rPr lang="fr-FR" b="0" dirty="0">
-                <a:solidFill>
-                  <a:schemeClr val="tx2"/>
-                </a:solidFill>
-                <a:ea typeface="+mn-lt"/>
-                <a:cs typeface="+mn-lt"/>
-              </a:rPr>
-              <a:t> 204, </a:t>
-            </a:r>
-            <a:r>
-              <a:rPr lang="fr-FR" b="0" dirty="0" err="1">
-                <a:solidFill>
-                  <a:schemeClr val="tx2"/>
-                </a:solidFill>
-                <a:ea typeface="+mn-lt"/>
-                <a:cs typeface="+mn-lt"/>
-              </a:rPr>
-              <a:t>Get</a:t>
-            </a:r>
-            <a:r>
-              <a:rPr lang="fr-FR" b="0" dirty="0">
-                <a:solidFill>
-                  <a:schemeClr val="tx2"/>
-                </a:solidFill>
-                <a:ea typeface="+mn-lt"/>
-                <a:cs typeface="+mn-lt"/>
-              </a:rPr>
-              <a:t> 200, Put</a:t>
-            </a:r>
-          </a:p>
-          <a:p>
-            <a:pPr marL="216000" indent="-144000">
-              <a:spcBef>
-                <a:spcPts val="300"/>
-              </a:spcBef>
-            </a:pPr>
-            <a:r>
-              <a:rPr lang="fr-FR" dirty="0">
-                <a:solidFill>
-                  <a:schemeClr val="tx2"/>
-                </a:solidFill>
-                <a:ea typeface="+mn-lt"/>
-                <a:cs typeface="+mn-lt"/>
-              </a:rPr>
-              <a:t>Definition. </a:t>
-            </a:r>
-            <a:r>
-              <a:rPr lang="fr-FR" b="0" dirty="0">
-                <a:solidFill>
-                  <a:schemeClr val="tx2"/>
-                </a:solidFill>
-                <a:ea typeface="+mn-lt"/>
-                <a:cs typeface="+mn-lt"/>
-              </a:rPr>
-              <a:t>SwaggerUi / SwaggerGen</a:t>
-            </a:r>
-            <a:endParaRPr lang="fr-FR" dirty="0">
-              <a:solidFill>
-                <a:schemeClr val="tx2"/>
-              </a:solidFill>
-              <a:ea typeface="+mn-lt"/>
-              <a:cs typeface="+mn-lt"/>
-            </a:endParaRPr>
-          </a:p>
-          <a:p>
-            <a:pPr marL="216000" indent="-144000">
-              <a:spcBef>
-                <a:spcPts val="300"/>
-              </a:spcBef>
-            </a:pPr>
-            <a:r>
-              <a:rPr lang="fr-FR" dirty="0" err="1">
-                <a:solidFill>
-                  <a:schemeClr val="tx2"/>
-                </a:solidFill>
-                <a:ea typeface="+mn-lt"/>
-                <a:cs typeface="+mn-lt"/>
-              </a:rPr>
-              <a:t>Endpoints</a:t>
-            </a:r>
-            <a:endParaRPr lang="fr-FR" dirty="0">
-              <a:solidFill>
-                <a:schemeClr val="tx2"/>
-              </a:solidFill>
-              <a:ea typeface="+mn-lt"/>
-              <a:cs typeface="+mn-lt"/>
-            </a:endParaRPr>
-          </a:p>
-          <a:p>
-            <a:pPr marL="504000" lvl="1" indent="-144000">
-              <a:spcBef>
-                <a:spcPts val="300"/>
-              </a:spcBef>
-            </a:pPr>
-            <a:r>
-              <a:rPr lang="fr-FR" b="0" dirty="0">
-                <a:ea typeface="+mn-lt"/>
-                <a:cs typeface="+mn-lt"/>
-              </a:rPr>
-              <a:t>Tout ce qui est créé/modifié doit être retournée (Pourquoi ?)</a:t>
-            </a:r>
-            <a:endParaRPr lang="en-US" dirty="0"/>
-          </a:p>
-          <a:p>
-            <a:endParaRPr lang="en-US" dirty="0"/>
-          </a:p>
-        </p:txBody>
-      </p:sp>
-      <p:sp>
-        <p:nvSpPr>
-          <p:cNvPr id="2" name="Titre 1">
-            <a:extLst>
-              <a:ext uri="{FF2B5EF4-FFF2-40B4-BE49-F238E27FC236}">
-                <a16:creationId xmlns:a16="http://schemas.microsoft.com/office/drawing/2014/main" id="{81B4020D-2DE6-4B6C-822C-676A9E68ECFA}"/>
-              </a:ext>
-            </a:extLst>
-          </p:cNvPr>
-          <p:cNvSpPr>
-            <a:spLocks noGrp="1"/>
-          </p:cNvSpPr>
-          <p:nvPr>
-            <p:ph type="title"/>
-          </p:nvPr>
-        </p:nvSpPr>
-        <p:spPr/>
-        <p:txBody>
-          <a:bodyPr/>
-          <a:lstStyle/>
-          <a:p>
-            <a:r>
-              <a:rPr lang="fr-FR" dirty="0"/>
-              <a:t>App &amp; Api</a:t>
-            </a:r>
-            <a:endParaRPr lang="fr-LU" dirty="0"/>
-          </a:p>
-        </p:txBody>
-      </p:sp>
-      <p:sp>
-        <p:nvSpPr>
-          <p:cNvPr id="14" name="Espace réservé du pied de page 5">
-            <a:extLst>
-              <a:ext uri="{FF2B5EF4-FFF2-40B4-BE49-F238E27FC236}">
-                <a16:creationId xmlns:a16="http://schemas.microsoft.com/office/drawing/2014/main" id="{70578D5F-6465-4780-BC67-4A5616A81F4F}"/>
-              </a:ext>
-            </a:extLst>
-          </p:cNvPr>
-          <p:cNvSpPr>
-            <a:spLocks noGrp="1"/>
-          </p:cNvSpPr>
-          <p:nvPr>
-            <p:ph type="ftr" sz="quarter" idx="3"/>
-          </p:nvPr>
-        </p:nvSpPr>
-        <p:spPr>
-          <a:prstGeom prst="roundRect">
-            <a:avLst>
-              <a:gd name="adj" fmla="val 33687"/>
-            </a:avLst>
-          </a:prstGeom>
-          <a:ln w="19050">
-            <a:solidFill>
-              <a:schemeClr val="tx1"/>
-            </a:solidFill>
-          </a:ln>
-        </p:spPr>
-        <p:txBody>
-          <a:bodyPr vert="horz" lIns="91440" tIns="45720" rIns="91440" bIns="45720" rtlCol="0" anchor="ctr"/>
-          <a:lstStyle>
-            <a:lvl1pPr algn="ctr">
-              <a:defRPr lang="fr-FR" sz="1400" b="0" kern="1200" dirty="0" err="1">
-                <a:solidFill>
-                  <a:schemeClr val="tx2"/>
-                </a:solidFill>
-                <a:latin typeface="+mn-lt"/>
-                <a:ea typeface="+mn-ea"/>
-                <a:cs typeface="+mn-cs"/>
-              </a:defRPr>
-            </a:lvl1pPr>
-          </a:lstStyle>
-          <a:p>
-            <a:r>
-              <a:rPr lang="fr-LU" dirty="0"/>
-              <a:t>Unlocked By | K</a:t>
-            </a:r>
-            <a:endParaRPr lang="fr-FR" dirty="0"/>
-          </a:p>
-        </p:txBody>
-      </p:sp>
-    </p:spTree>
-    <p:extLst>
-      <p:ext uri="{BB962C8B-B14F-4D97-AF65-F5344CB8AC3E}">
-        <p14:creationId xmlns:p14="http://schemas.microsoft.com/office/powerpoint/2010/main" val="4128052329"/>
       </p:ext>
     </p:extLst>
   </p:cSld>
@@ -32939,6 +36569,17 @@
 </file>
 
 <file path=customXml/item1.xml><?xml version="1.0" encoding="utf-8"?>
+<p:properties xmlns:p="http://schemas.microsoft.com/office/2006/metadata/properties" xmlns:xsi="http://www.w3.org/2001/XMLSchema-instance" xmlns:pc="http://schemas.microsoft.com/office/infopath/2007/PartnerControls">
+  <documentManagement>
+    <lcf76f155ced4ddcb4097134ff3c332f xmlns="4686bda6-deda-4a53-9ce5-2ab192257292">
+      <Terms xmlns="http://schemas.microsoft.com/office/infopath/2007/PartnerControls"/>
+    </lcf76f155ced4ddcb4097134ff3c332f>
+    <TaxCatchAll xmlns="718058b2-8753-44ce-95b0-d0067b5629da" xsi:nil="true"/>
+  </documentManagement>
+</p:properties>
+</file>
+
+<file path=customXml/item2.xml><?xml version="1.0" encoding="utf-8"?>
 <?mso-contentType ?>
 <FormTemplates xmlns="http://schemas.microsoft.com/sharepoint/v3/contenttype/forms">
   <Display>DocumentLibraryForm</Display>
@@ -32947,7 +36588,7 @@
 </FormTemplates>
 </file>
 
-<file path=customXml/item2.xml><?xml version="1.0" encoding="utf-8"?>
+<file path=customXml/item3.xml><?xml version="1.0" encoding="utf-8"?>
 <ct:contentTypeSchema xmlns:ct="http://schemas.microsoft.com/office/2006/metadata/contentType" xmlns:ma="http://schemas.microsoft.com/office/2006/metadata/properties/metaAttributes" ct:_="" ma:_="" ma:contentTypeName="Document" ma:contentTypeID="0x010100318DB2E71BFB0A4FA8A357A8AE5B4C86" ma:contentTypeVersion="14" ma:contentTypeDescription="Crée un document." ma:contentTypeScope="" ma:versionID="5cc352c475e29e879957a58ceb39f927">
   <xsd:schema xmlns:xsd="http://www.w3.org/2001/XMLSchema" xmlns:xs="http://www.w3.org/2001/XMLSchema" xmlns:p="http://schemas.microsoft.com/office/2006/metadata/properties" xmlns:ns2="4686bda6-deda-4a53-9ce5-2ab192257292" xmlns:ns3="718058b2-8753-44ce-95b0-d0067b5629da" targetNamespace="http://schemas.microsoft.com/office/2006/metadata/properties" ma:root="true" ma:fieldsID="3475224a8dc04886dc3b8fc290b213f6" ns2:_="" ns3:_="">
     <xsd:import namespace="4686bda6-deda-4a53-9ce5-2ab192257292"/>
@@ -33176,18 +36817,18 @@
 </ct:contentTypeSchema>
 </file>
 
-<file path=customXml/item3.xml><?xml version="1.0" encoding="utf-8"?>
-<p:properties xmlns:p="http://schemas.microsoft.com/office/2006/metadata/properties" xmlns:xsi="http://www.w3.org/2001/XMLSchema-instance" xmlns:pc="http://schemas.microsoft.com/office/infopath/2007/PartnerControls">
-  <documentManagement>
-    <lcf76f155ced4ddcb4097134ff3c332f xmlns="4686bda6-deda-4a53-9ce5-2ab192257292">
-      <Terms xmlns="http://schemas.microsoft.com/office/infopath/2007/PartnerControls"/>
-    </lcf76f155ced4ddcb4097134ff3c332f>
-    <TaxCatchAll xmlns="718058b2-8753-44ce-95b0-d0067b5629da" xsi:nil="true"/>
-  </documentManagement>
-</p:properties>
+<file path=customXml/itemProps1.xml><?xml version="1.0" encoding="utf-8"?>
+<ds:datastoreItem xmlns:ds="http://schemas.openxmlformats.org/officeDocument/2006/customXml" ds:itemID="{04039FE3-5222-47C8-842D-2F3B0E099BAA}">
+  <ds:schemaRefs>
+    <ds:schemaRef ds:uri="4686bda6-deda-4a53-9ce5-2ab192257292"/>
+    <ds:schemaRef ds:uri="718058b2-8753-44ce-95b0-d0067b5629da"/>
+    <ds:schemaRef ds:uri="http://schemas.microsoft.com/office/2006/metadata/properties"/>
+    <ds:schemaRef ds:uri="http://schemas.microsoft.com/office/infopath/2007/PartnerControls"/>
+  </ds:schemaRefs>
+</ds:datastoreItem>
 </file>
 
-<file path=customXml/itemProps1.xml><?xml version="1.0" encoding="utf-8"?>
+<file path=customXml/itemProps2.xml><?xml version="1.0" encoding="utf-8"?>
 <ds:datastoreItem xmlns:ds="http://schemas.openxmlformats.org/officeDocument/2006/customXml" ds:itemID="{34397568-BCFC-4083-81F0-E6CAD2F36C27}">
   <ds:schemaRefs>
     <ds:schemaRef ds:uri="http://schemas.microsoft.com/sharepoint/v3/contenttype/forms"/>
@@ -33195,7 +36836,7 @@
 </ds:datastoreItem>
 </file>
 
-<file path=customXml/itemProps2.xml><?xml version="1.0" encoding="utf-8"?>
+<file path=customXml/itemProps3.xml><?xml version="1.0" encoding="utf-8"?>
 <ds:datastoreItem xmlns:ds="http://schemas.openxmlformats.org/officeDocument/2006/customXml" ds:itemID="{58D250B6-F169-4D8C-B790-4B2FA593FBD8}">
   <ds:schemaRefs>
     <ds:schemaRef ds:uri="4686bda6-deda-4a53-9ce5-2ab192257292"/>
@@ -33214,17 +36855,6 @@
 </ds:datastoreItem>
 </file>
 
-<file path=customXml/itemProps3.xml><?xml version="1.0" encoding="utf-8"?>
-<ds:datastoreItem xmlns:ds="http://schemas.openxmlformats.org/officeDocument/2006/customXml" ds:itemID="{04039FE3-5222-47C8-842D-2F3B0E099BAA}">
-  <ds:schemaRefs>
-    <ds:schemaRef ds:uri="4686bda6-deda-4a53-9ce5-2ab192257292"/>
-    <ds:schemaRef ds:uri="718058b2-8753-44ce-95b0-d0067b5629da"/>
-    <ds:schemaRef ds:uri="http://schemas.microsoft.com/office/2006/metadata/properties"/>
-    <ds:schemaRef ds:uri="http://schemas.microsoft.com/office/infopath/2007/PartnerControls"/>
-  </ds:schemaRefs>
-</ds:datastoreItem>
-</file>
-
 <file path=docMetadata/LabelInfo.xml><?xml version="1.0" encoding="utf-8"?>
 <clbl:labelList xmlns:clbl="http://schemas.microsoft.com/office/2020/mipLabelMetadata">
   <clbl:label id="{378055ef-7607-46e5-9564-5469035a1b2e}" enabled="1" method="Standard" siteId="{eb3c68b9-0935-4046-8550-8bcaa4167e2e}" removed="0"/>
